--- a/Präsentation/Präsentation.pptx
+++ b/Präsentation/Präsentation.pptx
@@ -2,15 +2,24 @@
 <file path=ppt/presentation.xml><?xml version="1.0" encoding="utf-8"?>
 <p:presentation xmlns:a="http://schemas.openxmlformats.org/drawingml/2006/main" xmlns:r="http://schemas.openxmlformats.org/officeDocument/2006/relationships" xmlns:p="http://schemas.openxmlformats.org/presentationml/2006/main" saveSubsetFonts="1">
   <p:sldMasterIdLst>
-    <p:sldMasterId id="2147483648" r:id="rId1"/>
+    <p:sldMasterId id="2147483660" r:id="rId1"/>
   </p:sldMasterIdLst>
+  <p:sldIdLst>
+    <p:sldId id="256" r:id="rId2"/>
+    <p:sldId id="257" r:id="rId3"/>
+    <p:sldId id="261" r:id="rId4"/>
+    <p:sldId id="258" r:id="rId5"/>
+    <p:sldId id="259" r:id="rId6"/>
+    <p:sldId id="260" r:id="rId7"/>
+    <p:sldId id="262" r:id="rId8"/>
+  </p:sldIdLst>
   <p:sldSz cx="9144000" cy="6858000" type="screen4x3"/>
   <p:notesSz cx="6858000" cy="9144000"/>
   <p:defaultTextStyle>
     <a:defPPr>
-      <a:defRPr lang="de-DE"/>
+      <a:defRPr lang="en-US"/>
     </a:defPPr>
-    <a:lvl1pPr marL="0" algn="l" defTabSz="914400" rtl="0" eaLnBrk="1" latinLnBrk="0" hangingPunct="1">
+    <a:lvl1pPr marL="0" algn="l" defTabSz="457200" rtl="0" eaLnBrk="1" latinLnBrk="0" hangingPunct="1">
       <a:defRPr sz="1800" kern="1200">
         <a:solidFill>
           <a:schemeClr val="tx1"/>
@@ -20,7 +29,7 @@
         <a:cs typeface="+mn-cs"/>
       </a:defRPr>
     </a:lvl1pPr>
-    <a:lvl2pPr marL="457200" algn="l" defTabSz="914400" rtl="0" eaLnBrk="1" latinLnBrk="0" hangingPunct="1">
+    <a:lvl2pPr marL="457200" algn="l" defTabSz="457200" rtl="0" eaLnBrk="1" latinLnBrk="0" hangingPunct="1">
       <a:defRPr sz="1800" kern="1200">
         <a:solidFill>
           <a:schemeClr val="tx1"/>
@@ -30,7 +39,7 @@
         <a:cs typeface="+mn-cs"/>
       </a:defRPr>
     </a:lvl2pPr>
-    <a:lvl3pPr marL="914400" algn="l" defTabSz="914400" rtl="0" eaLnBrk="1" latinLnBrk="0" hangingPunct="1">
+    <a:lvl3pPr marL="914400" algn="l" defTabSz="457200" rtl="0" eaLnBrk="1" latinLnBrk="0" hangingPunct="1">
       <a:defRPr sz="1800" kern="1200">
         <a:solidFill>
           <a:schemeClr val="tx1"/>
@@ -40,7 +49,7 @@
         <a:cs typeface="+mn-cs"/>
       </a:defRPr>
     </a:lvl3pPr>
-    <a:lvl4pPr marL="1371600" algn="l" defTabSz="914400" rtl="0" eaLnBrk="1" latinLnBrk="0" hangingPunct="1">
+    <a:lvl4pPr marL="1371600" algn="l" defTabSz="457200" rtl="0" eaLnBrk="1" latinLnBrk="0" hangingPunct="1">
       <a:defRPr sz="1800" kern="1200">
         <a:solidFill>
           <a:schemeClr val="tx1"/>
@@ -50,7 +59,7 @@
         <a:cs typeface="+mn-cs"/>
       </a:defRPr>
     </a:lvl4pPr>
-    <a:lvl5pPr marL="1828800" algn="l" defTabSz="914400" rtl="0" eaLnBrk="1" latinLnBrk="0" hangingPunct="1">
+    <a:lvl5pPr marL="1828800" algn="l" defTabSz="457200" rtl="0" eaLnBrk="1" latinLnBrk="0" hangingPunct="1">
       <a:defRPr sz="1800" kern="1200">
         <a:solidFill>
           <a:schemeClr val="tx1"/>
@@ -60,7 +69,7 @@
         <a:cs typeface="+mn-cs"/>
       </a:defRPr>
     </a:lvl5pPr>
-    <a:lvl6pPr marL="2286000" algn="l" defTabSz="914400" rtl="0" eaLnBrk="1" latinLnBrk="0" hangingPunct="1">
+    <a:lvl6pPr marL="2286000" algn="l" defTabSz="457200" rtl="0" eaLnBrk="1" latinLnBrk="0" hangingPunct="1">
       <a:defRPr sz="1800" kern="1200">
         <a:solidFill>
           <a:schemeClr val="tx1"/>
@@ -70,7 +79,7 @@
         <a:cs typeface="+mn-cs"/>
       </a:defRPr>
     </a:lvl6pPr>
-    <a:lvl7pPr marL="2743200" algn="l" defTabSz="914400" rtl="0" eaLnBrk="1" latinLnBrk="0" hangingPunct="1">
+    <a:lvl7pPr marL="2743200" algn="l" defTabSz="457200" rtl="0" eaLnBrk="1" latinLnBrk="0" hangingPunct="1">
       <a:defRPr sz="1800" kern="1200">
         <a:solidFill>
           <a:schemeClr val="tx1"/>
@@ -80,7 +89,7 @@
         <a:cs typeface="+mn-cs"/>
       </a:defRPr>
     </a:lvl7pPr>
-    <a:lvl8pPr marL="3200400" algn="l" defTabSz="914400" rtl="0" eaLnBrk="1" latinLnBrk="0" hangingPunct="1">
+    <a:lvl8pPr marL="3200400" algn="l" defTabSz="457200" rtl="0" eaLnBrk="1" latinLnBrk="0" hangingPunct="1">
       <a:defRPr sz="1800" kern="1200">
         <a:solidFill>
           <a:schemeClr val="tx1"/>
@@ -90,7 +99,7 @@
         <a:cs typeface="+mn-cs"/>
       </a:defRPr>
     </a:lvl8pPr>
-    <a:lvl9pPr marL="3657600" algn="l" defTabSz="914400" rtl="0" eaLnBrk="1" latinLnBrk="0" hangingPunct="1">
+    <a:lvl9pPr marL="3657600" algn="l" defTabSz="457200" rtl="0" eaLnBrk="1" latinLnBrk="0" hangingPunct="1">
       <a:defRPr sz="1800" kern="1200">
         <a:solidFill>
           <a:schemeClr val="tx1"/>
@@ -101,6 +110,22 @@
       </a:defRPr>
     </a:lvl9pPr>
   </p:defaultTextStyle>
+  <p:extLst>
+    <p:ext uri="{EFAFB233-063F-42B5-8137-9DF3F51BA10A}">
+      <p15:sldGuideLst xmlns:p15="http://schemas.microsoft.com/office/powerpoint/2012/main">
+        <p15:guide id="1" orient="horz" pos="2160">
+          <p15:clr>
+            <a:srgbClr val="A4A3A4"/>
+          </p15:clr>
+        </p15:guide>
+        <p15:guide id="2" pos="2880">
+          <p15:clr>
+            <a:srgbClr val="A4A3A4"/>
+          </p15:clr>
+        </p15:guide>
+      </p15:sldGuideLst>
+    </p:ext>
+  </p:extLst>
 </p:presentation>
 </file>
 
@@ -123,7 +148,7 @@
       </p:grpSpPr>
       <p:sp>
         <p:nvSpPr>
-          <p:cNvPr id="2" name="Titel 1"/>
+          <p:cNvPr id="2" name="Title 1"/>
           <p:cNvSpPr>
             <a:spLocks noGrp="1"/>
           </p:cNvSpPr>
@@ -133,25 +158,29 @@
         </p:nvSpPr>
         <p:spPr>
           <a:xfrm>
-            <a:off x="685800" y="2130425"/>
-            <a:ext cx="7772400" cy="1470025"/>
+            <a:off x="866442" y="1447801"/>
+            <a:ext cx="6620968" cy="3329581"/>
           </a:xfrm>
         </p:spPr>
         <p:txBody>
-          <a:bodyPr/>
-          <a:lstStyle/>
-          <a:p>
-            <a:r>
-              <a:rPr lang="de-DE" smtClean="0"/>
-              <a:t>Titelmasterformat durch Klicken bearbeiten</a:t>
-            </a:r>
-            <a:endParaRPr lang="de-DE"/>
-          </a:p>
-        </p:txBody>
-      </p:sp>
-      <p:sp>
-        <p:nvSpPr>
-          <p:cNvPr id="3" name="Untertitel 2"/>
+          <a:bodyPr anchor="b"/>
+          <a:lstStyle>
+            <a:lvl1pPr>
+              <a:defRPr sz="7200"/>
+            </a:lvl1pPr>
+          </a:lstStyle>
+          <a:p>
+            <a:r>
+              <a:rPr lang="de-DE"/>
+              <a:t>Mastertitelformat bearbeiten</a:t>
+            </a:r>
+            <a:endParaRPr lang="en-US" dirty="0"/>
+          </a:p>
+        </p:txBody>
+      </p:sp>
+      <p:sp>
+        <p:nvSpPr>
+          <p:cNvPr id="3" name="Subtitle 2"/>
           <p:cNvSpPr>
             <a:spLocks noGrp="1"/>
           </p:cNvSpPr>
@@ -161,19 +190,20 @@
         </p:nvSpPr>
         <p:spPr>
           <a:xfrm>
-            <a:off x="1371600" y="3886200"/>
-            <a:ext cx="6400800" cy="1752600"/>
+            <a:off x="866442" y="4777380"/>
+            <a:ext cx="6620968" cy="861420"/>
           </a:xfrm>
         </p:spPr>
         <p:txBody>
-          <a:bodyPr/>
+          <a:bodyPr anchor="t"/>
           <a:lstStyle>
-            <a:lvl1pPr marL="0" indent="0" algn="ctr">
-              <a:buNone/>
-              <a:defRPr>
+            <a:lvl1pPr marL="0" indent="0" algn="l">
+              <a:buNone/>
+              <a:defRPr cap="all">
                 <a:solidFill>
-                  <a:schemeClr val="tx1">
-                    <a:tint val="75000"/>
+                  <a:schemeClr val="bg2">
+                    <a:lumMod val="40000"/>
+                    <a:lumOff val="60000"/>
                   </a:schemeClr>
                 </a:solidFill>
               </a:defRPr>
@@ -261,16 +291,16 @@
           </a:lstStyle>
           <a:p>
             <a:r>
-              <a:rPr lang="de-DE" smtClean="0"/>
-              <a:t>Formatvorlage des Untertitelmasters durch Klicken bearbeiten</a:t>
-            </a:r>
-            <a:endParaRPr lang="de-DE"/>
-          </a:p>
-        </p:txBody>
-      </p:sp>
-      <p:sp>
-        <p:nvSpPr>
-          <p:cNvPr id="4" name="Datumsplatzhalter 3"/>
+              <a:rPr lang="de-DE"/>
+              <a:t>Master-Untertitelformat bearbeiten</a:t>
+            </a:r>
+            <a:endParaRPr lang="en-US" dirty="0"/>
+          </a:p>
+        </p:txBody>
+      </p:sp>
+      <p:sp>
+        <p:nvSpPr>
+          <p:cNvPr id="4" name="Date Placeholder 3"/>
           <p:cNvSpPr>
             <a:spLocks noGrp="1"/>
           </p:cNvSpPr>
@@ -285,7 +315,7 @@
           <a:p>
             <a:fld id="{1BA50D42-C9CD-4801-B293-61D1F53EC57E}" type="datetimeFigureOut">
               <a:rPr lang="de-DE" smtClean="0"/>
-              <a:t>14.09.2006</a:t>
+              <a:t>05.11.2019</a:t>
             </a:fld>
             <a:endParaRPr lang="de-DE"/>
           </a:p>
@@ -293,7 +323,7 @@
       </p:sp>
       <p:sp>
         <p:nvSpPr>
-          <p:cNvPr id="5" name="Fußzeilenplatzhalter 4"/>
+          <p:cNvPr id="5" name="Footer Placeholder 4"/>
           <p:cNvSpPr>
             <a:spLocks noGrp="1"/>
           </p:cNvSpPr>
@@ -312,7 +342,7 @@
       </p:sp>
       <p:sp>
         <p:nvSpPr>
-          <p:cNvPr id="6" name="Foliennummernplatzhalter 5"/>
+          <p:cNvPr id="6" name="Slide Number Placeholder 5"/>
           <p:cNvSpPr>
             <a:spLocks noGrp="1"/>
           </p:cNvSpPr>
@@ -334,6 +364,11 @@
         </p:txBody>
       </p:sp>
     </p:spTree>
+    <p:extLst>
+      <p:ext uri="{BB962C8B-B14F-4D97-AF65-F5344CB8AC3E}">
+        <p14:creationId xmlns:p14="http://schemas.microsoft.com/office/powerpoint/2010/main" val="373284839"/>
+      </p:ext>
+    </p:extLst>
   </p:cSld>
   <p:clrMapOvr>
     <a:masterClrMapping/>
@@ -342,6 +377,2572 @@
 </file>
 
 <file path=ppt/slideLayouts/slideLayout10.xml><?xml version="1.0" encoding="utf-8"?>
+<p:sldLayout xmlns:a="http://schemas.openxmlformats.org/drawingml/2006/main" xmlns:r="http://schemas.openxmlformats.org/officeDocument/2006/relationships" xmlns:p="http://schemas.openxmlformats.org/presentationml/2006/main" preserve="1">
+  <p:cSld name="Panoramabild mit Beschriftung">
+    <p:spTree>
+      <p:nvGrpSpPr>
+        <p:cNvPr id="1" name=""/>
+        <p:cNvGrpSpPr/>
+        <p:nvPr/>
+      </p:nvGrpSpPr>
+      <p:grpSpPr>
+        <a:xfrm>
+          <a:off x="0" y="0"/>
+          <a:ext cx="0" cy="0"/>
+          <a:chOff x="0" y="0"/>
+          <a:chExt cx="0" cy="0"/>
+        </a:xfrm>
+      </p:grpSpPr>
+      <p:sp>
+        <p:nvSpPr>
+          <p:cNvPr id="2" name="Title 1"/>
+          <p:cNvSpPr>
+            <a:spLocks noGrp="1"/>
+          </p:cNvSpPr>
+          <p:nvPr>
+            <p:ph type="title"/>
+          </p:nvPr>
+        </p:nvSpPr>
+        <p:spPr>
+          <a:xfrm>
+            <a:off x="866443" y="4800587"/>
+            <a:ext cx="6620967" cy="566738"/>
+          </a:xfrm>
+        </p:spPr>
+        <p:txBody>
+          <a:bodyPr anchor="b">
+            <a:normAutofit/>
+          </a:bodyPr>
+          <a:lstStyle>
+            <a:lvl1pPr algn="l">
+              <a:defRPr sz="2400" b="0"/>
+            </a:lvl1pPr>
+          </a:lstStyle>
+          <a:p>
+            <a:r>
+              <a:rPr lang="de-DE"/>
+              <a:t>Mastertitelformat bearbeiten</a:t>
+            </a:r>
+            <a:endParaRPr lang="en-US" dirty="0"/>
+          </a:p>
+        </p:txBody>
+      </p:sp>
+      <p:sp>
+        <p:nvSpPr>
+          <p:cNvPr id="3" name="Picture Placeholder 2"/>
+          <p:cNvSpPr>
+            <a:spLocks noGrp="1" noChangeAspect="1"/>
+          </p:cNvSpPr>
+          <p:nvPr>
+            <p:ph type="pic" idx="1"/>
+          </p:nvPr>
+        </p:nvSpPr>
+        <p:spPr>
+          <a:xfrm>
+            <a:off x="866442" y="685800"/>
+            <a:ext cx="6620968" cy="3640666"/>
+          </a:xfrm>
+          <a:prstGeom prst="roundRect">
+            <a:avLst>
+              <a:gd name="adj" fmla="val 1858"/>
+            </a:avLst>
+          </a:prstGeom>
+          <a:effectLst>
+            <a:outerShdw blurRad="50800" dist="50800" dir="5400000" algn="tl" rotWithShape="0">
+              <a:srgbClr val="000000">
+                <a:alpha val="43000"/>
+              </a:srgbClr>
+            </a:outerShdw>
+          </a:effectLst>
+        </p:spPr>
+        <p:txBody>
+          <a:bodyPr anchor="t">
+            <a:normAutofit/>
+          </a:bodyPr>
+          <a:lstStyle>
+            <a:lvl1pPr marL="0" indent="0" algn="ctr">
+              <a:buNone/>
+              <a:defRPr sz="1600"/>
+            </a:lvl1pPr>
+            <a:lvl2pPr marL="457200" indent="0">
+              <a:buNone/>
+              <a:defRPr sz="1600"/>
+            </a:lvl2pPr>
+            <a:lvl3pPr marL="914400" indent="0">
+              <a:buNone/>
+              <a:defRPr sz="1600"/>
+            </a:lvl3pPr>
+            <a:lvl4pPr marL="1371600" indent="0">
+              <a:buNone/>
+              <a:defRPr sz="1600"/>
+            </a:lvl4pPr>
+            <a:lvl5pPr marL="1828800" indent="0">
+              <a:buNone/>
+              <a:defRPr sz="1600"/>
+            </a:lvl5pPr>
+            <a:lvl6pPr marL="2286000" indent="0">
+              <a:buNone/>
+              <a:defRPr sz="1600"/>
+            </a:lvl6pPr>
+            <a:lvl7pPr marL="2743200" indent="0">
+              <a:buNone/>
+              <a:defRPr sz="1600"/>
+            </a:lvl7pPr>
+            <a:lvl8pPr marL="3200400" indent="0">
+              <a:buNone/>
+              <a:defRPr sz="1600"/>
+            </a:lvl8pPr>
+            <a:lvl9pPr marL="3657600" indent="0">
+              <a:buNone/>
+              <a:defRPr sz="1600"/>
+            </a:lvl9pPr>
+          </a:lstStyle>
+          <a:p>
+            <a:r>
+              <a:rPr lang="de-DE"/>
+              <a:t>Bild durch Klicken auf Symbol hinzufügen</a:t>
+            </a:r>
+            <a:endParaRPr lang="en-US" dirty="0"/>
+          </a:p>
+        </p:txBody>
+      </p:sp>
+      <p:sp>
+        <p:nvSpPr>
+          <p:cNvPr id="4" name="Text Placeholder 3"/>
+          <p:cNvSpPr>
+            <a:spLocks noGrp="1"/>
+          </p:cNvSpPr>
+          <p:nvPr>
+            <p:ph type="body" sz="half" idx="2"/>
+          </p:nvPr>
+        </p:nvSpPr>
+        <p:spPr>
+          <a:xfrm>
+            <a:off x="866443" y="5367325"/>
+            <a:ext cx="6620966" cy="493712"/>
+          </a:xfrm>
+        </p:spPr>
+        <p:txBody>
+          <a:bodyPr>
+            <a:normAutofit/>
+          </a:bodyPr>
+          <a:lstStyle>
+            <a:lvl1pPr marL="0" indent="0">
+              <a:buNone/>
+              <a:defRPr sz="1200"/>
+            </a:lvl1pPr>
+            <a:lvl2pPr marL="457200" indent="0">
+              <a:buNone/>
+              <a:defRPr sz="1200"/>
+            </a:lvl2pPr>
+            <a:lvl3pPr marL="914400" indent="0">
+              <a:buNone/>
+              <a:defRPr sz="1000"/>
+            </a:lvl3pPr>
+            <a:lvl4pPr marL="1371600" indent="0">
+              <a:buNone/>
+              <a:defRPr sz="900"/>
+            </a:lvl4pPr>
+            <a:lvl5pPr marL="1828800" indent="0">
+              <a:buNone/>
+              <a:defRPr sz="900"/>
+            </a:lvl5pPr>
+            <a:lvl6pPr marL="2286000" indent="0">
+              <a:buNone/>
+              <a:defRPr sz="900"/>
+            </a:lvl6pPr>
+            <a:lvl7pPr marL="2743200" indent="0">
+              <a:buNone/>
+              <a:defRPr sz="900"/>
+            </a:lvl7pPr>
+            <a:lvl8pPr marL="3200400" indent="0">
+              <a:buNone/>
+              <a:defRPr sz="900"/>
+            </a:lvl8pPr>
+            <a:lvl9pPr marL="3657600" indent="0">
+              <a:buNone/>
+              <a:defRPr sz="900"/>
+            </a:lvl9pPr>
+          </a:lstStyle>
+          <a:p>
+            <a:pPr lvl="0"/>
+            <a:r>
+              <a:rPr lang="de-DE"/>
+              <a:t>Mastertextformat bearbeiten</a:t>
+            </a:r>
+          </a:p>
+        </p:txBody>
+      </p:sp>
+      <p:sp>
+        <p:nvSpPr>
+          <p:cNvPr id="5" name="Date Placeholder 4"/>
+          <p:cNvSpPr>
+            <a:spLocks noGrp="1"/>
+          </p:cNvSpPr>
+          <p:nvPr>
+            <p:ph type="dt" sz="half" idx="10"/>
+          </p:nvPr>
+        </p:nvSpPr>
+        <p:spPr/>
+        <p:txBody>
+          <a:bodyPr/>
+          <a:lstStyle/>
+          <a:p>
+            <a:fld id="{1BA50D42-C9CD-4801-B293-61D1F53EC57E}" type="datetimeFigureOut">
+              <a:rPr lang="de-DE" smtClean="0"/>
+              <a:t>05.11.2019</a:t>
+            </a:fld>
+            <a:endParaRPr lang="de-DE"/>
+          </a:p>
+        </p:txBody>
+      </p:sp>
+      <p:sp>
+        <p:nvSpPr>
+          <p:cNvPr id="6" name="Footer Placeholder 5"/>
+          <p:cNvSpPr>
+            <a:spLocks noGrp="1"/>
+          </p:cNvSpPr>
+          <p:nvPr>
+            <p:ph type="ftr" sz="quarter" idx="11"/>
+          </p:nvPr>
+        </p:nvSpPr>
+        <p:spPr/>
+        <p:txBody>
+          <a:bodyPr/>
+          <a:lstStyle/>
+          <a:p>
+            <a:endParaRPr lang="de-DE"/>
+          </a:p>
+        </p:txBody>
+      </p:sp>
+      <p:sp>
+        <p:nvSpPr>
+          <p:cNvPr id="7" name="Slide Number Placeholder 6"/>
+          <p:cNvSpPr>
+            <a:spLocks noGrp="1"/>
+          </p:cNvSpPr>
+          <p:nvPr>
+            <p:ph type="sldNum" sz="quarter" idx="12"/>
+          </p:nvPr>
+        </p:nvSpPr>
+        <p:spPr/>
+        <p:txBody>
+          <a:bodyPr/>
+          <a:lstStyle/>
+          <a:p>
+            <a:fld id="{6C6AE60A-B69C-4790-82F7-3882EDF23186}" type="slidenum">
+              <a:rPr lang="de-DE" smtClean="0"/>
+              <a:t>‹Nr.›</a:t>
+            </a:fld>
+            <a:endParaRPr lang="de-DE"/>
+          </a:p>
+        </p:txBody>
+      </p:sp>
+    </p:spTree>
+    <p:extLst>
+      <p:ext uri="{BB962C8B-B14F-4D97-AF65-F5344CB8AC3E}">
+        <p14:creationId xmlns:p14="http://schemas.microsoft.com/office/powerpoint/2010/main" val="2469663766"/>
+      </p:ext>
+    </p:extLst>
+  </p:cSld>
+  <p:clrMapOvr>
+    <a:masterClrMapping/>
+  </p:clrMapOvr>
+</p:sldLayout>
+</file>
+
+<file path=ppt/slideLayouts/slideLayout11.xml><?xml version="1.0" encoding="utf-8"?>
+<p:sldLayout xmlns:a="http://schemas.openxmlformats.org/drawingml/2006/main" xmlns:r="http://schemas.openxmlformats.org/officeDocument/2006/relationships" xmlns:p="http://schemas.openxmlformats.org/presentationml/2006/main" preserve="1">
+  <p:cSld name="Titel und Beschriftung">
+    <p:spTree>
+      <p:nvGrpSpPr>
+        <p:cNvPr id="1" name=""/>
+        <p:cNvGrpSpPr/>
+        <p:nvPr/>
+      </p:nvGrpSpPr>
+      <p:grpSpPr>
+        <a:xfrm>
+          <a:off x="0" y="0"/>
+          <a:ext cx="0" cy="0"/>
+          <a:chOff x="0" y="0"/>
+          <a:chExt cx="0" cy="0"/>
+        </a:xfrm>
+      </p:grpSpPr>
+      <p:sp>
+        <p:nvSpPr>
+          <p:cNvPr id="2" name="Title 1"/>
+          <p:cNvSpPr>
+            <a:spLocks noGrp="1"/>
+          </p:cNvSpPr>
+          <p:nvPr>
+            <p:ph type="title"/>
+          </p:nvPr>
+        </p:nvSpPr>
+        <p:spPr>
+          <a:xfrm>
+            <a:off x="866442" y="1447800"/>
+            <a:ext cx="6620968" cy="1981200"/>
+          </a:xfrm>
+        </p:spPr>
+        <p:txBody>
+          <a:bodyPr/>
+          <a:lstStyle>
+            <a:lvl1pPr>
+              <a:defRPr sz="4800"/>
+            </a:lvl1pPr>
+          </a:lstStyle>
+          <a:p>
+            <a:r>
+              <a:rPr lang="de-DE"/>
+              <a:t>Mastertitelformat bearbeiten</a:t>
+            </a:r>
+            <a:endParaRPr lang="en-US" dirty="0"/>
+          </a:p>
+        </p:txBody>
+      </p:sp>
+      <p:sp>
+        <p:nvSpPr>
+          <p:cNvPr id="8" name="Text Placeholder 3"/>
+          <p:cNvSpPr>
+            <a:spLocks noGrp="1"/>
+          </p:cNvSpPr>
+          <p:nvPr>
+            <p:ph type="body" sz="half" idx="2"/>
+          </p:nvPr>
+        </p:nvSpPr>
+        <p:spPr>
+          <a:xfrm>
+            <a:off x="866442" y="3657600"/>
+            <a:ext cx="6620968" cy="2362200"/>
+          </a:xfrm>
+        </p:spPr>
+        <p:txBody>
+          <a:bodyPr anchor="ctr">
+            <a:normAutofit/>
+          </a:bodyPr>
+          <a:lstStyle>
+            <a:lvl1pPr marL="0" indent="0">
+              <a:buNone/>
+              <a:defRPr sz="1800"/>
+            </a:lvl1pPr>
+            <a:lvl2pPr marL="457200" indent="0">
+              <a:buNone/>
+              <a:defRPr sz="1200"/>
+            </a:lvl2pPr>
+            <a:lvl3pPr marL="914400" indent="0">
+              <a:buNone/>
+              <a:defRPr sz="1000"/>
+            </a:lvl3pPr>
+            <a:lvl4pPr marL="1371600" indent="0">
+              <a:buNone/>
+              <a:defRPr sz="900"/>
+            </a:lvl4pPr>
+            <a:lvl5pPr marL="1828800" indent="0">
+              <a:buNone/>
+              <a:defRPr sz="900"/>
+            </a:lvl5pPr>
+            <a:lvl6pPr marL="2286000" indent="0">
+              <a:buNone/>
+              <a:defRPr sz="900"/>
+            </a:lvl6pPr>
+            <a:lvl7pPr marL="2743200" indent="0">
+              <a:buNone/>
+              <a:defRPr sz="900"/>
+            </a:lvl7pPr>
+            <a:lvl8pPr marL="3200400" indent="0">
+              <a:buNone/>
+              <a:defRPr sz="900"/>
+            </a:lvl8pPr>
+            <a:lvl9pPr marL="3657600" indent="0">
+              <a:buNone/>
+              <a:defRPr sz="900"/>
+            </a:lvl9pPr>
+          </a:lstStyle>
+          <a:p>
+            <a:pPr lvl="0"/>
+            <a:r>
+              <a:rPr lang="de-DE"/>
+              <a:t>Mastertextformat bearbeiten</a:t>
+            </a:r>
+          </a:p>
+        </p:txBody>
+      </p:sp>
+      <p:sp>
+        <p:nvSpPr>
+          <p:cNvPr id="4" name="Date Placeholder 3"/>
+          <p:cNvSpPr>
+            <a:spLocks noGrp="1"/>
+          </p:cNvSpPr>
+          <p:nvPr>
+            <p:ph type="dt" sz="half" idx="10"/>
+          </p:nvPr>
+        </p:nvSpPr>
+        <p:spPr/>
+        <p:txBody>
+          <a:bodyPr/>
+          <a:lstStyle/>
+          <a:p>
+            <a:fld id="{1BA50D42-C9CD-4801-B293-61D1F53EC57E}" type="datetimeFigureOut">
+              <a:rPr lang="de-DE" smtClean="0"/>
+              <a:t>05.11.2019</a:t>
+            </a:fld>
+            <a:endParaRPr lang="de-DE"/>
+          </a:p>
+        </p:txBody>
+      </p:sp>
+      <p:sp>
+        <p:nvSpPr>
+          <p:cNvPr id="5" name="Footer Placeholder 4"/>
+          <p:cNvSpPr>
+            <a:spLocks noGrp="1"/>
+          </p:cNvSpPr>
+          <p:nvPr>
+            <p:ph type="ftr" sz="quarter" idx="11"/>
+          </p:nvPr>
+        </p:nvSpPr>
+        <p:spPr/>
+        <p:txBody>
+          <a:bodyPr/>
+          <a:lstStyle/>
+          <a:p>
+            <a:endParaRPr lang="de-DE"/>
+          </a:p>
+        </p:txBody>
+      </p:sp>
+      <p:sp>
+        <p:nvSpPr>
+          <p:cNvPr id="6" name="Slide Number Placeholder 5"/>
+          <p:cNvSpPr>
+            <a:spLocks noGrp="1"/>
+          </p:cNvSpPr>
+          <p:nvPr>
+            <p:ph type="sldNum" sz="quarter" idx="12"/>
+          </p:nvPr>
+        </p:nvSpPr>
+        <p:spPr/>
+        <p:txBody>
+          <a:bodyPr/>
+          <a:lstStyle/>
+          <a:p>
+            <a:fld id="{6C6AE60A-B69C-4790-82F7-3882EDF23186}" type="slidenum">
+              <a:rPr lang="de-DE" smtClean="0"/>
+              <a:t>‹Nr.›</a:t>
+            </a:fld>
+            <a:endParaRPr lang="de-DE"/>
+          </a:p>
+        </p:txBody>
+      </p:sp>
+    </p:spTree>
+    <p:extLst>
+      <p:ext uri="{BB962C8B-B14F-4D97-AF65-F5344CB8AC3E}">
+        <p14:creationId xmlns:p14="http://schemas.microsoft.com/office/powerpoint/2010/main" val="922700249"/>
+      </p:ext>
+    </p:extLst>
+  </p:cSld>
+  <p:clrMapOvr>
+    <a:masterClrMapping/>
+  </p:clrMapOvr>
+</p:sldLayout>
+</file>
+
+<file path=ppt/slideLayouts/slideLayout12.xml><?xml version="1.0" encoding="utf-8"?>
+<p:sldLayout xmlns:a="http://schemas.openxmlformats.org/drawingml/2006/main" xmlns:r="http://schemas.openxmlformats.org/officeDocument/2006/relationships" xmlns:p="http://schemas.openxmlformats.org/presentationml/2006/main" preserve="1">
+  <p:cSld name="Zitat mit Beschriftung">
+    <p:spTree>
+      <p:nvGrpSpPr>
+        <p:cNvPr id="1" name=""/>
+        <p:cNvGrpSpPr/>
+        <p:nvPr/>
+      </p:nvGrpSpPr>
+      <p:grpSpPr>
+        <a:xfrm>
+          <a:off x="0" y="0"/>
+          <a:ext cx="0" cy="0"/>
+          <a:chOff x="0" y="0"/>
+          <a:chExt cx="0" cy="0"/>
+        </a:xfrm>
+      </p:grpSpPr>
+      <p:sp>
+        <p:nvSpPr>
+          <p:cNvPr id="2" name="Title 1"/>
+          <p:cNvSpPr>
+            <a:spLocks noGrp="1"/>
+          </p:cNvSpPr>
+          <p:nvPr>
+            <p:ph type="title"/>
+          </p:nvPr>
+        </p:nvSpPr>
+        <p:spPr>
+          <a:xfrm>
+            <a:off x="1181409" y="1447800"/>
+            <a:ext cx="6001049" cy="2323374"/>
+          </a:xfrm>
+        </p:spPr>
+        <p:txBody>
+          <a:bodyPr/>
+          <a:lstStyle>
+            <a:lvl1pPr>
+              <a:defRPr sz="4800"/>
+            </a:lvl1pPr>
+          </a:lstStyle>
+          <a:p>
+            <a:r>
+              <a:rPr lang="de-DE"/>
+              <a:t>Mastertitelformat bearbeiten</a:t>
+            </a:r>
+            <a:endParaRPr lang="en-US" dirty="0"/>
+          </a:p>
+        </p:txBody>
+      </p:sp>
+      <p:sp>
+        <p:nvSpPr>
+          <p:cNvPr id="11" name="Text Placeholder 3"/>
+          <p:cNvSpPr>
+            <a:spLocks noGrp="1"/>
+          </p:cNvSpPr>
+          <p:nvPr>
+            <p:ph type="body" sz="half" idx="14"/>
+          </p:nvPr>
+        </p:nvSpPr>
+        <p:spPr>
+          <a:xfrm>
+            <a:off x="1448177" y="3771174"/>
+            <a:ext cx="5461159" cy="342174"/>
+          </a:xfrm>
+        </p:spPr>
+        <p:txBody>
+          <a:bodyPr vert="horz" lIns="91440" tIns="45720" rIns="91440" bIns="45720" rtlCol="0" anchor="t">
+            <a:normAutofit/>
+          </a:bodyPr>
+          <a:lstStyle>
+            <a:lvl1pPr marL="0" indent="0">
+              <a:buNone/>
+              <a:defRPr lang="en-US" sz="1400" b="0" i="0" kern="1200" cap="small" dirty="0">
+                <a:solidFill>
+                  <a:schemeClr val="bg2">
+                    <a:lumMod val="40000"/>
+                    <a:lumOff val="60000"/>
+                  </a:schemeClr>
+                </a:solidFill>
+                <a:latin typeface="+mj-lt"/>
+                <a:ea typeface="+mj-ea"/>
+                <a:cs typeface="+mj-cs"/>
+              </a:defRPr>
+            </a:lvl1pPr>
+            <a:lvl2pPr marL="457200" indent="0">
+              <a:buNone/>
+              <a:defRPr sz="1200"/>
+            </a:lvl2pPr>
+            <a:lvl3pPr marL="914400" indent="0">
+              <a:buNone/>
+              <a:defRPr sz="1000"/>
+            </a:lvl3pPr>
+            <a:lvl4pPr marL="1371600" indent="0">
+              <a:buNone/>
+              <a:defRPr sz="900"/>
+            </a:lvl4pPr>
+            <a:lvl5pPr marL="1828800" indent="0">
+              <a:buNone/>
+              <a:defRPr sz="900"/>
+            </a:lvl5pPr>
+            <a:lvl6pPr marL="2286000" indent="0">
+              <a:buNone/>
+              <a:defRPr sz="900"/>
+            </a:lvl6pPr>
+            <a:lvl7pPr marL="2743200" indent="0">
+              <a:buNone/>
+              <a:defRPr sz="900"/>
+            </a:lvl7pPr>
+            <a:lvl8pPr marL="3200400" indent="0">
+              <a:buNone/>
+              <a:defRPr sz="900"/>
+            </a:lvl8pPr>
+            <a:lvl9pPr marL="3657600" indent="0">
+              <a:buNone/>
+              <a:defRPr sz="900"/>
+            </a:lvl9pPr>
+          </a:lstStyle>
+          <a:p>
+            <a:pPr marL="0" lvl="0" indent="0">
+              <a:buNone/>
+            </a:pPr>
+            <a:r>
+              <a:rPr lang="de-DE"/>
+              <a:t>Mastertextformat bearbeiten</a:t>
+            </a:r>
+          </a:p>
+        </p:txBody>
+      </p:sp>
+      <p:sp>
+        <p:nvSpPr>
+          <p:cNvPr id="10" name="Text Placeholder 3"/>
+          <p:cNvSpPr>
+            <a:spLocks noGrp="1"/>
+          </p:cNvSpPr>
+          <p:nvPr>
+            <p:ph type="body" sz="half" idx="2"/>
+          </p:nvPr>
+        </p:nvSpPr>
+        <p:spPr>
+          <a:xfrm>
+            <a:off x="866442" y="4350657"/>
+            <a:ext cx="6620968" cy="1676400"/>
+          </a:xfrm>
+        </p:spPr>
+        <p:txBody>
+          <a:bodyPr anchor="ctr">
+            <a:normAutofit/>
+          </a:bodyPr>
+          <a:lstStyle>
+            <a:lvl1pPr marL="0" indent="0">
+              <a:buNone/>
+              <a:defRPr sz="1800"/>
+            </a:lvl1pPr>
+            <a:lvl2pPr marL="457200" indent="0">
+              <a:buNone/>
+              <a:defRPr sz="1200"/>
+            </a:lvl2pPr>
+            <a:lvl3pPr marL="914400" indent="0">
+              <a:buNone/>
+              <a:defRPr sz="1000"/>
+            </a:lvl3pPr>
+            <a:lvl4pPr marL="1371600" indent="0">
+              <a:buNone/>
+              <a:defRPr sz="900"/>
+            </a:lvl4pPr>
+            <a:lvl5pPr marL="1828800" indent="0">
+              <a:buNone/>
+              <a:defRPr sz="900"/>
+            </a:lvl5pPr>
+            <a:lvl6pPr marL="2286000" indent="0">
+              <a:buNone/>
+              <a:defRPr sz="900"/>
+            </a:lvl6pPr>
+            <a:lvl7pPr marL="2743200" indent="0">
+              <a:buNone/>
+              <a:defRPr sz="900"/>
+            </a:lvl7pPr>
+            <a:lvl8pPr marL="3200400" indent="0">
+              <a:buNone/>
+              <a:defRPr sz="900"/>
+            </a:lvl8pPr>
+            <a:lvl9pPr marL="3657600" indent="0">
+              <a:buNone/>
+              <a:defRPr sz="900"/>
+            </a:lvl9pPr>
+          </a:lstStyle>
+          <a:p>
+            <a:pPr lvl="0"/>
+            <a:r>
+              <a:rPr lang="de-DE"/>
+              <a:t>Mastertextformat bearbeiten</a:t>
+            </a:r>
+          </a:p>
+        </p:txBody>
+      </p:sp>
+      <p:sp>
+        <p:nvSpPr>
+          <p:cNvPr id="4" name="Date Placeholder 3"/>
+          <p:cNvSpPr>
+            <a:spLocks noGrp="1"/>
+          </p:cNvSpPr>
+          <p:nvPr>
+            <p:ph type="dt" sz="half" idx="10"/>
+          </p:nvPr>
+        </p:nvSpPr>
+        <p:spPr/>
+        <p:txBody>
+          <a:bodyPr/>
+          <a:lstStyle/>
+          <a:p>
+            <a:fld id="{1BA50D42-C9CD-4801-B293-61D1F53EC57E}" type="datetimeFigureOut">
+              <a:rPr lang="de-DE" smtClean="0"/>
+              <a:t>05.11.2019</a:t>
+            </a:fld>
+            <a:endParaRPr lang="de-DE"/>
+          </a:p>
+        </p:txBody>
+      </p:sp>
+      <p:sp>
+        <p:nvSpPr>
+          <p:cNvPr id="5" name="Footer Placeholder 4"/>
+          <p:cNvSpPr>
+            <a:spLocks noGrp="1"/>
+          </p:cNvSpPr>
+          <p:nvPr>
+            <p:ph type="ftr" sz="quarter" idx="11"/>
+          </p:nvPr>
+        </p:nvSpPr>
+        <p:spPr/>
+        <p:txBody>
+          <a:bodyPr/>
+          <a:lstStyle/>
+          <a:p>
+            <a:endParaRPr lang="de-DE"/>
+          </a:p>
+        </p:txBody>
+      </p:sp>
+      <p:sp>
+        <p:nvSpPr>
+          <p:cNvPr id="6" name="Slide Number Placeholder 5"/>
+          <p:cNvSpPr>
+            <a:spLocks noGrp="1"/>
+          </p:cNvSpPr>
+          <p:nvPr>
+            <p:ph type="sldNum" sz="quarter" idx="12"/>
+          </p:nvPr>
+        </p:nvSpPr>
+        <p:spPr/>
+        <p:txBody>
+          <a:bodyPr/>
+          <a:lstStyle/>
+          <a:p>
+            <a:fld id="{6C6AE60A-B69C-4790-82F7-3882EDF23186}" type="slidenum">
+              <a:rPr lang="de-DE" smtClean="0"/>
+              <a:t>‹Nr.›</a:t>
+            </a:fld>
+            <a:endParaRPr lang="de-DE"/>
+          </a:p>
+        </p:txBody>
+      </p:sp>
+      <p:sp>
+        <p:nvSpPr>
+          <p:cNvPr id="12" name="TextBox 11"/>
+          <p:cNvSpPr txBox="1"/>
+          <p:nvPr/>
+        </p:nvSpPr>
+        <p:spPr>
+          <a:xfrm>
+            <a:off x="673897" y="971253"/>
+            <a:ext cx="601591" cy="1969770"/>
+          </a:xfrm>
+          <a:prstGeom prst="rect">
+            <a:avLst/>
+          </a:prstGeom>
+          <a:noFill/>
+        </p:spPr>
+        <p:txBody>
+          <a:bodyPr wrap="square" rtlCol="0">
+            <a:spAutoFit/>
+          </a:bodyPr>
+          <a:lstStyle>
+            <a:defPPr>
+              <a:defRPr lang="en-US"/>
+            </a:defPPr>
+            <a:lvl1pPr algn="r">
+              <a:defRPr sz="12200" b="0" i="0">
+                <a:solidFill>
+                  <a:schemeClr val="bg2">
+                    <a:lumMod val="40000"/>
+                    <a:lumOff val="60000"/>
+                  </a:schemeClr>
+                </a:solidFill>
+                <a:latin typeface="Arial"/>
+                <a:ea typeface="+mj-ea"/>
+                <a:cs typeface="+mj-cs"/>
+              </a:defRPr>
+            </a:lvl1pPr>
+          </a:lstStyle>
+          <a:p>
+            <a:pPr lvl="0"/>
+            <a:r>
+              <a:rPr lang="en-US" sz="12200" dirty="0"/>
+              <a:t>“</a:t>
+            </a:r>
+          </a:p>
+        </p:txBody>
+      </p:sp>
+      <p:sp>
+        <p:nvSpPr>
+          <p:cNvPr id="15" name="TextBox 14"/>
+          <p:cNvSpPr txBox="1"/>
+          <p:nvPr/>
+        </p:nvSpPr>
+        <p:spPr>
+          <a:xfrm>
+            <a:off x="6999690" y="2613787"/>
+            <a:ext cx="601591" cy="1969770"/>
+          </a:xfrm>
+          <a:prstGeom prst="rect">
+            <a:avLst/>
+          </a:prstGeom>
+          <a:noFill/>
+        </p:spPr>
+        <p:txBody>
+          <a:bodyPr wrap="square" rtlCol="0">
+            <a:spAutoFit/>
+          </a:bodyPr>
+          <a:lstStyle>
+            <a:defPPr>
+              <a:defRPr lang="en-US"/>
+            </a:defPPr>
+            <a:lvl1pPr algn="r">
+              <a:defRPr sz="12200" b="0" i="0">
+                <a:solidFill>
+                  <a:schemeClr val="bg2">
+                    <a:lumMod val="40000"/>
+                    <a:lumOff val="60000"/>
+                  </a:schemeClr>
+                </a:solidFill>
+                <a:latin typeface="Arial"/>
+                <a:ea typeface="+mj-ea"/>
+                <a:cs typeface="+mj-cs"/>
+              </a:defRPr>
+            </a:lvl1pPr>
+          </a:lstStyle>
+          <a:p>
+            <a:pPr lvl="0"/>
+            <a:r>
+              <a:rPr lang="en-US" sz="12200" dirty="0"/>
+              <a:t>”</a:t>
+            </a:r>
+          </a:p>
+        </p:txBody>
+      </p:sp>
+    </p:spTree>
+    <p:extLst>
+      <p:ext uri="{BB962C8B-B14F-4D97-AF65-F5344CB8AC3E}">
+        <p14:creationId xmlns:p14="http://schemas.microsoft.com/office/powerpoint/2010/main" val="2932000050"/>
+      </p:ext>
+    </p:extLst>
+  </p:cSld>
+  <p:clrMapOvr>
+    <a:masterClrMapping/>
+  </p:clrMapOvr>
+</p:sldLayout>
+</file>
+
+<file path=ppt/slideLayouts/slideLayout13.xml><?xml version="1.0" encoding="utf-8"?>
+<p:sldLayout xmlns:a="http://schemas.openxmlformats.org/drawingml/2006/main" xmlns:r="http://schemas.openxmlformats.org/officeDocument/2006/relationships" xmlns:p="http://schemas.openxmlformats.org/presentationml/2006/main" preserve="1">
+  <p:cSld name="Namenskarte">
+    <p:spTree>
+      <p:nvGrpSpPr>
+        <p:cNvPr id="1" name=""/>
+        <p:cNvGrpSpPr/>
+        <p:nvPr/>
+      </p:nvGrpSpPr>
+      <p:grpSpPr>
+        <a:xfrm>
+          <a:off x="0" y="0"/>
+          <a:ext cx="0" cy="0"/>
+          <a:chOff x="0" y="0"/>
+          <a:chExt cx="0" cy="0"/>
+        </a:xfrm>
+      </p:grpSpPr>
+      <p:sp>
+        <p:nvSpPr>
+          <p:cNvPr id="2" name="Title 1"/>
+          <p:cNvSpPr>
+            <a:spLocks noGrp="1"/>
+          </p:cNvSpPr>
+          <p:nvPr>
+            <p:ph type="title"/>
+          </p:nvPr>
+        </p:nvSpPr>
+        <p:spPr>
+          <a:xfrm>
+            <a:off x="866441" y="3124201"/>
+            <a:ext cx="6620969" cy="1653180"/>
+          </a:xfrm>
+        </p:spPr>
+        <p:txBody>
+          <a:bodyPr anchor="b"/>
+          <a:lstStyle>
+            <a:lvl1pPr algn="l">
+              <a:defRPr sz="4000" b="0" cap="none"/>
+            </a:lvl1pPr>
+          </a:lstStyle>
+          <a:p>
+            <a:r>
+              <a:rPr lang="de-DE"/>
+              <a:t>Mastertitelformat bearbeiten</a:t>
+            </a:r>
+            <a:endParaRPr lang="en-US" dirty="0"/>
+          </a:p>
+        </p:txBody>
+      </p:sp>
+      <p:sp>
+        <p:nvSpPr>
+          <p:cNvPr id="3" name="Text Placeholder 2"/>
+          <p:cNvSpPr>
+            <a:spLocks noGrp="1"/>
+          </p:cNvSpPr>
+          <p:nvPr>
+            <p:ph type="body" idx="1"/>
+          </p:nvPr>
+        </p:nvSpPr>
+        <p:spPr>
+          <a:xfrm>
+            <a:off x="866442" y="4777381"/>
+            <a:ext cx="6620968" cy="860400"/>
+          </a:xfrm>
+        </p:spPr>
+        <p:txBody>
+          <a:bodyPr anchor="t"/>
+          <a:lstStyle>
+            <a:lvl1pPr marL="0" indent="0" algn="l">
+              <a:buNone/>
+              <a:defRPr sz="2000" cap="none">
+                <a:solidFill>
+                  <a:schemeClr val="bg2">
+                    <a:lumMod val="40000"/>
+                    <a:lumOff val="60000"/>
+                  </a:schemeClr>
+                </a:solidFill>
+              </a:defRPr>
+            </a:lvl1pPr>
+            <a:lvl2pPr marL="457200" indent="0">
+              <a:buNone/>
+              <a:defRPr sz="1800">
+                <a:solidFill>
+                  <a:schemeClr val="tx1">
+                    <a:tint val="75000"/>
+                  </a:schemeClr>
+                </a:solidFill>
+              </a:defRPr>
+            </a:lvl2pPr>
+            <a:lvl3pPr marL="914400" indent="0">
+              <a:buNone/>
+              <a:defRPr sz="1600">
+                <a:solidFill>
+                  <a:schemeClr val="tx1">
+                    <a:tint val="75000"/>
+                  </a:schemeClr>
+                </a:solidFill>
+              </a:defRPr>
+            </a:lvl3pPr>
+            <a:lvl4pPr marL="1371600" indent="0">
+              <a:buNone/>
+              <a:defRPr sz="1400">
+                <a:solidFill>
+                  <a:schemeClr val="tx1">
+                    <a:tint val="75000"/>
+                  </a:schemeClr>
+                </a:solidFill>
+              </a:defRPr>
+            </a:lvl4pPr>
+            <a:lvl5pPr marL="1828800" indent="0">
+              <a:buNone/>
+              <a:defRPr sz="1400">
+                <a:solidFill>
+                  <a:schemeClr val="tx1">
+                    <a:tint val="75000"/>
+                  </a:schemeClr>
+                </a:solidFill>
+              </a:defRPr>
+            </a:lvl5pPr>
+            <a:lvl6pPr marL="2286000" indent="0">
+              <a:buNone/>
+              <a:defRPr sz="1400">
+                <a:solidFill>
+                  <a:schemeClr val="tx1">
+                    <a:tint val="75000"/>
+                  </a:schemeClr>
+                </a:solidFill>
+              </a:defRPr>
+            </a:lvl6pPr>
+            <a:lvl7pPr marL="2743200" indent="0">
+              <a:buNone/>
+              <a:defRPr sz="1400">
+                <a:solidFill>
+                  <a:schemeClr val="tx1">
+                    <a:tint val="75000"/>
+                  </a:schemeClr>
+                </a:solidFill>
+              </a:defRPr>
+            </a:lvl7pPr>
+            <a:lvl8pPr marL="3200400" indent="0">
+              <a:buNone/>
+              <a:defRPr sz="1400">
+                <a:solidFill>
+                  <a:schemeClr val="tx1">
+                    <a:tint val="75000"/>
+                  </a:schemeClr>
+                </a:solidFill>
+              </a:defRPr>
+            </a:lvl8pPr>
+            <a:lvl9pPr marL="3657600" indent="0">
+              <a:buNone/>
+              <a:defRPr sz="1400">
+                <a:solidFill>
+                  <a:schemeClr val="tx1">
+                    <a:tint val="75000"/>
+                  </a:schemeClr>
+                </a:solidFill>
+              </a:defRPr>
+            </a:lvl9pPr>
+          </a:lstStyle>
+          <a:p>
+            <a:pPr lvl="0"/>
+            <a:r>
+              <a:rPr lang="de-DE"/>
+              <a:t>Mastertextformat bearbeiten</a:t>
+            </a:r>
+          </a:p>
+        </p:txBody>
+      </p:sp>
+      <p:sp>
+        <p:nvSpPr>
+          <p:cNvPr id="4" name="Date Placeholder 3"/>
+          <p:cNvSpPr>
+            <a:spLocks noGrp="1"/>
+          </p:cNvSpPr>
+          <p:nvPr>
+            <p:ph type="dt" sz="half" idx="10"/>
+          </p:nvPr>
+        </p:nvSpPr>
+        <p:spPr/>
+        <p:txBody>
+          <a:bodyPr/>
+          <a:lstStyle/>
+          <a:p>
+            <a:fld id="{1BA50D42-C9CD-4801-B293-61D1F53EC57E}" type="datetimeFigureOut">
+              <a:rPr lang="de-DE" smtClean="0"/>
+              <a:t>05.11.2019</a:t>
+            </a:fld>
+            <a:endParaRPr lang="de-DE"/>
+          </a:p>
+        </p:txBody>
+      </p:sp>
+      <p:sp>
+        <p:nvSpPr>
+          <p:cNvPr id="5" name="Footer Placeholder 4"/>
+          <p:cNvSpPr>
+            <a:spLocks noGrp="1"/>
+          </p:cNvSpPr>
+          <p:nvPr>
+            <p:ph type="ftr" sz="quarter" idx="11"/>
+          </p:nvPr>
+        </p:nvSpPr>
+        <p:spPr/>
+        <p:txBody>
+          <a:bodyPr/>
+          <a:lstStyle/>
+          <a:p>
+            <a:endParaRPr lang="de-DE"/>
+          </a:p>
+        </p:txBody>
+      </p:sp>
+      <p:sp>
+        <p:nvSpPr>
+          <p:cNvPr id="6" name="Slide Number Placeholder 5"/>
+          <p:cNvSpPr>
+            <a:spLocks noGrp="1"/>
+          </p:cNvSpPr>
+          <p:nvPr>
+            <p:ph type="sldNum" sz="quarter" idx="12"/>
+          </p:nvPr>
+        </p:nvSpPr>
+        <p:spPr/>
+        <p:txBody>
+          <a:bodyPr/>
+          <a:lstStyle/>
+          <a:p>
+            <a:fld id="{6C6AE60A-B69C-4790-82F7-3882EDF23186}" type="slidenum">
+              <a:rPr lang="de-DE" smtClean="0"/>
+              <a:t>‹Nr.›</a:t>
+            </a:fld>
+            <a:endParaRPr lang="de-DE"/>
+          </a:p>
+        </p:txBody>
+      </p:sp>
+    </p:spTree>
+    <p:extLst>
+      <p:ext uri="{BB962C8B-B14F-4D97-AF65-F5344CB8AC3E}">
+        <p14:creationId xmlns:p14="http://schemas.microsoft.com/office/powerpoint/2010/main" val="2260281751"/>
+      </p:ext>
+    </p:extLst>
+  </p:cSld>
+  <p:clrMapOvr>
+    <a:masterClrMapping/>
+  </p:clrMapOvr>
+</p:sldLayout>
+</file>
+
+<file path=ppt/slideLayouts/slideLayout14.xml><?xml version="1.0" encoding="utf-8"?>
+<p:sldLayout xmlns:a="http://schemas.openxmlformats.org/drawingml/2006/main" xmlns:r="http://schemas.openxmlformats.org/officeDocument/2006/relationships" xmlns:p="http://schemas.openxmlformats.org/presentationml/2006/main" preserve="1">
+  <p:cSld name="3 Spalte">
+    <p:spTree>
+      <p:nvGrpSpPr>
+        <p:cNvPr id="1" name=""/>
+        <p:cNvGrpSpPr/>
+        <p:nvPr/>
+      </p:nvGrpSpPr>
+      <p:grpSpPr>
+        <a:xfrm>
+          <a:off x="0" y="0"/>
+          <a:ext cx="0" cy="0"/>
+          <a:chOff x="0" y="0"/>
+          <a:chExt cx="0" cy="0"/>
+        </a:xfrm>
+      </p:grpSpPr>
+      <p:sp>
+        <p:nvSpPr>
+          <p:cNvPr id="2" name="Title 1"/>
+          <p:cNvSpPr>
+            <a:spLocks noGrp="1"/>
+          </p:cNvSpPr>
+          <p:nvPr>
+            <p:ph type="title"/>
+          </p:nvPr>
+        </p:nvSpPr>
+        <p:spPr/>
+        <p:txBody>
+          <a:bodyPr/>
+          <a:lstStyle>
+            <a:lvl1pPr>
+              <a:defRPr sz="4200"/>
+            </a:lvl1pPr>
+          </a:lstStyle>
+          <a:p>
+            <a:r>
+              <a:rPr lang="de-DE"/>
+              <a:t>Mastertitelformat bearbeiten</a:t>
+            </a:r>
+            <a:endParaRPr lang="en-US" dirty="0"/>
+          </a:p>
+        </p:txBody>
+      </p:sp>
+      <p:sp>
+        <p:nvSpPr>
+          <p:cNvPr id="3" name="Text Placeholder 2"/>
+          <p:cNvSpPr>
+            <a:spLocks noGrp="1"/>
+          </p:cNvSpPr>
+          <p:nvPr>
+            <p:ph type="body" idx="1"/>
+          </p:nvPr>
+        </p:nvSpPr>
+        <p:spPr>
+          <a:xfrm>
+            <a:off x="474834" y="1981200"/>
+            <a:ext cx="2210725" cy="576262"/>
+          </a:xfrm>
+        </p:spPr>
+        <p:txBody>
+          <a:bodyPr anchor="b">
+            <a:noAutofit/>
+          </a:bodyPr>
+          <a:lstStyle>
+            <a:lvl1pPr marL="0" indent="0">
+              <a:buNone/>
+              <a:defRPr sz="2400" b="0">
+                <a:solidFill>
+                  <a:schemeClr val="bg2">
+                    <a:lumMod val="40000"/>
+                    <a:lumOff val="60000"/>
+                  </a:schemeClr>
+                </a:solidFill>
+              </a:defRPr>
+            </a:lvl1pPr>
+            <a:lvl2pPr marL="457200" indent="0">
+              <a:buNone/>
+              <a:defRPr sz="2000" b="1"/>
+            </a:lvl2pPr>
+            <a:lvl3pPr marL="914400" indent="0">
+              <a:buNone/>
+              <a:defRPr sz="1800" b="1"/>
+            </a:lvl3pPr>
+            <a:lvl4pPr marL="1371600" indent="0">
+              <a:buNone/>
+              <a:defRPr sz="1600" b="1"/>
+            </a:lvl4pPr>
+            <a:lvl5pPr marL="1828800" indent="0">
+              <a:buNone/>
+              <a:defRPr sz="1600" b="1"/>
+            </a:lvl5pPr>
+            <a:lvl6pPr marL="2286000" indent="0">
+              <a:buNone/>
+              <a:defRPr sz="1600" b="1"/>
+            </a:lvl6pPr>
+            <a:lvl7pPr marL="2743200" indent="0">
+              <a:buNone/>
+              <a:defRPr sz="1600" b="1"/>
+            </a:lvl7pPr>
+            <a:lvl8pPr marL="3200400" indent="0">
+              <a:buNone/>
+              <a:defRPr sz="1600" b="1"/>
+            </a:lvl8pPr>
+            <a:lvl9pPr marL="3657600" indent="0">
+              <a:buNone/>
+              <a:defRPr sz="1600" b="1"/>
+            </a:lvl9pPr>
+          </a:lstStyle>
+          <a:p>
+            <a:pPr lvl="0"/>
+            <a:r>
+              <a:rPr lang="de-DE"/>
+              <a:t>Mastertextformat bearbeiten</a:t>
+            </a:r>
+          </a:p>
+        </p:txBody>
+      </p:sp>
+      <p:sp>
+        <p:nvSpPr>
+          <p:cNvPr id="16" name="Text Placeholder 3"/>
+          <p:cNvSpPr>
+            <a:spLocks noGrp="1"/>
+          </p:cNvSpPr>
+          <p:nvPr>
+            <p:ph type="body" sz="half" idx="15"/>
+          </p:nvPr>
+        </p:nvSpPr>
+        <p:spPr>
+          <a:xfrm>
+            <a:off x="489475" y="2667000"/>
+            <a:ext cx="2196084" cy="3589338"/>
+          </a:xfrm>
+        </p:spPr>
+        <p:txBody>
+          <a:bodyPr anchor="t">
+            <a:normAutofit/>
+          </a:bodyPr>
+          <a:lstStyle>
+            <a:lvl1pPr marL="0" indent="0">
+              <a:buNone/>
+              <a:defRPr sz="1400"/>
+            </a:lvl1pPr>
+            <a:lvl2pPr marL="457200" indent="0">
+              <a:buNone/>
+              <a:defRPr sz="1200"/>
+            </a:lvl2pPr>
+            <a:lvl3pPr marL="914400" indent="0">
+              <a:buNone/>
+              <a:defRPr sz="1000"/>
+            </a:lvl3pPr>
+            <a:lvl4pPr marL="1371600" indent="0">
+              <a:buNone/>
+              <a:defRPr sz="900"/>
+            </a:lvl4pPr>
+            <a:lvl5pPr marL="1828800" indent="0">
+              <a:buNone/>
+              <a:defRPr sz="900"/>
+            </a:lvl5pPr>
+            <a:lvl6pPr marL="2286000" indent="0">
+              <a:buNone/>
+              <a:defRPr sz="900"/>
+            </a:lvl6pPr>
+            <a:lvl7pPr marL="2743200" indent="0">
+              <a:buNone/>
+              <a:defRPr sz="900"/>
+            </a:lvl7pPr>
+            <a:lvl8pPr marL="3200400" indent="0">
+              <a:buNone/>
+              <a:defRPr sz="900"/>
+            </a:lvl8pPr>
+            <a:lvl9pPr marL="3657600" indent="0">
+              <a:buNone/>
+              <a:defRPr sz="900"/>
+            </a:lvl9pPr>
+          </a:lstStyle>
+          <a:p>
+            <a:pPr lvl="0"/>
+            <a:r>
+              <a:rPr lang="de-DE"/>
+              <a:t>Mastertextformat bearbeiten</a:t>
+            </a:r>
+          </a:p>
+        </p:txBody>
+      </p:sp>
+      <p:sp>
+        <p:nvSpPr>
+          <p:cNvPr id="5" name="Text Placeholder 4"/>
+          <p:cNvSpPr>
+            <a:spLocks noGrp="1"/>
+          </p:cNvSpPr>
+          <p:nvPr>
+            <p:ph type="body" sz="quarter" idx="3"/>
+          </p:nvPr>
+        </p:nvSpPr>
+        <p:spPr>
+          <a:xfrm>
+            <a:off x="2913504" y="1981200"/>
+            <a:ext cx="2202754" cy="576262"/>
+          </a:xfrm>
+        </p:spPr>
+        <p:txBody>
+          <a:bodyPr anchor="b">
+            <a:noAutofit/>
+          </a:bodyPr>
+          <a:lstStyle>
+            <a:lvl1pPr marL="0" indent="0">
+              <a:buNone/>
+              <a:defRPr sz="2400" b="0">
+                <a:solidFill>
+                  <a:schemeClr val="bg2">
+                    <a:lumMod val="40000"/>
+                    <a:lumOff val="60000"/>
+                  </a:schemeClr>
+                </a:solidFill>
+              </a:defRPr>
+            </a:lvl1pPr>
+            <a:lvl2pPr marL="457200" indent="0">
+              <a:buNone/>
+              <a:defRPr sz="2000" b="1"/>
+            </a:lvl2pPr>
+            <a:lvl3pPr marL="914400" indent="0">
+              <a:buNone/>
+              <a:defRPr sz="1800" b="1"/>
+            </a:lvl3pPr>
+            <a:lvl4pPr marL="1371600" indent="0">
+              <a:buNone/>
+              <a:defRPr sz="1600" b="1"/>
+            </a:lvl4pPr>
+            <a:lvl5pPr marL="1828800" indent="0">
+              <a:buNone/>
+              <a:defRPr sz="1600" b="1"/>
+            </a:lvl5pPr>
+            <a:lvl6pPr marL="2286000" indent="0">
+              <a:buNone/>
+              <a:defRPr sz="1600" b="1"/>
+            </a:lvl6pPr>
+            <a:lvl7pPr marL="2743200" indent="0">
+              <a:buNone/>
+              <a:defRPr sz="1600" b="1"/>
+            </a:lvl7pPr>
+            <a:lvl8pPr marL="3200400" indent="0">
+              <a:buNone/>
+              <a:defRPr sz="1600" b="1"/>
+            </a:lvl8pPr>
+            <a:lvl9pPr marL="3657600" indent="0">
+              <a:buNone/>
+              <a:defRPr sz="1600" b="1"/>
+            </a:lvl9pPr>
+          </a:lstStyle>
+          <a:p>
+            <a:pPr lvl="0"/>
+            <a:r>
+              <a:rPr lang="de-DE"/>
+              <a:t>Mastertextformat bearbeiten</a:t>
+            </a:r>
+          </a:p>
+        </p:txBody>
+      </p:sp>
+      <p:sp>
+        <p:nvSpPr>
+          <p:cNvPr id="19" name="Text Placeholder 3"/>
+          <p:cNvSpPr>
+            <a:spLocks noGrp="1"/>
+          </p:cNvSpPr>
+          <p:nvPr>
+            <p:ph type="body" sz="half" idx="16"/>
+          </p:nvPr>
+        </p:nvSpPr>
+        <p:spPr>
+          <a:xfrm>
+            <a:off x="2905586" y="2667000"/>
+            <a:ext cx="2210671" cy="3589338"/>
+          </a:xfrm>
+        </p:spPr>
+        <p:txBody>
+          <a:bodyPr anchor="t">
+            <a:normAutofit/>
+          </a:bodyPr>
+          <a:lstStyle>
+            <a:lvl1pPr marL="0" indent="0">
+              <a:buNone/>
+              <a:defRPr sz="1400"/>
+            </a:lvl1pPr>
+            <a:lvl2pPr marL="457200" indent="0">
+              <a:buNone/>
+              <a:defRPr sz="1200"/>
+            </a:lvl2pPr>
+            <a:lvl3pPr marL="914400" indent="0">
+              <a:buNone/>
+              <a:defRPr sz="1000"/>
+            </a:lvl3pPr>
+            <a:lvl4pPr marL="1371600" indent="0">
+              <a:buNone/>
+              <a:defRPr sz="900"/>
+            </a:lvl4pPr>
+            <a:lvl5pPr marL="1828800" indent="0">
+              <a:buNone/>
+              <a:defRPr sz="900"/>
+            </a:lvl5pPr>
+            <a:lvl6pPr marL="2286000" indent="0">
+              <a:buNone/>
+              <a:defRPr sz="900"/>
+            </a:lvl6pPr>
+            <a:lvl7pPr marL="2743200" indent="0">
+              <a:buNone/>
+              <a:defRPr sz="900"/>
+            </a:lvl7pPr>
+            <a:lvl8pPr marL="3200400" indent="0">
+              <a:buNone/>
+              <a:defRPr sz="900"/>
+            </a:lvl8pPr>
+            <a:lvl9pPr marL="3657600" indent="0">
+              <a:buNone/>
+              <a:defRPr sz="900"/>
+            </a:lvl9pPr>
+          </a:lstStyle>
+          <a:p>
+            <a:pPr lvl="0"/>
+            <a:r>
+              <a:rPr lang="de-DE"/>
+              <a:t>Mastertextformat bearbeiten</a:t>
+            </a:r>
+          </a:p>
+        </p:txBody>
+      </p:sp>
+      <p:sp>
+        <p:nvSpPr>
+          <p:cNvPr id="14" name="Text Placeholder 4"/>
+          <p:cNvSpPr>
+            <a:spLocks noGrp="1"/>
+          </p:cNvSpPr>
+          <p:nvPr>
+            <p:ph type="body" sz="quarter" idx="13"/>
+          </p:nvPr>
+        </p:nvSpPr>
+        <p:spPr>
+          <a:xfrm>
+            <a:off x="5344917" y="1981200"/>
+            <a:ext cx="2199658" cy="576262"/>
+          </a:xfrm>
+        </p:spPr>
+        <p:txBody>
+          <a:bodyPr anchor="b">
+            <a:noAutofit/>
+          </a:bodyPr>
+          <a:lstStyle>
+            <a:lvl1pPr marL="0" indent="0">
+              <a:buNone/>
+              <a:defRPr sz="2400" b="0">
+                <a:solidFill>
+                  <a:schemeClr val="bg2">
+                    <a:lumMod val="40000"/>
+                    <a:lumOff val="60000"/>
+                  </a:schemeClr>
+                </a:solidFill>
+              </a:defRPr>
+            </a:lvl1pPr>
+            <a:lvl2pPr marL="457200" indent="0">
+              <a:buNone/>
+              <a:defRPr sz="2000" b="1"/>
+            </a:lvl2pPr>
+            <a:lvl3pPr marL="914400" indent="0">
+              <a:buNone/>
+              <a:defRPr sz="1800" b="1"/>
+            </a:lvl3pPr>
+            <a:lvl4pPr marL="1371600" indent="0">
+              <a:buNone/>
+              <a:defRPr sz="1600" b="1"/>
+            </a:lvl4pPr>
+            <a:lvl5pPr marL="1828800" indent="0">
+              <a:buNone/>
+              <a:defRPr sz="1600" b="1"/>
+            </a:lvl5pPr>
+            <a:lvl6pPr marL="2286000" indent="0">
+              <a:buNone/>
+              <a:defRPr sz="1600" b="1"/>
+            </a:lvl6pPr>
+            <a:lvl7pPr marL="2743200" indent="0">
+              <a:buNone/>
+              <a:defRPr sz="1600" b="1"/>
+            </a:lvl7pPr>
+            <a:lvl8pPr marL="3200400" indent="0">
+              <a:buNone/>
+              <a:defRPr sz="1600" b="1"/>
+            </a:lvl8pPr>
+            <a:lvl9pPr marL="3657600" indent="0">
+              <a:buNone/>
+              <a:defRPr sz="1600" b="1"/>
+            </a:lvl9pPr>
+          </a:lstStyle>
+          <a:p>
+            <a:pPr lvl="0"/>
+            <a:r>
+              <a:rPr lang="de-DE"/>
+              <a:t>Mastertextformat bearbeiten</a:t>
+            </a:r>
+          </a:p>
+        </p:txBody>
+      </p:sp>
+      <p:sp>
+        <p:nvSpPr>
+          <p:cNvPr id="20" name="Text Placeholder 3"/>
+          <p:cNvSpPr>
+            <a:spLocks noGrp="1"/>
+          </p:cNvSpPr>
+          <p:nvPr>
+            <p:ph type="body" sz="half" idx="17"/>
+          </p:nvPr>
+        </p:nvSpPr>
+        <p:spPr>
+          <a:xfrm>
+            <a:off x="5344917" y="2667000"/>
+            <a:ext cx="2199658" cy="3589338"/>
+          </a:xfrm>
+        </p:spPr>
+        <p:txBody>
+          <a:bodyPr anchor="t">
+            <a:normAutofit/>
+          </a:bodyPr>
+          <a:lstStyle>
+            <a:lvl1pPr marL="0" indent="0">
+              <a:buNone/>
+              <a:defRPr sz="1400"/>
+            </a:lvl1pPr>
+            <a:lvl2pPr marL="457200" indent="0">
+              <a:buNone/>
+              <a:defRPr sz="1200"/>
+            </a:lvl2pPr>
+            <a:lvl3pPr marL="914400" indent="0">
+              <a:buNone/>
+              <a:defRPr sz="1000"/>
+            </a:lvl3pPr>
+            <a:lvl4pPr marL="1371600" indent="0">
+              <a:buNone/>
+              <a:defRPr sz="900"/>
+            </a:lvl4pPr>
+            <a:lvl5pPr marL="1828800" indent="0">
+              <a:buNone/>
+              <a:defRPr sz="900"/>
+            </a:lvl5pPr>
+            <a:lvl6pPr marL="2286000" indent="0">
+              <a:buNone/>
+              <a:defRPr sz="900"/>
+            </a:lvl6pPr>
+            <a:lvl7pPr marL="2743200" indent="0">
+              <a:buNone/>
+              <a:defRPr sz="900"/>
+            </a:lvl7pPr>
+            <a:lvl8pPr marL="3200400" indent="0">
+              <a:buNone/>
+              <a:defRPr sz="900"/>
+            </a:lvl8pPr>
+            <a:lvl9pPr marL="3657600" indent="0">
+              <a:buNone/>
+              <a:defRPr sz="900"/>
+            </a:lvl9pPr>
+          </a:lstStyle>
+          <a:p>
+            <a:pPr lvl="0"/>
+            <a:r>
+              <a:rPr lang="de-DE"/>
+              <a:t>Mastertextformat bearbeiten</a:t>
+            </a:r>
+          </a:p>
+        </p:txBody>
+      </p:sp>
+      <p:cxnSp>
+        <p:nvCxnSpPr>
+          <p:cNvPr id="17" name="Straight Connector 16"/>
+          <p:cNvCxnSpPr/>
+          <p:nvPr/>
+        </p:nvCxnSpPr>
+        <p:spPr>
+          <a:xfrm>
+            <a:off x="2795334" y="2133600"/>
+            <a:ext cx="0" cy="3962400"/>
+          </a:xfrm>
+          <a:prstGeom prst="line">
+            <a:avLst/>
+          </a:prstGeom>
+          <a:ln w="12700" cmpd="sng">
+            <a:solidFill>
+              <a:schemeClr val="bg2">
+                <a:lumMod val="40000"/>
+                <a:lumOff val="60000"/>
+                <a:alpha val="40000"/>
+              </a:schemeClr>
+            </a:solidFill>
+          </a:ln>
+        </p:spPr>
+        <p:style>
+          <a:lnRef idx="2">
+            <a:schemeClr val="accent1"/>
+          </a:lnRef>
+          <a:fillRef idx="0">
+            <a:schemeClr val="accent1"/>
+          </a:fillRef>
+          <a:effectRef idx="1">
+            <a:schemeClr val="accent1"/>
+          </a:effectRef>
+          <a:fontRef idx="minor">
+            <a:schemeClr val="tx1"/>
+          </a:fontRef>
+        </p:style>
+      </p:cxnSp>
+      <p:cxnSp>
+        <p:nvCxnSpPr>
+          <p:cNvPr id="18" name="Straight Connector 17"/>
+          <p:cNvCxnSpPr/>
+          <p:nvPr/>
+        </p:nvCxnSpPr>
+        <p:spPr>
+          <a:xfrm>
+            <a:off x="5223030" y="2133600"/>
+            <a:ext cx="0" cy="3966882"/>
+          </a:xfrm>
+          <a:prstGeom prst="line">
+            <a:avLst/>
+          </a:prstGeom>
+          <a:ln w="12700" cmpd="sng">
+            <a:solidFill>
+              <a:schemeClr val="bg2">
+                <a:lumMod val="40000"/>
+                <a:lumOff val="60000"/>
+                <a:alpha val="40000"/>
+              </a:schemeClr>
+            </a:solidFill>
+          </a:ln>
+        </p:spPr>
+        <p:style>
+          <a:lnRef idx="2">
+            <a:schemeClr val="accent1"/>
+          </a:lnRef>
+          <a:fillRef idx="0">
+            <a:schemeClr val="accent1"/>
+          </a:fillRef>
+          <a:effectRef idx="1">
+            <a:schemeClr val="accent1"/>
+          </a:effectRef>
+          <a:fontRef idx="minor">
+            <a:schemeClr val="tx1"/>
+          </a:fontRef>
+        </p:style>
+      </p:cxnSp>
+      <p:sp>
+        <p:nvSpPr>
+          <p:cNvPr id="7" name="Date Placeholder 3"/>
+          <p:cNvSpPr>
+            <a:spLocks noGrp="1"/>
+          </p:cNvSpPr>
+          <p:nvPr>
+            <p:ph type="dt" sz="half" idx="10"/>
+          </p:nvPr>
+        </p:nvSpPr>
+        <p:spPr/>
+        <p:txBody>
+          <a:bodyPr/>
+          <a:lstStyle/>
+          <a:p>
+            <a:fld id="{1BA50D42-C9CD-4801-B293-61D1F53EC57E}" type="datetimeFigureOut">
+              <a:rPr lang="de-DE" smtClean="0"/>
+              <a:t>05.11.2019</a:t>
+            </a:fld>
+            <a:endParaRPr lang="de-DE"/>
+          </a:p>
+        </p:txBody>
+      </p:sp>
+      <p:sp>
+        <p:nvSpPr>
+          <p:cNvPr id="4" name="Footer Placeholder 4"/>
+          <p:cNvSpPr>
+            <a:spLocks noGrp="1"/>
+          </p:cNvSpPr>
+          <p:nvPr>
+            <p:ph type="ftr" sz="quarter" idx="11"/>
+          </p:nvPr>
+        </p:nvSpPr>
+        <p:spPr/>
+        <p:txBody>
+          <a:bodyPr/>
+          <a:lstStyle/>
+          <a:p>
+            <a:endParaRPr lang="de-DE"/>
+          </a:p>
+        </p:txBody>
+      </p:sp>
+      <p:sp>
+        <p:nvSpPr>
+          <p:cNvPr id="6" name="Slide Number Placeholder 5"/>
+          <p:cNvSpPr>
+            <a:spLocks noGrp="1"/>
+          </p:cNvSpPr>
+          <p:nvPr>
+            <p:ph type="sldNum" sz="quarter" idx="12"/>
+          </p:nvPr>
+        </p:nvSpPr>
+        <p:spPr/>
+        <p:txBody>
+          <a:bodyPr/>
+          <a:lstStyle/>
+          <a:p>
+            <a:fld id="{6C6AE60A-B69C-4790-82F7-3882EDF23186}" type="slidenum">
+              <a:rPr lang="de-DE" smtClean="0"/>
+              <a:t>‹Nr.›</a:t>
+            </a:fld>
+            <a:endParaRPr lang="de-DE"/>
+          </a:p>
+        </p:txBody>
+      </p:sp>
+    </p:spTree>
+    <p:extLst>
+      <p:ext uri="{BB962C8B-B14F-4D97-AF65-F5344CB8AC3E}">
+        <p14:creationId xmlns:p14="http://schemas.microsoft.com/office/powerpoint/2010/main" val="2664341120"/>
+      </p:ext>
+    </p:extLst>
+  </p:cSld>
+  <p:clrMapOvr>
+    <a:masterClrMapping/>
+  </p:clrMapOvr>
+</p:sldLayout>
+</file>
+
+<file path=ppt/slideLayouts/slideLayout15.xml><?xml version="1.0" encoding="utf-8"?>
+<p:sldLayout xmlns:a="http://schemas.openxmlformats.org/drawingml/2006/main" xmlns:r="http://schemas.openxmlformats.org/officeDocument/2006/relationships" xmlns:p="http://schemas.openxmlformats.org/presentationml/2006/main" preserve="1">
+  <p:cSld name="3 Bildspalte">
+    <p:spTree>
+      <p:nvGrpSpPr>
+        <p:cNvPr id="1" name=""/>
+        <p:cNvGrpSpPr/>
+        <p:nvPr/>
+      </p:nvGrpSpPr>
+      <p:grpSpPr>
+        <a:xfrm>
+          <a:off x="0" y="0"/>
+          <a:ext cx="0" cy="0"/>
+          <a:chOff x="0" y="0"/>
+          <a:chExt cx="0" cy="0"/>
+        </a:xfrm>
+      </p:grpSpPr>
+      <p:sp>
+        <p:nvSpPr>
+          <p:cNvPr id="2" name="Title 1"/>
+          <p:cNvSpPr>
+            <a:spLocks noGrp="1"/>
+          </p:cNvSpPr>
+          <p:nvPr>
+            <p:ph type="title"/>
+          </p:nvPr>
+        </p:nvSpPr>
+        <p:spPr/>
+        <p:txBody>
+          <a:bodyPr/>
+          <a:lstStyle>
+            <a:lvl1pPr>
+              <a:defRPr sz="4200"/>
+            </a:lvl1pPr>
+          </a:lstStyle>
+          <a:p>
+            <a:r>
+              <a:rPr lang="de-DE"/>
+              <a:t>Mastertitelformat bearbeiten</a:t>
+            </a:r>
+            <a:endParaRPr lang="en-US" dirty="0"/>
+          </a:p>
+        </p:txBody>
+      </p:sp>
+      <p:sp>
+        <p:nvSpPr>
+          <p:cNvPr id="3" name="Text Placeholder 2"/>
+          <p:cNvSpPr>
+            <a:spLocks noGrp="1"/>
+          </p:cNvSpPr>
+          <p:nvPr>
+            <p:ph type="body" idx="1"/>
+          </p:nvPr>
+        </p:nvSpPr>
+        <p:spPr>
+          <a:xfrm>
+            <a:off x="489475" y="4250949"/>
+            <a:ext cx="2205612" cy="576262"/>
+          </a:xfrm>
+        </p:spPr>
+        <p:txBody>
+          <a:bodyPr anchor="b">
+            <a:noAutofit/>
+          </a:bodyPr>
+          <a:lstStyle>
+            <a:lvl1pPr marL="0" indent="0">
+              <a:buNone/>
+              <a:defRPr sz="2400" b="0">
+                <a:solidFill>
+                  <a:schemeClr val="bg2">
+                    <a:lumMod val="40000"/>
+                    <a:lumOff val="60000"/>
+                  </a:schemeClr>
+                </a:solidFill>
+              </a:defRPr>
+            </a:lvl1pPr>
+            <a:lvl2pPr marL="457200" indent="0">
+              <a:buNone/>
+              <a:defRPr sz="2000" b="1"/>
+            </a:lvl2pPr>
+            <a:lvl3pPr marL="914400" indent="0">
+              <a:buNone/>
+              <a:defRPr sz="1800" b="1"/>
+            </a:lvl3pPr>
+            <a:lvl4pPr marL="1371600" indent="0">
+              <a:buNone/>
+              <a:defRPr sz="1600" b="1"/>
+            </a:lvl4pPr>
+            <a:lvl5pPr marL="1828800" indent="0">
+              <a:buNone/>
+              <a:defRPr sz="1600" b="1"/>
+            </a:lvl5pPr>
+            <a:lvl6pPr marL="2286000" indent="0">
+              <a:buNone/>
+              <a:defRPr sz="1600" b="1"/>
+            </a:lvl6pPr>
+            <a:lvl7pPr marL="2743200" indent="0">
+              <a:buNone/>
+              <a:defRPr sz="1600" b="1"/>
+            </a:lvl7pPr>
+            <a:lvl8pPr marL="3200400" indent="0">
+              <a:buNone/>
+              <a:defRPr sz="1600" b="1"/>
+            </a:lvl8pPr>
+            <a:lvl9pPr marL="3657600" indent="0">
+              <a:buNone/>
+              <a:defRPr sz="1600" b="1"/>
+            </a:lvl9pPr>
+          </a:lstStyle>
+          <a:p>
+            <a:pPr lvl="0"/>
+            <a:r>
+              <a:rPr lang="de-DE"/>
+              <a:t>Mastertextformat bearbeiten</a:t>
+            </a:r>
+          </a:p>
+        </p:txBody>
+      </p:sp>
+      <p:sp>
+        <p:nvSpPr>
+          <p:cNvPr id="29" name="Picture Placeholder 2"/>
+          <p:cNvSpPr>
+            <a:spLocks noGrp="1" noChangeAspect="1"/>
+          </p:cNvSpPr>
+          <p:nvPr>
+            <p:ph type="pic" idx="15"/>
+          </p:nvPr>
+        </p:nvSpPr>
+        <p:spPr>
+          <a:xfrm>
+            <a:off x="489475" y="2209800"/>
+            <a:ext cx="2205612" cy="1524000"/>
+          </a:xfrm>
+          <a:prstGeom prst="roundRect">
+            <a:avLst>
+              <a:gd name="adj" fmla="val 1858"/>
+            </a:avLst>
+          </a:prstGeom>
+          <a:effectLst>
+            <a:outerShdw blurRad="50800" dist="50800" dir="5400000" algn="tl" rotWithShape="0">
+              <a:srgbClr val="000000">
+                <a:alpha val="43000"/>
+              </a:srgbClr>
+            </a:outerShdw>
+          </a:effectLst>
+        </p:spPr>
+        <p:txBody>
+          <a:bodyPr anchor="t">
+            <a:normAutofit/>
+          </a:bodyPr>
+          <a:lstStyle>
+            <a:lvl1pPr marL="0" indent="0" algn="ctr">
+              <a:buNone/>
+              <a:defRPr sz="1600"/>
+            </a:lvl1pPr>
+            <a:lvl2pPr marL="457200" indent="0">
+              <a:buNone/>
+              <a:defRPr sz="1600"/>
+            </a:lvl2pPr>
+            <a:lvl3pPr marL="914400" indent="0">
+              <a:buNone/>
+              <a:defRPr sz="1600"/>
+            </a:lvl3pPr>
+            <a:lvl4pPr marL="1371600" indent="0">
+              <a:buNone/>
+              <a:defRPr sz="1600"/>
+            </a:lvl4pPr>
+            <a:lvl5pPr marL="1828800" indent="0">
+              <a:buNone/>
+              <a:defRPr sz="1600"/>
+            </a:lvl5pPr>
+            <a:lvl6pPr marL="2286000" indent="0">
+              <a:buNone/>
+              <a:defRPr sz="1600"/>
+            </a:lvl6pPr>
+            <a:lvl7pPr marL="2743200" indent="0">
+              <a:buNone/>
+              <a:defRPr sz="1600"/>
+            </a:lvl7pPr>
+            <a:lvl8pPr marL="3200400" indent="0">
+              <a:buNone/>
+              <a:defRPr sz="1600"/>
+            </a:lvl8pPr>
+            <a:lvl9pPr marL="3657600" indent="0">
+              <a:buNone/>
+              <a:defRPr sz="1600"/>
+            </a:lvl9pPr>
+          </a:lstStyle>
+          <a:p>
+            <a:r>
+              <a:rPr lang="de-DE"/>
+              <a:t>Bild durch Klicken auf Symbol hinzufügen</a:t>
+            </a:r>
+            <a:endParaRPr lang="en-US" dirty="0"/>
+          </a:p>
+        </p:txBody>
+      </p:sp>
+      <p:sp>
+        <p:nvSpPr>
+          <p:cNvPr id="22" name="Text Placeholder 3"/>
+          <p:cNvSpPr>
+            <a:spLocks noGrp="1"/>
+          </p:cNvSpPr>
+          <p:nvPr>
+            <p:ph type="body" sz="half" idx="18"/>
+          </p:nvPr>
+        </p:nvSpPr>
+        <p:spPr>
+          <a:xfrm>
+            <a:off x="489475" y="4827212"/>
+            <a:ext cx="2205612" cy="659189"/>
+          </a:xfrm>
+        </p:spPr>
+        <p:txBody>
+          <a:bodyPr anchor="t">
+            <a:normAutofit/>
+          </a:bodyPr>
+          <a:lstStyle>
+            <a:lvl1pPr marL="0" indent="0">
+              <a:buNone/>
+              <a:defRPr sz="1400"/>
+            </a:lvl1pPr>
+            <a:lvl2pPr marL="457200" indent="0">
+              <a:buNone/>
+              <a:defRPr sz="1200"/>
+            </a:lvl2pPr>
+            <a:lvl3pPr marL="914400" indent="0">
+              <a:buNone/>
+              <a:defRPr sz="1000"/>
+            </a:lvl3pPr>
+            <a:lvl4pPr marL="1371600" indent="0">
+              <a:buNone/>
+              <a:defRPr sz="900"/>
+            </a:lvl4pPr>
+            <a:lvl5pPr marL="1828800" indent="0">
+              <a:buNone/>
+              <a:defRPr sz="900"/>
+            </a:lvl5pPr>
+            <a:lvl6pPr marL="2286000" indent="0">
+              <a:buNone/>
+              <a:defRPr sz="900"/>
+            </a:lvl6pPr>
+            <a:lvl7pPr marL="2743200" indent="0">
+              <a:buNone/>
+              <a:defRPr sz="900"/>
+            </a:lvl7pPr>
+            <a:lvl8pPr marL="3200400" indent="0">
+              <a:buNone/>
+              <a:defRPr sz="900"/>
+            </a:lvl8pPr>
+            <a:lvl9pPr marL="3657600" indent="0">
+              <a:buNone/>
+              <a:defRPr sz="900"/>
+            </a:lvl9pPr>
+          </a:lstStyle>
+          <a:p>
+            <a:pPr lvl="0"/>
+            <a:r>
+              <a:rPr lang="de-DE"/>
+              <a:t>Mastertextformat bearbeiten</a:t>
+            </a:r>
+          </a:p>
+        </p:txBody>
+      </p:sp>
+      <p:sp>
+        <p:nvSpPr>
+          <p:cNvPr id="5" name="Text Placeholder 4"/>
+          <p:cNvSpPr>
+            <a:spLocks noGrp="1"/>
+          </p:cNvSpPr>
+          <p:nvPr>
+            <p:ph type="body" sz="quarter" idx="3"/>
+          </p:nvPr>
+        </p:nvSpPr>
+        <p:spPr>
+          <a:xfrm>
+            <a:off x="2917792" y="4250949"/>
+            <a:ext cx="2198466" cy="576262"/>
+          </a:xfrm>
+        </p:spPr>
+        <p:txBody>
+          <a:bodyPr anchor="b">
+            <a:noAutofit/>
+          </a:bodyPr>
+          <a:lstStyle>
+            <a:lvl1pPr marL="0" indent="0">
+              <a:buNone/>
+              <a:defRPr sz="2400" b="0">
+                <a:solidFill>
+                  <a:schemeClr val="bg2">
+                    <a:lumMod val="40000"/>
+                    <a:lumOff val="60000"/>
+                  </a:schemeClr>
+                </a:solidFill>
+              </a:defRPr>
+            </a:lvl1pPr>
+            <a:lvl2pPr marL="457200" indent="0">
+              <a:buNone/>
+              <a:defRPr sz="2000" b="1"/>
+            </a:lvl2pPr>
+            <a:lvl3pPr marL="914400" indent="0">
+              <a:buNone/>
+              <a:defRPr sz="1800" b="1"/>
+            </a:lvl3pPr>
+            <a:lvl4pPr marL="1371600" indent="0">
+              <a:buNone/>
+              <a:defRPr sz="1600" b="1"/>
+            </a:lvl4pPr>
+            <a:lvl5pPr marL="1828800" indent="0">
+              <a:buNone/>
+              <a:defRPr sz="1600" b="1"/>
+            </a:lvl5pPr>
+            <a:lvl6pPr marL="2286000" indent="0">
+              <a:buNone/>
+              <a:defRPr sz="1600" b="1"/>
+            </a:lvl6pPr>
+            <a:lvl7pPr marL="2743200" indent="0">
+              <a:buNone/>
+              <a:defRPr sz="1600" b="1"/>
+            </a:lvl7pPr>
+            <a:lvl8pPr marL="3200400" indent="0">
+              <a:buNone/>
+              <a:defRPr sz="1600" b="1"/>
+            </a:lvl8pPr>
+            <a:lvl9pPr marL="3657600" indent="0">
+              <a:buNone/>
+              <a:defRPr sz="1600" b="1"/>
+            </a:lvl9pPr>
+          </a:lstStyle>
+          <a:p>
+            <a:pPr lvl="0"/>
+            <a:r>
+              <a:rPr lang="de-DE"/>
+              <a:t>Mastertextformat bearbeiten</a:t>
+            </a:r>
+          </a:p>
+        </p:txBody>
+      </p:sp>
+      <p:sp>
+        <p:nvSpPr>
+          <p:cNvPr id="30" name="Picture Placeholder 2"/>
+          <p:cNvSpPr>
+            <a:spLocks noGrp="1" noChangeAspect="1"/>
+          </p:cNvSpPr>
+          <p:nvPr>
+            <p:ph type="pic" idx="21"/>
+          </p:nvPr>
+        </p:nvSpPr>
+        <p:spPr>
+          <a:xfrm>
+            <a:off x="2917791" y="2209800"/>
+            <a:ext cx="2198466" cy="1524000"/>
+          </a:xfrm>
+          <a:prstGeom prst="roundRect">
+            <a:avLst>
+              <a:gd name="adj" fmla="val 1858"/>
+            </a:avLst>
+          </a:prstGeom>
+          <a:effectLst>
+            <a:outerShdw blurRad="50800" dist="50800" dir="5400000" algn="tl" rotWithShape="0">
+              <a:srgbClr val="000000">
+                <a:alpha val="43000"/>
+              </a:srgbClr>
+            </a:outerShdw>
+          </a:effectLst>
+        </p:spPr>
+        <p:txBody>
+          <a:bodyPr anchor="t">
+            <a:normAutofit/>
+          </a:bodyPr>
+          <a:lstStyle>
+            <a:lvl1pPr marL="0" indent="0" algn="ctr">
+              <a:buNone/>
+              <a:defRPr sz="1600"/>
+            </a:lvl1pPr>
+            <a:lvl2pPr marL="457200" indent="0">
+              <a:buNone/>
+              <a:defRPr sz="1600"/>
+            </a:lvl2pPr>
+            <a:lvl3pPr marL="914400" indent="0">
+              <a:buNone/>
+              <a:defRPr sz="1600"/>
+            </a:lvl3pPr>
+            <a:lvl4pPr marL="1371600" indent="0">
+              <a:buNone/>
+              <a:defRPr sz="1600"/>
+            </a:lvl4pPr>
+            <a:lvl5pPr marL="1828800" indent="0">
+              <a:buNone/>
+              <a:defRPr sz="1600"/>
+            </a:lvl5pPr>
+            <a:lvl6pPr marL="2286000" indent="0">
+              <a:buNone/>
+              <a:defRPr sz="1600"/>
+            </a:lvl6pPr>
+            <a:lvl7pPr marL="2743200" indent="0">
+              <a:buNone/>
+              <a:defRPr sz="1600"/>
+            </a:lvl7pPr>
+            <a:lvl8pPr marL="3200400" indent="0">
+              <a:buNone/>
+              <a:defRPr sz="1600"/>
+            </a:lvl8pPr>
+            <a:lvl9pPr marL="3657600" indent="0">
+              <a:buNone/>
+              <a:defRPr sz="1600"/>
+            </a:lvl9pPr>
+          </a:lstStyle>
+          <a:p>
+            <a:r>
+              <a:rPr lang="de-DE"/>
+              <a:t>Bild durch Klicken auf Symbol hinzufügen</a:t>
+            </a:r>
+            <a:endParaRPr lang="en-US" dirty="0"/>
+          </a:p>
+        </p:txBody>
+      </p:sp>
+      <p:sp>
+        <p:nvSpPr>
+          <p:cNvPr id="23" name="Text Placeholder 3"/>
+          <p:cNvSpPr>
+            <a:spLocks noGrp="1"/>
+          </p:cNvSpPr>
+          <p:nvPr>
+            <p:ph type="body" sz="half" idx="19"/>
+          </p:nvPr>
+        </p:nvSpPr>
+        <p:spPr>
+          <a:xfrm>
+            <a:off x="2916776" y="4827211"/>
+            <a:ext cx="2201378" cy="659189"/>
+          </a:xfrm>
+        </p:spPr>
+        <p:txBody>
+          <a:bodyPr anchor="t">
+            <a:normAutofit/>
+          </a:bodyPr>
+          <a:lstStyle>
+            <a:lvl1pPr marL="0" indent="0">
+              <a:buNone/>
+              <a:defRPr sz="1400"/>
+            </a:lvl1pPr>
+            <a:lvl2pPr marL="457200" indent="0">
+              <a:buNone/>
+              <a:defRPr sz="1200"/>
+            </a:lvl2pPr>
+            <a:lvl3pPr marL="914400" indent="0">
+              <a:buNone/>
+              <a:defRPr sz="1000"/>
+            </a:lvl3pPr>
+            <a:lvl4pPr marL="1371600" indent="0">
+              <a:buNone/>
+              <a:defRPr sz="900"/>
+            </a:lvl4pPr>
+            <a:lvl5pPr marL="1828800" indent="0">
+              <a:buNone/>
+              <a:defRPr sz="900"/>
+            </a:lvl5pPr>
+            <a:lvl6pPr marL="2286000" indent="0">
+              <a:buNone/>
+              <a:defRPr sz="900"/>
+            </a:lvl6pPr>
+            <a:lvl7pPr marL="2743200" indent="0">
+              <a:buNone/>
+              <a:defRPr sz="900"/>
+            </a:lvl7pPr>
+            <a:lvl8pPr marL="3200400" indent="0">
+              <a:buNone/>
+              <a:defRPr sz="900"/>
+            </a:lvl8pPr>
+            <a:lvl9pPr marL="3657600" indent="0">
+              <a:buNone/>
+              <a:defRPr sz="900"/>
+            </a:lvl9pPr>
+          </a:lstStyle>
+          <a:p>
+            <a:pPr lvl="0"/>
+            <a:r>
+              <a:rPr lang="de-DE"/>
+              <a:t>Mastertextformat bearbeiten</a:t>
+            </a:r>
+          </a:p>
+        </p:txBody>
+      </p:sp>
+      <p:sp>
+        <p:nvSpPr>
+          <p:cNvPr id="14" name="Text Placeholder 4"/>
+          <p:cNvSpPr>
+            <a:spLocks noGrp="1"/>
+          </p:cNvSpPr>
+          <p:nvPr>
+            <p:ph type="body" sz="quarter" idx="13"/>
+          </p:nvPr>
+        </p:nvSpPr>
+        <p:spPr>
+          <a:xfrm>
+            <a:off x="5344917" y="4250949"/>
+            <a:ext cx="2199658" cy="576262"/>
+          </a:xfrm>
+        </p:spPr>
+        <p:txBody>
+          <a:bodyPr anchor="b">
+            <a:noAutofit/>
+          </a:bodyPr>
+          <a:lstStyle>
+            <a:lvl1pPr marL="0" indent="0">
+              <a:buNone/>
+              <a:defRPr sz="2400" b="0">
+                <a:solidFill>
+                  <a:schemeClr val="bg2">
+                    <a:lumMod val="40000"/>
+                    <a:lumOff val="60000"/>
+                  </a:schemeClr>
+                </a:solidFill>
+              </a:defRPr>
+            </a:lvl1pPr>
+            <a:lvl2pPr marL="457200" indent="0">
+              <a:buNone/>
+              <a:defRPr sz="2000" b="1"/>
+            </a:lvl2pPr>
+            <a:lvl3pPr marL="914400" indent="0">
+              <a:buNone/>
+              <a:defRPr sz="1800" b="1"/>
+            </a:lvl3pPr>
+            <a:lvl4pPr marL="1371600" indent="0">
+              <a:buNone/>
+              <a:defRPr sz="1600" b="1"/>
+            </a:lvl4pPr>
+            <a:lvl5pPr marL="1828800" indent="0">
+              <a:buNone/>
+              <a:defRPr sz="1600" b="1"/>
+            </a:lvl5pPr>
+            <a:lvl6pPr marL="2286000" indent="0">
+              <a:buNone/>
+              <a:defRPr sz="1600" b="1"/>
+            </a:lvl6pPr>
+            <a:lvl7pPr marL="2743200" indent="0">
+              <a:buNone/>
+              <a:defRPr sz="1600" b="1"/>
+            </a:lvl7pPr>
+            <a:lvl8pPr marL="3200400" indent="0">
+              <a:buNone/>
+              <a:defRPr sz="1600" b="1"/>
+            </a:lvl8pPr>
+            <a:lvl9pPr marL="3657600" indent="0">
+              <a:buNone/>
+              <a:defRPr sz="1600" b="1"/>
+            </a:lvl9pPr>
+          </a:lstStyle>
+          <a:p>
+            <a:pPr lvl="0"/>
+            <a:r>
+              <a:rPr lang="de-DE"/>
+              <a:t>Mastertextformat bearbeiten</a:t>
+            </a:r>
+          </a:p>
+        </p:txBody>
+      </p:sp>
+      <p:sp>
+        <p:nvSpPr>
+          <p:cNvPr id="31" name="Picture Placeholder 2"/>
+          <p:cNvSpPr>
+            <a:spLocks noGrp="1" noChangeAspect="1"/>
+          </p:cNvSpPr>
+          <p:nvPr>
+            <p:ph type="pic" idx="22"/>
+          </p:nvPr>
+        </p:nvSpPr>
+        <p:spPr>
+          <a:xfrm>
+            <a:off x="5344916" y="2209800"/>
+            <a:ext cx="2199658" cy="1524000"/>
+          </a:xfrm>
+          <a:prstGeom prst="roundRect">
+            <a:avLst>
+              <a:gd name="adj" fmla="val 1858"/>
+            </a:avLst>
+          </a:prstGeom>
+          <a:effectLst>
+            <a:outerShdw blurRad="50800" dist="50800" dir="5400000" algn="tl" rotWithShape="0">
+              <a:srgbClr val="000000">
+                <a:alpha val="43000"/>
+              </a:srgbClr>
+            </a:outerShdw>
+          </a:effectLst>
+        </p:spPr>
+        <p:txBody>
+          <a:bodyPr anchor="t">
+            <a:normAutofit/>
+          </a:bodyPr>
+          <a:lstStyle>
+            <a:lvl1pPr marL="0" indent="0" algn="ctr">
+              <a:buNone/>
+              <a:defRPr sz="1600"/>
+            </a:lvl1pPr>
+            <a:lvl2pPr marL="457200" indent="0">
+              <a:buNone/>
+              <a:defRPr sz="1600"/>
+            </a:lvl2pPr>
+            <a:lvl3pPr marL="914400" indent="0">
+              <a:buNone/>
+              <a:defRPr sz="1600"/>
+            </a:lvl3pPr>
+            <a:lvl4pPr marL="1371600" indent="0">
+              <a:buNone/>
+              <a:defRPr sz="1600"/>
+            </a:lvl4pPr>
+            <a:lvl5pPr marL="1828800" indent="0">
+              <a:buNone/>
+              <a:defRPr sz="1600"/>
+            </a:lvl5pPr>
+            <a:lvl6pPr marL="2286000" indent="0">
+              <a:buNone/>
+              <a:defRPr sz="1600"/>
+            </a:lvl6pPr>
+            <a:lvl7pPr marL="2743200" indent="0">
+              <a:buNone/>
+              <a:defRPr sz="1600"/>
+            </a:lvl7pPr>
+            <a:lvl8pPr marL="3200400" indent="0">
+              <a:buNone/>
+              <a:defRPr sz="1600"/>
+            </a:lvl8pPr>
+            <a:lvl9pPr marL="3657600" indent="0">
+              <a:buNone/>
+              <a:defRPr sz="1600"/>
+            </a:lvl9pPr>
+          </a:lstStyle>
+          <a:p>
+            <a:r>
+              <a:rPr lang="de-DE"/>
+              <a:t>Bild durch Klicken auf Symbol hinzufügen</a:t>
+            </a:r>
+            <a:endParaRPr lang="en-US" dirty="0"/>
+          </a:p>
+        </p:txBody>
+      </p:sp>
+      <p:sp>
+        <p:nvSpPr>
+          <p:cNvPr id="24" name="Text Placeholder 3"/>
+          <p:cNvSpPr>
+            <a:spLocks noGrp="1"/>
+          </p:cNvSpPr>
+          <p:nvPr>
+            <p:ph type="body" sz="half" idx="20"/>
+          </p:nvPr>
+        </p:nvSpPr>
+        <p:spPr>
+          <a:xfrm>
+            <a:off x="5344824" y="4827209"/>
+            <a:ext cx="2202571" cy="659189"/>
+          </a:xfrm>
+        </p:spPr>
+        <p:txBody>
+          <a:bodyPr anchor="t">
+            <a:normAutofit/>
+          </a:bodyPr>
+          <a:lstStyle>
+            <a:lvl1pPr marL="0" indent="0">
+              <a:buNone/>
+              <a:defRPr sz="1400"/>
+            </a:lvl1pPr>
+            <a:lvl2pPr marL="457200" indent="0">
+              <a:buNone/>
+              <a:defRPr sz="1200"/>
+            </a:lvl2pPr>
+            <a:lvl3pPr marL="914400" indent="0">
+              <a:buNone/>
+              <a:defRPr sz="1000"/>
+            </a:lvl3pPr>
+            <a:lvl4pPr marL="1371600" indent="0">
+              <a:buNone/>
+              <a:defRPr sz="900"/>
+            </a:lvl4pPr>
+            <a:lvl5pPr marL="1828800" indent="0">
+              <a:buNone/>
+              <a:defRPr sz="900"/>
+            </a:lvl5pPr>
+            <a:lvl6pPr marL="2286000" indent="0">
+              <a:buNone/>
+              <a:defRPr sz="900"/>
+            </a:lvl6pPr>
+            <a:lvl7pPr marL="2743200" indent="0">
+              <a:buNone/>
+              <a:defRPr sz="900"/>
+            </a:lvl7pPr>
+            <a:lvl8pPr marL="3200400" indent="0">
+              <a:buNone/>
+              <a:defRPr sz="900"/>
+            </a:lvl8pPr>
+            <a:lvl9pPr marL="3657600" indent="0">
+              <a:buNone/>
+              <a:defRPr sz="900"/>
+            </a:lvl9pPr>
+          </a:lstStyle>
+          <a:p>
+            <a:pPr lvl="0"/>
+            <a:r>
+              <a:rPr lang="de-DE"/>
+              <a:t>Mastertextformat bearbeiten</a:t>
+            </a:r>
+          </a:p>
+        </p:txBody>
+      </p:sp>
+      <p:cxnSp>
+        <p:nvCxnSpPr>
+          <p:cNvPr id="19" name="Straight Connector 18"/>
+          <p:cNvCxnSpPr/>
+          <p:nvPr/>
+        </p:nvCxnSpPr>
+        <p:spPr>
+          <a:xfrm>
+            <a:off x="2795334" y="2133600"/>
+            <a:ext cx="0" cy="3962400"/>
+          </a:xfrm>
+          <a:prstGeom prst="line">
+            <a:avLst/>
+          </a:prstGeom>
+          <a:ln w="12700" cmpd="sng">
+            <a:solidFill>
+              <a:schemeClr val="bg2">
+                <a:lumMod val="40000"/>
+                <a:lumOff val="60000"/>
+                <a:alpha val="40000"/>
+              </a:schemeClr>
+            </a:solidFill>
+          </a:ln>
+        </p:spPr>
+        <p:style>
+          <a:lnRef idx="2">
+            <a:schemeClr val="accent1"/>
+          </a:lnRef>
+          <a:fillRef idx="0">
+            <a:schemeClr val="accent1"/>
+          </a:fillRef>
+          <a:effectRef idx="1">
+            <a:schemeClr val="accent1"/>
+          </a:effectRef>
+          <a:fontRef idx="minor">
+            <a:schemeClr val="tx1"/>
+          </a:fontRef>
+        </p:style>
+      </p:cxnSp>
+      <p:cxnSp>
+        <p:nvCxnSpPr>
+          <p:cNvPr id="20" name="Straight Connector 19"/>
+          <p:cNvCxnSpPr/>
+          <p:nvPr/>
+        </p:nvCxnSpPr>
+        <p:spPr>
+          <a:xfrm>
+            <a:off x="5223030" y="2133600"/>
+            <a:ext cx="0" cy="3966882"/>
+          </a:xfrm>
+          <a:prstGeom prst="line">
+            <a:avLst/>
+          </a:prstGeom>
+          <a:ln w="12700" cmpd="sng">
+            <a:solidFill>
+              <a:schemeClr val="bg2">
+                <a:lumMod val="40000"/>
+                <a:lumOff val="60000"/>
+                <a:alpha val="40000"/>
+              </a:schemeClr>
+            </a:solidFill>
+          </a:ln>
+        </p:spPr>
+        <p:style>
+          <a:lnRef idx="2">
+            <a:schemeClr val="accent1"/>
+          </a:lnRef>
+          <a:fillRef idx="0">
+            <a:schemeClr val="accent1"/>
+          </a:fillRef>
+          <a:effectRef idx="1">
+            <a:schemeClr val="accent1"/>
+          </a:effectRef>
+          <a:fontRef idx="minor">
+            <a:schemeClr val="tx1"/>
+          </a:fontRef>
+        </p:style>
+      </p:cxnSp>
+      <p:sp>
+        <p:nvSpPr>
+          <p:cNvPr id="7" name="Date Placeholder 3"/>
+          <p:cNvSpPr>
+            <a:spLocks noGrp="1"/>
+          </p:cNvSpPr>
+          <p:nvPr>
+            <p:ph type="dt" sz="half" idx="10"/>
+          </p:nvPr>
+        </p:nvSpPr>
+        <p:spPr/>
+        <p:txBody>
+          <a:bodyPr/>
+          <a:lstStyle/>
+          <a:p>
+            <a:fld id="{1BA50D42-C9CD-4801-B293-61D1F53EC57E}" type="datetimeFigureOut">
+              <a:rPr lang="de-DE" smtClean="0"/>
+              <a:t>05.11.2019</a:t>
+            </a:fld>
+            <a:endParaRPr lang="de-DE"/>
+          </a:p>
+        </p:txBody>
+      </p:sp>
+      <p:sp>
+        <p:nvSpPr>
+          <p:cNvPr id="4" name="Footer Placeholder 4"/>
+          <p:cNvSpPr>
+            <a:spLocks noGrp="1"/>
+          </p:cNvSpPr>
+          <p:nvPr>
+            <p:ph type="ftr" sz="quarter" idx="11"/>
+          </p:nvPr>
+        </p:nvSpPr>
+        <p:spPr/>
+        <p:txBody>
+          <a:bodyPr/>
+          <a:lstStyle/>
+          <a:p>
+            <a:endParaRPr lang="de-DE"/>
+          </a:p>
+        </p:txBody>
+      </p:sp>
+      <p:sp>
+        <p:nvSpPr>
+          <p:cNvPr id="6" name="Slide Number Placeholder 5"/>
+          <p:cNvSpPr>
+            <a:spLocks noGrp="1"/>
+          </p:cNvSpPr>
+          <p:nvPr>
+            <p:ph type="sldNum" sz="quarter" idx="12"/>
+          </p:nvPr>
+        </p:nvSpPr>
+        <p:spPr/>
+        <p:txBody>
+          <a:bodyPr/>
+          <a:lstStyle/>
+          <a:p>
+            <a:fld id="{6C6AE60A-B69C-4790-82F7-3882EDF23186}" type="slidenum">
+              <a:rPr lang="de-DE" smtClean="0"/>
+              <a:t>‹Nr.›</a:t>
+            </a:fld>
+            <a:endParaRPr lang="de-DE"/>
+          </a:p>
+        </p:txBody>
+      </p:sp>
+    </p:spTree>
+    <p:extLst>
+      <p:ext uri="{BB962C8B-B14F-4D97-AF65-F5344CB8AC3E}">
+        <p14:creationId xmlns:p14="http://schemas.microsoft.com/office/powerpoint/2010/main" val="2584380463"/>
+      </p:ext>
+    </p:extLst>
+  </p:cSld>
+  <p:clrMapOvr>
+    <a:masterClrMapping/>
+  </p:clrMapOvr>
+</p:sldLayout>
+</file>
+
+<file path=ppt/slideLayouts/slideLayout16.xml><?xml version="1.0" encoding="utf-8"?>
 <p:sldLayout xmlns:a="http://schemas.openxmlformats.org/drawingml/2006/main" xmlns:r="http://schemas.openxmlformats.org/officeDocument/2006/relationships" xmlns:p="http://schemas.openxmlformats.org/presentationml/2006/main" type="vertTx" preserve="1">
   <p:cSld name="Titel und vertikaler Text">
     <p:spTree>
@@ -360,7 +2961,7 @@
       </p:grpSpPr>
       <p:sp>
         <p:nvSpPr>
-          <p:cNvPr id="2" name="Titel 1"/>
+          <p:cNvPr id="2" name="Title 1"/>
           <p:cNvSpPr>
             <a:spLocks noGrp="1"/>
           </p:cNvSpPr>
@@ -374,16 +2975,16 @@
           <a:lstStyle/>
           <a:p>
             <a:r>
-              <a:rPr lang="de-DE" smtClean="0"/>
-              <a:t>Titelmasterformat durch Klicken bearbeiten</a:t>
-            </a:r>
-            <a:endParaRPr lang="de-DE"/>
-          </a:p>
-        </p:txBody>
-      </p:sp>
-      <p:sp>
-        <p:nvSpPr>
-          <p:cNvPr id="3" name="Vertikaler Textplatzhalter 2"/>
+              <a:rPr lang="de-DE"/>
+              <a:t>Mastertitelformat bearbeiten</a:t>
+            </a:r>
+            <a:endParaRPr lang="en-US" dirty="0"/>
+          </a:p>
+        </p:txBody>
+      </p:sp>
+      <p:sp>
+        <p:nvSpPr>
+          <p:cNvPr id="3" name="Vertical Text Placeholder 2"/>
           <p:cNvSpPr>
             <a:spLocks noGrp="1"/>
           </p:cNvSpPr>
@@ -393,49 +2994,49 @@
         </p:nvSpPr>
         <p:spPr/>
         <p:txBody>
-          <a:bodyPr vert="eaVert"/>
+          <a:bodyPr vert="eaVert" anchor="t" anchorCtr="0"/>
           <a:lstStyle/>
           <a:p>
             <a:pPr lvl="0"/>
             <a:r>
-              <a:rPr lang="de-DE" smtClean="0"/>
-              <a:t>Textmasterformate durch Klicken bearbeiten</a:t>
+              <a:rPr lang="de-DE"/>
+              <a:t>Mastertextformat bearbeiten</a:t>
             </a:r>
           </a:p>
           <a:p>
             <a:pPr lvl="1"/>
             <a:r>
-              <a:rPr lang="de-DE" smtClean="0"/>
+              <a:rPr lang="de-DE"/>
               <a:t>Zweite Ebene</a:t>
             </a:r>
           </a:p>
           <a:p>
             <a:pPr lvl="2"/>
             <a:r>
-              <a:rPr lang="de-DE" smtClean="0"/>
+              <a:rPr lang="de-DE"/>
               <a:t>Dritte Ebene</a:t>
             </a:r>
           </a:p>
           <a:p>
             <a:pPr lvl="3"/>
             <a:r>
-              <a:rPr lang="de-DE" smtClean="0"/>
+              <a:rPr lang="de-DE"/>
               <a:t>Vierte Ebene</a:t>
             </a:r>
           </a:p>
           <a:p>
             <a:pPr lvl="4"/>
             <a:r>
-              <a:rPr lang="de-DE" smtClean="0"/>
+              <a:rPr lang="de-DE"/>
               <a:t>Fünfte Ebene</a:t>
             </a:r>
-            <a:endParaRPr lang="de-DE"/>
-          </a:p>
-        </p:txBody>
-      </p:sp>
-      <p:sp>
-        <p:nvSpPr>
-          <p:cNvPr id="4" name="Datumsplatzhalter 3"/>
+            <a:endParaRPr lang="en-US" dirty="0"/>
+          </a:p>
+        </p:txBody>
+      </p:sp>
+      <p:sp>
+        <p:nvSpPr>
+          <p:cNvPr id="4" name="Date Placeholder 3"/>
           <p:cNvSpPr>
             <a:spLocks noGrp="1"/>
           </p:cNvSpPr>
@@ -450,7 +3051,7 @@
           <a:p>
             <a:fld id="{1BA50D42-C9CD-4801-B293-61D1F53EC57E}" type="datetimeFigureOut">
               <a:rPr lang="de-DE" smtClean="0"/>
-              <a:t>14.09.2006</a:t>
+              <a:t>05.11.2019</a:t>
             </a:fld>
             <a:endParaRPr lang="de-DE"/>
           </a:p>
@@ -458,7 +3059,7 @@
       </p:sp>
       <p:sp>
         <p:nvSpPr>
-          <p:cNvPr id="5" name="Fußzeilenplatzhalter 4"/>
+          <p:cNvPr id="5" name="Footer Placeholder 4"/>
           <p:cNvSpPr>
             <a:spLocks noGrp="1"/>
           </p:cNvSpPr>
@@ -477,7 +3078,7 @@
       </p:sp>
       <p:sp>
         <p:nvSpPr>
-          <p:cNvPr id="6" name="Foliennummernplatzhalter 5"/>
+          <p:cNvPr id="6" name="Slide Number Placeholder 5"/>
           <p:cNvSpPr>
             <a:spLocks noGrp="1"/>
           </p:cNvSpPr>
@@ -499,6 +3100,11 @@
         </p:txBody>
       </p:sp>
     </p:spTree>
+    <p:extLst>
+      <p:ext uri="{BB962C8B-B14F-4D97-AF65-F5344CB8AC3E}">
+        <p14:creationId xmlns:p14="http://schemas.microsoft.com/office/powerpoint/2010/main" val="2382395793"/>
+      </p:ext>
+    </p:extLst>
   </p:cSld>
   <p:clrMapOvr>
     <a:masterClrMapping/>
@@ -506,7 +3112,7 @@
 </p:sldLayout>
 </file>
 
-<file path=ppt/slideLayouts/slideLayout11.xml><?xml version="1.0" encoding="utf-8"?>
+<file path=ppt/slideLayouts/slideLayout17.xml><?xml version="1.0" encoding="utf-8"?>
 <p:sldLayout xmlns:a="http://schemas.openxmlformats.org/drawingml/2006/main" xmlns:r="http://schemas.openxmlformats.org/officeDocument/2006/relationships" xmlns:p="http://schemas.openxmlformats.org/presentationml/2006/main" type="vertTitleAndTx" preserve="1">
   <p:cSld name="Vertikaler Titel und Text">
     <p:spTree>
@@ -525,7 +3131,7 @@
       </p:grpSpPr>
       <p:sp>
         <p:nvSpPr>
-          <p:cNvPr id="2" name="Vertikaler Titel 1"/>
+          <p:cNvPr id="2" name="Vertical Title 1"/>
           <p:cNvSpPr>
             <a:spLocks noGrp="1"/>
           </p:cNvSpPr>
@@ -535,82 +3141,82 @@
         </p:nvSpPr>
         <p:spPr>
           <a:xfrm>
-            <a:off x="6629400" y="274638"/>
-            <a:ext cx="2057400" cy="5851525"/>
+            <a:off x="6229782" y="430214"/>
+            <a:ext cx="1314793" cy="5826125"/>
           </a:xfrm>
         </p:spPr>
         <p:txBody>
+          <a:bodyPr vert="eaVert" anchor="b" anchorCtr="0"/>
+          <a:lstStyle/>
+          <a:p>
+            <a:r>
+              <a:rPr lang="de-DE"/>
+              <a:t>Mastertitelformat bearbeiten</a:t>
+            </a:r>
+            <a:endParaRPr lang="en-US" dirty="0"/>
+          </a:p>
+        </p:txBody>
+      </p:sp>
+      <p:sp>
+        <p:nvSpPr>
+          <p:cNvPr id="3" name="Vertical Text Placeholder 2"/>
+          <p:cNvSpPr>
+            <a:spLocks noGrp="1"/>
+          </p:cNvSpPr>
+          <p:nvPr>
+            <p:ph type="body" orient="vert" idx="1"/>
+          </p:nvPr>
+        </p:nvSpPr>
+        <p:spPr>
+          <a:xfrm>
+            <a:off x="489475" y="773205"/>
+            <a:ext cx="5568812" cy="5483134"/>
+          </a:xfrm>
+        </p:spPr>
+        <p:txBody>
           <a:bodyPr vert="eaVert"/>
           <a:lstStyle/>
           <a:p>
-            <a:r>
-              <a:rPr lang="de-DE" smtClean="0"/>
-              <a:t>Titel durch Klicken hinzufügen</a:t>
-            </a:r>
-            <a:endParaRPr lang="de-DE"/>
-          </a:p>
-        </p:txBody>
-      </p:sp>
-      <p:sp>
-        <p:nvSpPr>
-          <p:cNvPr id="3" name="Vertikaler Textplatzhalter 2"/>
-          <p:cNvSpPr>
-            <a:spLocks noGrp="1"/>
-          </p:cNvSpPr>
-          <p:nvPr>
-            <p:ph type="body" orient="vert" idx="1"/>
-          </p:nvPr>
-        </p:nvSpPr>
-        <p:spPr>
-          <a:xfrm>
-            <a:off x="457200" y="274638"/>
-            <a:ext cx="6019800" cy="5851525"/>
-          </a:xfrm>
-        </p:spPr>
-        <p:txBody>
-          <a:bodyPr vert="eaVert"/>
-          <a:lstStyle/>
-          <a:p>
             <a:pPr lvl="0"/>
             <a:r>
-              <a:rPr lang="de-DE" smtClean="0"/>
-              <a:t>Textmasterformate durch Klicken bearbeiten</a:t>
+              <a:rPr lang="de-DE"/>
+              <a:t>Mastertextformat bearbeiten</a:t>
             </a:r>
           </a:p>
           <a:p>
             <a:pPr lvl="1"/>
             <a:r>
-              <a:rPr lang="de-DE" smtClean="0"/>
+              <a:rPr lang="de-DE"/>
               <a:t>Zweite Ebene</a:t>
             </a:r>
           </a:p>
           <a:p>
             <a:pPr lvl="2"/>
             <a:r>
-              <a:rPr lang="de-DE" smtClean="0"/>
+              <a:rPr lang="de-DE"/>
               <a:t>Dritte Ebene</a:t>
             </a:r>
           </a:p>
           <a:p>
             <a:pPr lvl="3"/>
             <a:r>
-              <a:rPr lang="de-DE" smtClean="0"/>
+              <a:rPr lang="de-DE"/>
               <a:t>Vierte Ebene</a:t>
             </a:r>
           </a:p>
           <a:p>
             <a:pPr lvl="4"/>
             <a:r>
-              <a:rPr lang="de-DE" smtClean="0"/>
+              <a:rPr lang="de-DE"/>
               <a:t>Fünfte Ebene</a:t>
             </a:r>
-            <a:endParaRPr lang="de-DE"/>
-          </a:p>
-        </p:txBody>
-      </p:sp>
-      <p:sp>
-        <p:nvSpPr>
-          <p:cNvPr id="4" name="Datumsplatzhalter 3"/>
+            <a:endParaRPr lang="en-US" dirty="0"/>
+          </a:p>
+        </p:txBody>
+      </p:sp>
+      <p:sp>
+        <p:nvSpPr>
+          <p:cNvPr id="4" name="Date Placeholder 3"/>
           <p:cNvSpPr>
             <a:spLocks noGrp="1"/>
           </p:cNvSpPr>
@@ -625,7 +3231,7 @@
           <a:p>
             <a:fld id="{1BA50D42-C9CD-4801-B293-61D1F53EC57E}" type="datetimeFigureOut">
               <a:rPr lang="de-DE" smtClean="0"/>
-              <a:t>14.09.2006</a:t>
+              <a:t>05.11.2019</a:t>
             </a:fld>
             <a:endParaRPr lang="de-DE"/>
           </a:p>
@@ -633,7 +3239,7 @@
       </p:sp>
       <p:sp>
         <p:nvSpPr>
-          <p:cNvPr id="5" name="Fußzeilenplatzhalter 4"/>
+          <p:cNvPr id="5" name="Footer Placeholder 4"/>
           <p:cNvSpPr>
             <a:spLocks noGrp="1"/>
           </p:cNvSpPr>
@@ -652,7 +3258,7 @@
       </p:sp>
       <p:sp>
         <p:nvSpPr>
-          <p:cNvPr id="6" name="Foliennummernplatzhalter 5"/>
+          <p:cNvPr id="6" name="Slide Number Placeholder 5"/>
           <p:cNvSpPr>
             <a:spLocks noGrp="1"/>
           </p:cNvSpPr>
@@ -674,6 +3280,11 @@
         </p:txBody>
       </p:sp>
     </p:spTree>
+    <p:extLst>
+      <p:ext uri="{BB962C8B-B14F-4D97-AF65-F5344CB8AC3E}">
+        <p14:creationId xmlns:p14="http://schemas.microsoft.com/office/powerpoint/2010/main" val="947989566"/>
+      </p:ext>
+    </p:extLst>
   </p:cSld>
   <p:clrMapOvr>
     <a:masterClrMapping/>
@@ -700,7 +3311,7 @@
       </p:grpSpPr>
       <p:sp>
         <p:nvSpPr>
-          <p:cNvPr id="2" name="Titel 1"/>
+          <p:cNvPr id="2" name="Title 1"/>
           <p:cNvSpPr>
             <a:spLocks noGrp="1"/>
           </p:cNvSpPr>
@@ -714,16 +3325,16 @@
           <a:lstStyle/>
           <a:p>
             <a:r>
-              <a:rPr lang="de-DE" smtClean="0"/>
-              <a:t>Titelmasterformat durch Klicken bearbeiten</a:t>
-            </a:r>
-            <a:endParaRPr lang="de-DE"/>
-          </a:p>
-        </p:txBody>
-      </p:sp>
-      <p:sp>
-        <p:nvSpPr>
-          <p:cNvPr id="3" name="Inhaltsplatzhalter 2"/>
+              <a:rPr lang="de-DE"/>
+              <a:t>Mastertitelformat bearbeiten</a:t>
+            </a:r>
+            <a:endParaRPr lang="en-US" dirty="0"/>
+          </a:p>
+        </p:txBody>
+      </p:sp>
+      <p:sp>
+        <p:nvSpPr>
+          <p:cNvPr id="3" name="Content Placeholder 2"/>
           <p:cNvSpPr>
             <a:spLocks noGrp="1"/>
           </p:cNvSpPr>
@@ -738,44 +3349,44 @@
           <a:p>
             <a:pPr lvl="0"/>
             <a:r>
-              <a:rPr lang="de-DE" smtClean="0"/>
-              <a:t>Textmasterformate durch Klicken bearbeiten</a:t>
+              <a:rPr lang="de-DE"/>
+              <a:t>Mastertextformat bearbeiten</a:t>
             </a:r>
           </a:p>
           <a:p>
             <a:pPr lvl="1"/>
             <a:r>
-              <a:rPr lang="de-DE" smtClean="0"/>
+              <a:rPr lang="de-DE"/>
               <a:t>Zweite Ebene</a:t>
             </a:r>
           </a:p>
           <a:p>
             <a:pPr lvl="2"/>
             <a:r>
-              <a:rPr lang="de-DE" smtClean="0"/>
+              <a:rPr lang="de-DE"/>
               <a:t>Dritte Ebene</a:t>
             </a:r>
           </a:p>
           <a:p>
             <a:pPr lvl="3"/>
             <a:r>
-              <a:rPr lang="de-DE" smtClean="0"/>
+              <a:rPr lang="de-DE"/>
               <a:t>Vierte Ebene</a:t>
             </a:r>
           </a:p>
           <a:p>
             <a:pPr lvl="4"/>
             <a:r>
-              <a:rPr lang="de-DE" smtClean="0"/>
+              <a:rPr lang="de-DE"/>
               <a:t>Fünfte Ebene</a:t>
             </a:r>
-            <a:endParaRPr lang="de-DE"/>
-          </a:p>
-        </p:txBody>
-      </p:sp>
-      <p:sp>
-        <p:nvSpPr>
-          <p:cNvPr id="4" name="Datumsplatzhalter 3"/>
+            <a:endParaRPr lang="en-US" dirty="0"/>
+          </a:p>
+        </p:txBody>
+      </p:sp>
+      <p:sp>
+        <p:nvSpPr>
+          <p:cNvPr id="7" name="Date Placeholder 3"/>
           <p:cNvSpPr>
             <a:spLocks noGrp="1"/>
           </p:cNvSpPr>
@@ -790,7 +3401,7 @@
           <a:p>
             <a:fld id="{1BA50D42-C9CD-4801-B293-61D1F53EC57E}" type="datetimeFigureOut">
               <a:rPr lang="de-DE" smtClean="0"/>
-              <a:t>14.09.2006</a:t>
+              <a:t>05.11.2019</a:t>
             </a:fld>
             <a:endParaRPr lang="de-DE"/>
           </a:p>
@@ -798,7 +3409,7 @@
       </p:sp>
       <p:sp>
         <p:nvSpPr>
-          <p:cNvPr id="5" name="Fußzeilenplatzhalter 4"/>
+          <p:cNvPr id="5" name="Footer Placeholder 4"/>
           <p:cNvSpPr>
             <a:spLocks noGrp="1"/>
           </p:cNvSpPr>
@@ -817,7 +3428,7 @@
       </p:sp>
       <p:sp>
         <p:nvSpPr>
-          <p:cNvPr id="6" name="Foliennummernplatzhalter 5"/>
+          <p:cNvPr id="6" name="Slide Number Placeholder 5"/>
           <p:cNvSpPr>
             <a:spLocks noGrp="1"/>
           </p:cNvSpPr>
@@ -839,6 +3450,11 @@
         </p:txBody>
       </p:sp>
     </p:spTree>
+    <p:extLst>
+      <p:ext uri="{BB962C8B-B14F-4D97-AF65-F5344CB8AC3E}">
+        <p14:creationId xmlns:p14="http://schemas.microsoft.com/office/powerpoint/2010/main" val="604648168"/>
+      </p:ext>
+    </p:extLst>
   </p:cSld>
   <p:clrMapOvr>
     <a:masterClrMapping/>
@@ -848,7 +3464,7 @@
 
 <file path=ppt/slideLayouts/slideLayout3.xml><?xml version="1.0" encoding="utf-8"?>
 <p:sldLayout xmlns:a="http://schemas.openxmlformats.org/drawingml/2006/main" xmlns:r="http://schemas.openxmlformats.org/officeDocument/2006/relationships" xmlns:p="http://schemas.openxmlformats.org/presentationml/2006/main" type="secHead" preserve="1">
-  <p:cSld name="Abschnittsüberschrift">
+  <p:cSld name="Abschnitts-&#10;überschrift">
     <p:spTree>
       <p:nvGrpSpPr>
         <p:cNvPr id="1" name=""/>
@@ -865,7 +3481,7 @@
       </p:grpSpPr>
       <p:sp>
         <p:nvSpPr>
-          <p:cNvPr id="2" name="Titel 1"/>
+          <p:cNvPr id="2" name="Title 1"/>
           <p:cNvSpPr>
             <a:spLocks noGrp="1"/>
           </p:cNvSpPr>
@@ -875,51 +3491,52 @@
         </p:nvSpPr>
         <p:spPr>
           <a:xfrm>
-            <a:off x="722313" y="4406900"/>
-            <a:ext cx="7772400" cy="1362075"/>
+            <a:off x="866443" y="2861734"/>
+            <a:ext cx="6620967" cy="1915647"/>
           </a:xfrm>
         </p:spPr>
         <p:txBody>
+          <a:bodyPr anchor="b"/>
+          <a:lstStyle>
+            <a:lvl1pPr algn="l">
+              <a:defRPr sz="4000" b="0" cap="none"/>
+            </a:lvl1pPr>
+          </a:lstStyle>
+          <a:p>
+            <a:r>
+              <a:rPr lang="de-DE"/>
+              <a:t>Mastertitelformat bearbeiten</a:t>
+            </a:r>
+            <a:endParaRPr lang="en-US" dirty="0"/>
+          </a:p>
+        </p:txBody>
+      </p:sp>
+      <p:sp>
+        <p:nvSpPr>
+          <p:cNvPr id="3" name="Text Placeholder 2"/>
+          <p:cNvSpPr>
+            <a:spLocks noGrp="1"/>
+          </p:cNvSpPr>
+          <p:nvPr>
+            <p:ph type="body" idx="1"/>
+          </p:nvPr>
+        </p:nvSpPr>
+        <p:spPr>
+          <a:xfrm>
+            <a:off x="866442" y="4777381"/>
+            <a:ext cx="6620968" cy="860400"/>
+          </a:xfrm>
+        </p:spPr>
+        <p:txBody>
           <a:bodyPr anchor="t"/>
           <a:lstStyle>
-            <a:lvl1pPr algn="l">
-              <a:defRPr sz="4000" b="1" cap="all"/>
-            </a:lvl1pPr>
-          </a:lstStyle>
-          <a:p>
-            <a:r>
-              <a:rPr lang="de-DE" smtClean="0"/>
-              <a:t>Titelmasterformat durch Klicken bearbeiten</a:t>
-            </a:r>
-            <a:endParaRPr lang="de-DE"/>
-          </a:p>
-        </p:txBody>
-      </p:sp>
-      <p:sp>
-        <p:nvSpPr>
-          <p:cNvPr id="3" name="Textplatzhalter 2"/>
-          <p:cNvSpPr>
-            <a:spLocks noGrp="1"/>
-          </p:cNvSpPr>
-          <p:nvPr>
-            <p:ph type="body" idx="1"/>
-          </p:nvPr>
-        </p:nvSpPr>
-        <p:spPr>
-          <a:xfrm>
-            <a:off x="722313" y="2906713"/>
-            <a:ext cx="7772400" cy="1500187"/>
-          </a:xfrm>
-        </p:spPr>
-        <p:txBody>
-          <a:bodyPr anchor="b"/>
-          <a:lstStyle>
-            <a:lvl1pPr marL="0" indent="0">
-              <a:buNone/>
-              <a:defRPr sz="2000">
+            <a:lvl1pPr marL="0" indent="0" algn="l">
+              <a:buNone/>
+              <a:defRPr sz="2000" cap="all">
                 <a:solidFill>
-                  <a:schemeClr val="tx1">
-                    <a:tint val="75000"/>
+                  <a:schemeClr val="bg2">
+                    <a:lumMod val="40000"/>
+                    <a:lumOff val="60000"/>
                   </a:schemeClr>
                 </a:solidFill>
               </a:defRPr>
@@ -1008,15 +3625,15 @@
           <a:p>
             <a:pPr lvl="0"/>
             <a:r>
-              <a:rPr lang="de-DE" smtClean="0"/>
-              <a:t>Textmasterformate durch Klicken bearbeiten</a:t>
-            </a:r>
-          </a:p>
-        </p:txBody>
-      </p:sp>
-      <p:sp>
-        <p:nvSpPr>
-          <p:cNvPr id="4" name="Datumsplatzhalter 3"/>
+              <a:rPr lang="de-DE"/>
+              <a:t>Mastertextformat bearbeiten</a:t>
+            </a:r>
+          </a:p>
+        </p:txBody>
+      </p:sp>
+      <p:sp>
+        <p:nvSpPr>
+          <p:cNvPr id="4" name="Date Placeholder 3"/>
           <p:cNvSpPr>
             <a:spLocks noGrp="1"/>
           </p:cNvSpPr>
@@ -1031,7 +3648,7 @@
           <a:p>
             <a:fld id="{1BA50D42-C9CD-4801-B293-61D1F53EC57E}" type="datetimeFigureOut">
               <a:rPr lang="de-DE" smtClean="0"/>
-              <a:t>14.09.2006</a:t>
+              <a:t>05.11.2019</a:t>
             </a:fld>
             <a:endParaRPr lang="de-DE"/>
           </a:p>
@@ -1039,7 +3656,7 @@
       </p:sp>
       <p:sp>
         <p:nvSpPr>
-          <p:cNvPr id="5" name="Fußzeilenplatzhalter 4"/>
+          <p:cNvPr id="5" name="Footer Placeholder 4"/>
           <p:cNvSpPr>
             <a:spLocks noGrp="1"/>
           </p:cNvSpPr>
@@ -1058,7 +3675,7 @@
       </p:sp>
       <p:sp>
         <p:nvSpPr>
-          <p:cNvPr id="6" name="Foliennummernplatzhalter 5"/>
+          <p:cNvPr id="6" name="Slide Number Placeholder 5"/>
           <p:cNvSpPr>
             <a:spLocks noGrp="1"/>
           </p:cNvSpPr>
@@ -1080,6 +3697,11 @@
         </p:txBody>
       </p:sp>
     </p:spTree>
+    <p:extLst>
+      <p:ext uri="{BB962C8B-B14F-4D97-AF65-F5344CB8AC3E}">
+        <p14:creationId xmlns:p14="http://schemas.microsoft.com/office/powerpoint/2010/main" val="3540274573"/>
+      </p:ext>
+    </p:extLst>
   </p:cSld>
   <p:clrMapOvr>
     <a:masterClrMapping/>
@@ -1106,7 +3728,7 @@
       </p:grpSpPr>
       <p:sp>
         <p:nvSpPr>
-          <p:cNvPr id="2" name="Titel 1"/>
+          <p:cNvPr id="2" name="Title 1"/>
           <p:cNvSpPr>
             <a:spLocks noGrp="1"/>
           </p:cNvSpPr>
@@ -1120,16 +3742,16 @@
           <a:lstStyle/>
           <a:p>
             <a:r>
-              <a:rPr lang="de-DE" smtClean="0"/>
-              <a:t>Titelmasterformat durch Klicken bearbeiten</a:t>
-            </a:r>
-            <a:endParaRPr lang="de-DE"/>
-          </a:p>
-        </p:txBody>
-      </p:sp>
-      <p:sp>
-        <p:nvSpPr>
-          <p:cNvPr id="3" name="Inhaltsplatzhalter 2"/>
+              <a:rPr lang="de-DE"/>
+              <a:t>Mastertitelformat bearbeiten</a:t>
+            </a:r>
+            <a:endParaRPr lang="en-US" dirty="0"/>
+          </a:p>
+        </p:txBody>
+      </p:sp>
+      <p:sp>
+        <p:nvSpPr>
+          <p:cNvPr id="3" name="Content Placeholder 2"/>
           <p:cNvSpPr>
             <a:spLocks noGrp="1"/>
           </p:cNvSpPr>
@@ -1139,82 +3761,84 @@
         </p:nvSpPr>
         <p:spPr>
           <a:xfrm>
-            <a:off x="457200" y="1600200"/>
-            <a:ext cx="4038600" cy="4525963"/>
+            <a:off x="827700" y="2060576"/>
+            <a:ext cx="3298113" cy="4195763"/>
           </a:xfrm>
         </p:spPr>
         <p:txBody>
-          <a:bodyPr/>
+          <a:bodyPr>
+            <a:normAutofit/>
+          </a:bodyPr>
           <a:lstStyle>
             <a:lvl1pPr>
-              <a:defRPr sz="2800"/>
+              <a:defRPr sz="1800"/>
             </a:lvl1pPr>
             <a:lvl2pPr>
-              <a:defRPr sz="2400"/>
+              <a:defRPr sz="1600"/>
             </a:lvl2pPr>
             <a:lvl3pPr>
-              <a:defRPr sz="2000"/>
+              <a:defRPr sz="1400"/>
             </a:lvl3pPr>
             <a:lvl4pPr>
-              <a:defRPr sz="1800"/>
+              <a:defRPr sz="1200"/>
             </a:lvl4pPr>
             <a:lvl5pPr>
-              <a:defRPr sz="1800"/>
+              <a:defRPr sz="1200"/>
             </a:lvl5pPr>
             <a:lvl6pPr>
-              <a:defRPr sz="1800"/>
+              <a:defRPr sz="1200"/>
             </a:lvl6pPr>
             <a:lvl7pPr>
-              <a:defRPr sz="1800"/>
+              <a:defRPr sz="1200"/>
             </a:lvl7pPr>
             <a:lvl8pPr>
-              <a:defRPr sz="1800"/>
+              <a:defRPr sz="1200"/>
             </a:lvl8pPr>
             <a:lvl9pPr>
-              <a:defRPr sz="1800"/>
+              <a:defRPr sz="1200"/>
             </a:lvl9pPr>
           </a:lstStyle>
           <a:p>
             <a:pPr lvl="0"/>
             <a:r>
-              <a:rPr lang="de-DE" smtClean="0"/>
-              <a:t>Textmasterformate durch Klicken bearbeiten</a:t>
+              <a:rPr lang="de-DE"/>
+              <a:t>Mastertextformat bearbeiten</a:t>
             </a:r>
           </a:p>
           <a:p>
             <a:pPr lvl="1"/>
             <a:r>
-              <a:rPr lang="de-DE" smtClean="0"/>
+              <a:rPr lang="de-DE"/>
               <a:t>Zweite Ebene</a:t>
             </a:r>
           </a:p>
           <a:p>
             <a:pPr lvl="2"/>
             <a:r>
-              <a:rPr lang="de-DE" smtClean="0"/>
+              <a:rPr lang="de-DE"/>
               <a:t>Dritte Ebene</a:t>
             </a:r>
           </a:p>
           <a:p>
             <a:pPr lvl="3"/>
             <a:r>
-              <a:rPr lang="de-DE" smtClean="0"/>
+              <a:rPr lang="de-DE"/>
               <a:t>Vierte Ebene</a:t>
             </a:r>
           </a:p>
           <a:p>
             <a:pPr lvl="4"/>
             <a:r>
-              <a:rPr lang="de-DE" smtClean="0"/>
+              <a:rPr lang="de-DE"/>
               <a:t>Fünfte Ebene</a:t>
             </a:r>
-            <a:endParaRPr lang="de-DE"/>
-          </a:p>
-        </p:txBody>
-      </p:sp>
-      <p:sp>
-        <p:nvSpPr>
-          <p:cNvPr id="4" name="Inhaltsplatzhalter 3"/>
+            <a:endParaRPr lang="en-US" dirty="0"/>
+          </a:p>
+        </p:txBody>
+      </p:sp>
+      <p:sp>
+        <p:nvSpPr>
+          <p:cNvPr id="4" name="Content Placeholder 3"/>
           <p:cNvSpPr>
             <a:spLocks noGrp="1"/>
           </p:cNvSpPr>
@@ -1224,82 +3848,84 @@
         </p:nvSpPr>
         <p:spPr>
           <a:xfrm>
-            <a:off x="4648200" y="1600200"/>
-            <a:ext cx="4038600" cy="4525963"/>
+            <a:off x="4241975" y="2056093"/>
+            <a:ext cx="3298115" cy="4200245"/>
           </a:xfrm>
         </p:spPr>
         <p:txBody>
-          <a:bodyPr/>
+          <a:bodyPr>
+            <a:normAutofit/>
+          </a:bodyPr>
           <a:lstStyle>
             <a:lvl1pPr>
-              <a:defRPr sz="2800"/>
+              <a:defRPr sz="1800"/>
             </a:lvl1pPr>
             <a:lvl2pPr>
-              <a:defRPr sz="2400"/>
+              <a:defRPr sz="1600"/>
             </a:lvl2pPr>
             <a:lvl3pPr>
-              <a:defRPr sz="2000"/>
+              <a:defRPr sz="1400"/>
             </a:lvl3pPr>
             <a:lvl4pPr>
-              <a:defRPr sz="1800"/>
+              <a:defRPr sz="1200"/>
             </a:lvl4pPr>
             <a:lvl5pPr>
-              <a:defRPr sz="1800"/>
+              <a:defRPr sz="1200"/>
             </a:lvl5pPr>
             <a:lvl6pPr>
-              <a:defRPr sz="1800"/>
+              <a:defRPr sz="1200"/>
             </a:lvl6pPr>
             <a:lvl7pPr>
-              <a:defRPr sz="1800"/>
+              <a:defRPr sz="1200"/>
             </a:lvl7pPr>
             <a:lvl8pPr>
-              <a:defRPr sz="1800"/>
+              <a:defRPr sz="1200"/>
             </a:lvl8pPr>
             <a:lvl9pPr>
-              <a:defRPr sz="1800"/>
+              <a:defRPr sz="1200"/>
             </a:lvl9pPr>
           </a:lstStyle>
           <a:p>
             <a:pPr lvl="0"/>
             <a:r>
-              <a:rPr lang="de-DE" smtClean="0"/>
-              <a:t>Textmasterformate durch Klicken bearbeiten</a:t>
+              <a:rPr lang="de-DE"/>
+              <a:t>Mastertextformat bearbeiten</a:t>
             </a:r>
           </a:p>
           <a:p>
             <a:pPr lvl="1"/>
             <a:r>
-              <a:rPr lang="de-DE" smtClean="0"/>
+              <a:rPr lang="de-DE"/>
               <a:t>Zweite Ebene</a:t>
             </a:r>
           </a:p>
           <a:p>
             <a:pPr lvl="2"/>
             <a:r>
-              <a:rPr lang="de-DE" smtClean="0"/>
+              <a:rPr lang="de-DE"/>
               <a:t>Dritte Ebene</a:t>
             </a:r>
           </a:p>
           <a:p>
             <a:pPr lvl="3"/>
             <a:r>
-              <a:rPr lang="de-DE" smtClean="0"/>
+              <a:rPr lang="de-DE"/>
               <a:t>Vierte Ebene</a:t>
             </a:r>
           </a:p>
           <a:p>
             <a:pPr lvl="4"/>
             <a:r>
-              <a:rPr lang="de-DE" smtClean="0"/>
+              <a:rPr lang="de-DE"/>
               <a:t>Fünfte Ebene</a:t>
             </a:r>
-            <a:endParaRPr lang="de-DE"/>
-          </a:p>
-        </p:txBody>
-      </p:sp>
-      <p:sp>
-        <p:nvSpPr>
-          <p:cNvPr id="5" name="Datumsplatzhalter 4"/>
+            <a:endParaRPr lang="en-US" dirty="0"/>
+          </a:p>
+        </p:txBody>
+      </p:sp>
+      <p:sp>
+        <p:nvSpPr>
+          <p:cNvPr id="5" name="Date Placeholder 4"/>
           <p:cNvSpPr>
             <a:spLocks noGrp="1"/>
           </p:cNvSpPr>
@@ -1314,7 +3940,7 @@
           <a:p>
             <a:fld id="{1BA50D42-C9CD-4801-B293-61D1F53EC57E}" type="datetimeFigureOut">
               <a:rPr lang="de-DE" smtClean="0"/>
-              <a:t>14.09.2006</a:t>
+              <a:t>05.11.2019</a:t>
             </a:fld>
             <a:endParaRPr lang="de-DE"/>
           </a:p>
@@ -1322,7 +3948,7 @@
       </p:sp>
       <p:sp>
         <p:nvSpPr>
-          <p:cNvPr id="6" name="Fußzeilenplatzhalter 5"/>
+          <p:cNvPr id="6" name="Footer Placeholder 5"/>
           <p:cNvSpPr>
             <a:spLocks noGrp="1"/>
           </p:cNvSpPr>
@@ -1341,7 +3967,7 @@
       </p:sp>
       <p:sp>
         <p:nvSpPr>
-          <p:cNvPr id="7" name="Foliennummernplatzhalter 6"/>
+          <p:cNvPr id="7" name="Slide Number Placeholder 6"/>
           <p:cNvSpPr>
             <a:spLocks noGrp="1"/>
           </p:cNvSpPr>
@@ -1363,6 +3989,11 @@
         </p:txBody>
       </p:sp>
     </p:spTree>
+    <p:extLst>
+      <p:ext uri="{BB962C8B-B14F-4D97-AF65-F5344CB8AC3E}">
+        <p14:creationId xmlns:p14="http://schemas.microsoft.com/office/powerpoint/2010/main" val="802408884"/>
+      </p:ext>
+    </p:extLst>
   </p:cSld>
   <p:clrMapOvr>
     <a:masterClrMapping/>
@@ -1389,7 +4020,7 @@
       </p:grpSpPr>
       <p:sp>
         <p:nvSpPr>
-          <p:cNvPr id="2" name="Titel 1"/>
+          <p:cNvPr id="2" name="Title 1"/>
           <p:cNvSpPr>
             <a:spLocks noGrp="1"/>
           </p:cNvSpPr>
@@ -1407,16 +4038,16 @@
           </a:lstStyle>
           <a:p>
             <a:r>
-              <a:rPr lang="de-DE" smtClean="0"/>
-              <a:t>Titelmasterformat durch Klicken bearbeiten</a:t>
-            </a:r>
-            <a:endParaRPr lang="de-DE"/>
-          </a:p>
-        </p:txBody>
-      </p:sp>
-      <p:sp>
-        <p:nvSpPr>
-          <p:cNvPr id="3" name="Textplatzhalter 2"/>
+              <a:rPr lang="de-DE"/>
+              <a:t>Mastertitelformat bearbeiten</a:t>
+            </a:r>
+            <a:endParaRPr lang="en-US" dirty="0"/>
+          </a:p>
+        </p:txBody>
+      </p:sp>
+      <p:sp>
+        <p:nvSpPr>
+          <p:cNvPr id="3" name="Text Placeholder 2"/>
           <p:cNvSpPr>
             <a:spLocks noGrp="1"/>
           </p:cNvSpPr>
@@ -1426,16 +4057,25 @@
         </p:nvSpPr>
         <p:spPr>
           <a:xfrm>
-            <a:off x="457200" y="1535113"/>
-            <a:ext cx="4040188" cy="639762"/>
+            <a:off x="827700" y="1905000"/>
+            <a:ext cx="3298112" cy="576262"/>
           </a:xfrm>
         </p:spPr>
         <p:txBody>
-          <a:bodyPr anchor="b"/>
+          <a:bodyPr anchor="b">
+            <a:noAutofit/>
+          </a:bodyPr>
           <a:lstStyle>
             <a:lvl1pPr marL="0" indent="0">
               <a:buNone/>
-              <a:defRPr sz="2400" b="1"/>
+              <a:defRPr sz="2400" b="0">
+                <a:solidFill>
+                  <a:schemeClr val="bg2">
+                    <a:lumMod val="40000"/>
+                    <a:lumOff val="60000"/>
+                  </a:schemeClr>
+                </a:solidFill>
+              </a:defRPr>
             </a:lvl1pPr>
             <a:lvl2pPr marL="457200" indent="0">
               <a:buNone/>
@@ -1473,15 +4113,15 @@
           <a:p>
             <a:pPr lvl="0"/>
             <a:r>
-              <a:rPr lang="de-DE" smtClean="0"/>
-              <a:t>Textmasterformate durch Klicken bearbeiten</a:t>
-            </a:r>
-          </a:p>
-        </p:txBody>
-      </p:sp>
-      <p:sp>
-        <p:nvSpPr>
-          <p:cNvPr id="4" name="Inhaltsplatzhalter 3"/>
+              <a:rPr lang="de-DE"/>
+              <a:t>Mastertextformat bearbeiten</a:t>
+            </a:r>
+          </a:p>
+        </p:txBody>
+      </p:sp>
+      <p:sp>
+        <p:nvSpPr>
+          <p:cNvPr id="4" name="Content Placeholder 3"/>
           <p:cNvSpPr>
             <a:spLocks noGrp="1"/>
           </p:cNvSpPr>
@@ -1491,82 +4131,84 @@
         </p:nvSpPr>
         <p:spPr>
           <a:xfrm>
-            <a:off x="457200" y="2174875"/>
-            <a:ext cx="4040188" cy="3951288"/>
+            <a:off x="827700" y="2514600"/>
+            <a:ext cx="3298113" cy="3741738"/>
           </a:xfrm>
         </p:spPr>
         <p:txBody>
-          <a:bodyPr/>
+          <a:bodyPr>
+            <a:normAutofit/>
+          </a:bodyPr>
           <a:lstStyle>
             <a:lvl1pPr>
-              <a:defRPr sz="2400"/>
+              <a:defRPr sz="1800"/>
             </a:lvl1pPr>
             <a:lvl2pPr>
-              <a:defRPr sz="2000"/>
+              <a:defRPr sz="1600"/>
             </a:lvl2pPr>
             <a:lvl3pPr>
-              <a:defRPr sz="1800"/>
+              <a:defRPr sz="1400"/>
             </a:lvl3pPr>
             <a:lvl4pPr>
-              <a:defRPr sz="1600"/>
+              <a:defRPr sz="1200"/>
             </a:lvl4pPr>
             <a:lvl5pPr>
-              <a:defRPr sz="1600"/>
+              <a:defRPr sz="1200"/>
             </a:lvl5pPr>
             <a:lvl6pPr>
-              <a:defRPr sz="1600"/>
+              <a:defRPr sz="1200"/>
             </a:lvl6pPr>
             <a:lvl7pPr>
-              <a:defRPr sz="1600"/>
+              <a:defRPr sz="1200"/>
             </a:lvl7pPr>
             <a:lvl8pPr>
-              <a:defRPr sz="1600"/>
+              <a:defRPr sz="1200"/>
             </a:lvl8pPr>
             <a:lvl9pPr>
-              <a:defRPr sz="1600"/>
+              <a:defRPr sz="1200"/>
             </a:lvl9pPr>
           </a:lstStyle>
           <a:p>
             <a:pPr lvl="0"/>
             <a:r>
-              <a:rPr lang="de-DE" smtClean="0"/>
-              <a:t>Textmasterformate durch Klicken bearbeiten</a:t>
+              <a:rPr lang="de-DE"/>
+              <a:t>Mastertextformat bearbeiten</a:t>
             </a:r>
           </a:p>
           <a:p>
             <a:pPr lvl="1"/>
             <a:r>
-              <a:rPr lang="de-DE" smtClean="0"/>
+              <a:rPr lang="de-DE"/>
               <a:t>Zweite Ebene</a:t>
             </a:r>
           </a:p>
           <a:p>
             <a:pPr lvl="2"/>
             <a:r>
-              <a:rPr lang="de-DE" smtClean="0"/>
+              <a:rPr lang="de-DE"/>
               <a:t>Dritte Ebene</a:t>
             </a:r>
           </a:p>
           <a:p>
             <a:pPr lvl="3"/>
             <a:r>
-              <a:rPr lang="de-DE" smtClean="0"/>
+              <a:rPr lang="de-DE"/>
               <a:t>Vierte Ebene</a:t>
             </a:r>
           </a:p>
           <a:p>
             <a:pPr lvl="4"/>
             <a:r>
-              <a:rPr lang="de-DE" smtClean="0"/>
+              <a:rPr lang="de-DE"/>
               <a:t>Fünfte Ebene</a:t>
             </a:r>
-            <a:endParaRPr lang="de-DE"/>
-          </a:p>
-        </p:txBody>
-      </p:sp>
-      <p:sp>
-        <p:nvSpPr>
-          <p:cNvPr id="5" name="Textplatzhalter 4"/>
+            <a:endParaRPr lang="en-US" dirty="0"/>
+          </a:p>
+        </p:txBody>
+      </p:sp>
+      <p:sp>
+        <p:nvSpPr>
+          <p:cNvPr id="5" name="Text Placeholder 4"/>
           <p:cNvSpPr>
             <a:spLocks noGrp="1"/>
           </p:cNvSpPr>
@@ -1576,16 +4218,25 @@
         </p:nvSpPr>
         <p:spPr>
           <a:xfrm>
-            <a:off x="4645025" y="1535113"/>
-            <a:ext cx="4041775" cy="639762"/>
+            <a:off x="4241976" y="1905000"/>
+            <a:ext cx="3298113" cy="576262"/>
           </a:xfrm>
         </p:spPr>
         <p:txBody>
-          <a:bodyPr anchor="b"/>
+          <a:bodyPr anchor="b">
+            <a:noAutofit/>
+          </a:bodyPr>
           <a:lstStyle>
             <a:lvl1pPr marL="0" indent="0">
               <a:buNone/>
-              <a:defRPr sz="2400" b="1"/>
+              <a:defRPr sz="2400" b="0">
+                <a:solidFill>
+                  <a:schemeClr val="bg2">
+                    <a:lumMod val="40000"/>
+                    <a:lumOff val="60000"/>
+                  </a:schemeClr>
+                </a:solidFill>
+              </a:defRPr>
             </a:lvl1pPr>
             <a:lvl2pPr marL="457200" indent="0">
               <a:buNone/>
@@ -1623,15 +4274,15 @@
           <a:p>
             <a:pPr lvl="0"/>
             <a:r>
-              <a:rPr lang="de-DE" smtClean="0"/>
-              <a:t>Textmasterformate durch Klicken bearbeiten</a:t>
-            </a:r>
-          </a:p>
-        </p:txBody>
-      </p:sp>
-      <p:sp>
-        <p:nvSpPr>
-          <p:cNvPr id="6" name="Inhaltsplatzhalter 5"/>
+              <a:rPr lang="de-DE"/>
+              <a:t>Mastertextformat bearbeiten</a:t>
+            </a:r>
+          </a:p>
+        </p:txBody>
+      </p:sp>
+      <p:sp>
+        <p:nvSpPr>
+          <p:cNvPr id="6" name="Content Placeholder 5"/>
           <p:cNvSpPr>
             <a:spLocks noGrp="1"/>
           </p:cNvSpPr>
@@ -1641,82 +4292,84 @@
         </p:nvSpPr>
         <p:spPr>
           <a:xfrm>
-            <a:off x="4645025" y="2174875"/>
-            <a:ext cx="4041775" cy="3951288"/>
+            <a:off x="4241976" y="2514600"/>
+            <a:ext cx="3298113" cy="3741738"/>
           </a:xfrm>
         </p:spPr>
         <p:txBody>
-          <a:bodyPr/>
+          <a:bodyPr>
+            <a:normAutofit/>
+          </a:bodyPr>
           <a:lstStyle>
             <a:lvl1pPr>
-              <a:defRPr sz="2400"/>
+              <a:defRPr sz="1800"/>
             </a:lvl1pPr>
             <a:lvl2pPr>
-              <a:defRPr sz="2000"/>
+              <a:defRPr sz="1600"/>
             </a:lvl2pPr>
             <a:lvl3pPr>
-              <a:defRPr sz="1800"/>
+              <a:defRPr sz="1400"/>
             </a:lvl3pPr>
             <a:lvl4pPr>
-              <a:defRPr sz="1600"/>
+              <a:defRPr sz="1200"/>
             </a:lvl4pPr>
             <a:lvl5pPr>
-              <a:defRPr sz="1600"/>
+              <a:defRPr sz="1200"/>
             </a:lvl5pPr>
             <a:lvl6pPr>
-              <a:defRPr sz="1600"/>
+              <a:defRPr sz="1200"/>
             </a:lvl6pPr>
             <a:lvl7pPr>
-              <a:defRPr sz="1600"/>
+              <a:defRPr sz="1200"/>
             </a:lvl7pPr>
             <a:lvl8pPr>
-              <a:defRPr sz="1600"/>
+              <a:defRPr sz="1200"/>
             </a:lvl8pPr>
             <a:lvl9pPr>
-              <a:defRPr sz="1600"/>
+              <a:defRPr sz="1200"/>
             </a:lvl9pPr>
           </a:lstStyle>
           <a:p>
             <a:pPr lvl="0"/>
             <a:r>
-              <a:rPr lang="de-DE" smtClean="0"/>
-              <a:t>Textmasterformate durch Klicken bearbeiten</a:t>
+              <a:rPr lang="de-DE"/>
+              <a:t>Mastertextformat bearbeiten</a:t>
             </a:r>
           </a:p>
           <a:p>
             <a:pPr lvl="1"/>
             <a:r>
-              <a:rPr lang="de-DE" smtClean="0"/>
+              <a:rPr lang="de-DE"/>
               <a:t>Zweite Ebene</a:t>
             </a:r>
           </a:p>
           <a:p>
             <a:pPr lvl="2"/>
             <a:r>
-              <a:rPr lang="de-DE" smtClean="0"/>
+              <a:rPr lang="de-DE"/>
               <a:t>Dritte Ebene</a:t>
             </a:r>
           </a:p>
           <a:p>
             <a:pPr lvl="3"/>
             <a:r>
-              <a:rPr lang="de-DE" smtClean="0"/>
+              <a:rPr lang="de-DE"/>
               <a:t>Vierte Ebene</a:t>
             </a:r>
           </a:p>
           <a:p>
             <a:pPr lvl="4"/>
             <a:r>
-              <a:rPr lang="de-DE" smtClean="0"/>
+              <a:rPr lang="de-DE"/>
               <a:t>Fünfte Ebene</a:t>
             </a:r>
-            <a:endParaRPr lang="de-DE"/>
-          </a:p>
-        </p:txBody>
-      </p:sp>
-      <p:sp>
-        <p:nvSpPr>
-          <p:cNvPr id="7" name="Datumsplatzhalter 6"/>
+            <a:endParaRPr lang="en-US" dirty="0"/>
+          </a:p>
+        </p:txBody>
+      </p:sp>
+      <p:sp>
+        <p:nvSpPr>
+          <p:cNvPr id="7" name="Date Placeholder 6"/>
           <p:cNvSpPr>
             <a:spLocks noGrp="1"/>
           </p:cNvSpPr>
@@ -1731,7 +4384,7 @@
           <a:p>
             <a:fld id="{1BA50D42-C9CD-4801-B293-61D1F53EC57E}" type="datetimeFigureOut">
               <a:rPr lang="de-DE" smtClean="0"/>
-              <a:t>14.09.2006</a:t>
+              <a:t>05.11.2019</a:t>
             </a:fld>
             <a:endParaRPr lang="de-DE"/>
           </a:p>
@@ -1739,7 +4392,7 @@
       </p:sp>
       <p:sp>
         <p:nvSpPr>
-          <p:cNvPr id="8" name="Fußzeilenplatzhalter 7"/>
+          <p:cNvPr id="8" name="Footer Placeholder 7"/>
           <p:cNvSpPr>
             <a:spLocks noGrp="1"/>
           </p:cNvSpPr>
@@ -1758,7 +4411,7 @@
       </p:sp>
       <p:sp>
         <p:nvSpPr>
-          <p:cNvPr id="9" name="Foliennummernplatzhalter 8"/>
+          <p:cNvPr id="9" name="Slide Number Placeholder 8"/>
           <p:cNvSpPr>
             <a:spLocks noGrp="1"/>
           </p:cNvSpPr>
@@ -1780,6 +4433,11 @@
         </p:txBody>
       </p:sp>
     </p:spTree>
+    <p:extLst>
+      <p:ext uri="{BB962C8B-B14F-4D97-AF65-F5344CB8AC3E}">
+        <p14:creationId xmlns:p14="http://schemas.microsoft.com/office/powerpoint/2010/main" val="3904988000"/>
+      </p:ext>
+    </p:extLst>
   </p:cSld>
   <p:clrMapOvr>
     <a:masterClrMapping/>
@@ -1806,7 +4464,7 @@
       </p:grpSpPr>
       <p:sp>
         <p:nvSpPr>
-          <p:cNvPr id="2" name="Titel 1"/>
+          <p:cNvPr id="2" name="Title 1"/>
           <p:cNvSpPr>
             <a:spLocks noGrp="1"/>
           </p:cNvSpPr>
@@ -1820,16 +4478,16 @@
           <a:lstStyle/>
           <a:p>
             <a:r>
-              <a:rPr lang="de-DE" smtClean="0"/>
-              <a:t>Titelmasterformat durch Klicken bearbeiten</a:t>
-            </a:r>
-            <a:endParaRPr lang="de-DE"/>
-          </a:p>
-        </p:txBody>
-      </p:sp>
-      <p:sp>
-        <p:nvSpPr>
-          <p:cNvPr id="3" name="Datumsplatzhalter 2"/>
+              <a:rPr lang="de-DE"/>
+              <a:t>Mastertitelformat bearbeiten</a:t>
+            </a:r>
+            <a:endParaRPr lang="en-US" dirty="0"/>
+          </a:p>
+        </p:txBody>
+      </p:sp>
+      <p:sp>
+        <p:nvSpPr>
+          <p:cNvPr id="7" name="Date Placeholder 2"/>
           <p:cNvSpPr>
             <a:spLocks noGrp="1"/>
           </p:cNvSpPr>
@@ -1844,7 +4502,7 @@
           <a:p>
             <a:fld id="{1BA50D42-C9CD-4801-B293-61D1F53EC57E}" type="datetimeFigureOut">
               <a:rPr lang="de-DE" smtClean="0"/>
-              <a:t>14.09.2006</a:t>
+              <a:t>05.11.2019</a:t>
             </a:fld>
             <a:endParaRPr lang="de-DE"/>
           </a:p>
@@ -1852,7 +4510,7 @@
       </p:sp>
       <p:sp>
         <p:nvSpPr>
-          <p:cNvPr id="4" name="Fußzeilenplatzhalter 3"/>
+          <p:cNvPr id="5" name="Footer Placeholder 3"/>
           <p:cNvSpPr>
             <a:spLocks noGrp="1"/>
           </p:cNvSpPr>
@@ -1871,7 +4529,7 @@
       </p:sp>
       <p:sp>
         <p:nvSpPr>
-          <p:cNvPr id="5" name="Foliennummernplatzhalter 4"/>
+          <p:cNvPr id="6" name="Slide Number Placeholder 4"/>
           <p:cNvSpPr>
             <a:spLocks noGrp="1"/>
           </p:cNvSpPr>
@@ -1893,6 +4551,11 @@
         </p:txBody>
       </p:sp>
     </p:spTree>
+    <p:extLst>
+      <p:ext uri="{BB962C8B-B14F-4D97-AF65-F5344CB8AC3E}">
+        <p14:creationId xmlns:p14="http://schemas.microsoft.com/office/powerpoint/2010/main" val="3309033506"/>
+      </p:ext>
+    </p:extLst>
   </p:cSld>
   <p:clrMapOvr>
     <a:masterClrMapping/>
@@ -1919,7 +4582,7 @@
       </p:grpSpPr>
       <p:sp>
         <p:nvSpPr>
-          <p:cNvPr id="2" name="Datumsplatzhalter 1"/>
+          <p:cNvPr id="7" name="Date Placeholder 1"/>
           <p:cNvSpPr>
             <a:spLocks noGrp="1"/>
           </p:cNvSpPr>
@@ -1934,7 +4597,7 @@
           <a:p>
             <a:fld id="{1BA50D42-C9CD-4801-B293-61D1F53EC57E}" type="datetimeFigureOut">
               <a:rPr lang="de-DE" smtClean="0"/>
-              <a:t>14.09.2006</a:t>
+              <a:t>05.11.2019</a:t>
             </a:fld>
             <a:endParaRPr lang="de-DE"/>
           </a:p>
@@ -1942,7 +4605,7 @@
       </p:sp>
       <p:sp>
         <p:nvSpPr>
-          <p:cNvPr id="3" name="Fußzeilenplatzhalter 2"/>
+          <p:cNvPr id="5" name="Footer Placeholder 2"/>
           <p:cNvSpPr>
             <a:spLocks noGrp="1"/>
           </p:cNvSpPr>
@@ -1961,7 +4624,7 @@
       </p:sp>
       <p:sp>
         <p:nvSpPr>
-          <p:cNvPr id="4" name="Foliennummernplatzhalter 3"/>
+          <p:cNvPr id="6" name="Slide Number Placeholder 3"/>
           <p:cNvSpPr>
             <a:spLocks noGrp="1"/>
           </p:cNvSpPr>
@@ -1983,6 +4646,11 @@
         </p:txBody>
       </p:sp>
     </p:spTree>
+    <p:extLst>
+      <p:ext uri="{BB962C8B-B14F-4D97-AF65-F5344CB8AC3E}">
+        <p14:creationId xmlns:p14="http://schemas.microsoft.com/office/powerpoint/2010/main" val="3136583086"/>
+      </p:ext>
+    </p:extLst>
   </p:cSld>
   <p:clrMapOvr>
     <a:masterClrMapping/>
@@ -2009,7 +4677,7 @@
       </p:grpSpPr>
       <p:sp>
         <p:nvSpPr>
-          <p:cNvPr id="2" name="Titel 1"/>
+          <p:cNvPr id="2" name="Title 1"/>
           <p:cNvSpPr>
             <a:spLocks noGrp="1"/>
           </p:cNvSpPr>
@@ -2019,29 +4687,29 @@
         </p:nvSpPr>
         <p:spPr>
           <a:xfrm>
-            <a:off x="457200" y="273050"/>
-            <a:ext cx="3008313" cy="1162050"/>
+            <a:off x="866441" y="1447800"/>
+            <a:ext cx="2551462" cy="1447800"/>
           </a:xfrm>
         </p:spPr>
         <p:txBody>
           <a:bodyPr anchor="b"/>
           <a:lstStyle>
             <a:lvl1pPr algn="l">
-              <a:defRPr sz="2000" b="1"/>
+              <a:defRPr sz="2400" b="0"/>
             </a:lvl1pPr>
           </a:lstStyle>
           <a:p>
             <a:r>
-              <a:rPr lang="de-DE" smtClean="0"/>
-              <a:t>Titelmasterformat durch Klicken bearbeiten</a:t>
-            </a:r>
-            <a:endParaRPr lang="de-DE"/>
-          </a:p>
-        </p:txBody>
-      </p:sp>
-      <p:sp>
-        <p:nvSpPr>
-          <p:cNvPr id="3" name="Inhaltsplatzhalter 2"/>
+              <a:rPr lang="de-DE"/>
+              <a:t>Mastertitelformat bearbeiten</a:t>
+            </a:r>
+            <a:endParaRPr lang="en-US" dirty="0"/>
+          </a:p>
+        </p:txBody>
+      </p:sp>
+      <p:sp>
+        <p:nvSpPr>
+          <p:cNvPr id="3" name="Content Placeholder 2"/>
           <p:cNvSpPr>
             <a:spLocks noGrp="1"/>
           </p:cNvSpPr>
@@ -2051,82 +4719,84 @@
         </p:nvSpPr>
         <p:spPr>
           <a:xfrm>
-            <a:off x="3575050" y="273050"/>
-            <a:ext cx="5111750" cy="5853113"/>
+            <a:off x="3589397" y="1447800"/>
+            <a:ext cx="3898013" cy="4572000"/>
           </a:xfrm>
         </p:spPr>
         <p:txBody>
-          <a:bodyPr/>
+          <a:bodyPr anchor="ctr">
+            <a:normAutofit/>
+          </a:bodyPr>
           <a:lstStyle>
             <a:lvl1pPr>
-              <a:defRPr sz="3200"/>
+              <a:defRPr sz="2000"/>
             </a:lvl1pPr>
             <a:lvl2pPr>
-              <a:defRPr sz="2800"/>
+              <a:defRPr sz="1800"/>
             </a:lvl2pPr>
             <a:lvl3pPr>
-              <a:defRPr sz="2400"/>
+              <a:defRPr sz="1600"/>
             </a:lvl3pPr>
             <a:lvl4pPr>
-              <a:defRPr sz="2000"/>
+              <a:defRPr sz="1400"/>
             </a:lvl4pPr>
             <a:lvl5pPr>
-              <a:defRPr sz="2000"/>
+              <a:defRPr sz="1400"/>
             </a:lvl5pPr>
             <a:lvl6pPr>
-              <a:defRPr sz="2000"/>
+              <a:defRPr sz="1400"/>
             </a:lvl6pPr>
             <a:lvl7pPr>
-              <a:defRPr sz="2000"/>
+              <a:defRPr sz="1400"/>
             </a:lvl7pPr>
             <a:lvl8pPr>
-              <a:defRPr sz="2000"/>
+              <a:defRPr sz="1400"/>
             </a:lvl8pPr>
             <a:lvl9pPr>
-              <a:defRPr sz="2000"/>
+              <a:defRPr sz="1400"/>
             </a:lvl9pPr>
           </a:lstStyle>
           <a:p>
             <a:pPr lvl="0"/>
             <a:r>
-              <a:rPr lang="de-DE" smtClean="0"/>
-              <a:t>Textmasterformate durch Klicken bearbeiten</a:t>
+              <a:rPr lang="de-DE"/>
+              <a:t>Mastertextformat bearbeiten</a:t>
             </a:r>
           </a:p>
           <a:p>
             <a:pPr lvl="1"/>
             <a:r>
-              <a:rPr lang="de-DE" smtClean="0"/>
+              <a:rPr lang="de-DE"/>
               <a:t>Zweite Ebene</a:t>
             </a:r>
           </a:p>
           <a:p>
             <a:pPr lvl="2"/>
             <a:r>
-              <a:rPr lang="de-DE" smtClean="0"/>
+              <a:rPr lang="de-DE"/>
               <a:t>Dritte Ebene</a:t>
             </a:r>
           </a:p>
           <a:p>
             <a:pPr lvl="3"/>
             <a:r>
-              <a:rPr lang="de-DE" smtClean="0"/>
+              <a:rPr lang="de-DE"/>
               <a:t>Vierte Ebene</a:t>
             </a:r>
           </a:p>
           <a:p>
             <a:pPr lvl="4"/>
             <a:r>
-              <a:rPr lang="de-DE" smtClean="0"/>
+              <a:rPr lang="de-DE"/>
               <a:t>Fünfte Ebene</a:t>
             </a:r>
-            <a:endParaRPr lang="de-DE"/>
-          </a:p>
-        </p:txBody>
-      </p:sp>
-      <p:sp>
-        <p:nvSpPr>
-          <p:cNvPr id="4" name="Textplatzhalter 3"/>
+            <a:endParaRPr lang="en-US" dirty="0"/>
+          </a:p>
+        </p:txBody>
+      </p:sp>
+      <p:sp>
+        <p:nvSpPr>
+          <p:cNvPr id="4" name="Text Placeholder 3"/>
           <p:cNvSpPr>
             <a:spLocks noGrp="1"/>
           </p:cNvSpPr>
@@ -2136,8 +4806,8 @@
         </p:nvSpPr>
         <p:spPr>
           <a:xfrm>
-            <a:off x="457200" y="1435100"/>
-            <a:ext cx="3008313" cy="4691063"/>
+            <a:off x="866441" y="3129281"/>
+            <a:ext cx="2551462" cy="2895599"/>
           </a:xfrm>
         </p:spPr>
         <p:txBody>
@@ -2183,15 +4853,15 @@
           <a:p>
             <a:pPr lvl="0"/>
             <a:r>
-              <a:rPr lang="de-DE" smtClean="0"/>
-              <a:t>Textmasterformate durch Klicken bearbeiten</a:t>
-            </a:r>
-          </a:p>
-        </p:txBody>
-      </p:sp>
-      <p:sp>
-        <p:nvSpPr>
-          <p:cNvPr id="5" name="Datumsplatzhalter 4"/>
+              <a:rPr lang="de-DE"/>
+              <a:t>Mastertextformat bearbeiten</a:t>
+            </a:r>
+          </a:p>
+        </p:txBody>
+      </p:sp>
+      <p:sp>
+        <p:nvSpPr>
+          <p:cNvPr id="7" name="Date Placeholder 4"/>
           <p:cNvSpPr>
             <a:spLocks noGrp="1"/>
           </p:cNvSpPr>
@@ -2206,7 +4876,7 @@
           <a:p>
             <a:fld id="{1BA50D42-C9CD-4801-B293-61D1F53EC57E}" type="datetimeFigureOut">
               <a:rPr lang="de-DE" smtClean="0"/>
-              <a:t>14.09.2006</a:t>
+              <a:t>05.11.2019</a:t>
             </a:fld>
             <a:endParaRPr lang="de-DE"/>
           </a:p>
@@ -2214,7 +4884,7 @@
       </p:sp>
       <p:sp>
         <p:nvSpPr>
-          <p:cNvPr id="6" name="Fußzeilenplatzhalter 5"/>
+          <p:cNvPr id="5" name="Footer Placeholder 5"/>
           <p:cNvSpPr>
             <a:spLocks noGrp="1"/>
           </p:cNvSpPr>
@@ -2233,7 +4903,7 @@
       </p:sp>
       <p:sp>
         <p:nvSpPr>
-          <p:cNvPr id="7" name="Foliennummernplatzhalter 6"/>
+          <p:cNvPr id="6" name="Slide Number Placeholder 6"/>
           <p:cNvSpPr>
             <a:spLocks noGrp="1"/>
           </p:cNvSpPr>
@@ -2255,6 +4925,11 @@
         </p:txBody>
       </p:sp>
     </p:spTree>
+    <p:extLst>
+      <p:ext uri="{BB962C8B-B14F-4D97-AF65-F5344CB8AC3E}">
+        <p14:creationId xmlns:p14="http://schemas.microsoft.com/office/powerpoint/2010/main" val="4191206775"/>
+      </p:ext>
+    </p:extLst>
   </p:cSld>
   <p:clrMapOvr>
     <a:masterClrMapping/>
@@ -2281,7 +4956,7 @@
       </p:grpSpPr>
       <p:sp>
         <p:nvSpPr>
-          <p:cNvPr id="2" name="Titel 1"/>
+          <p:cNvPr id="2" name="Title 1"/>
           <p:cNvSpPr>
             <a:spLocks noGrp="1"/>
           </p:cNvSpPr>
@@ -2291,31 +4966,33 @@
         </p:nvSpPr>
         <p:spPr>
           <a:xfrm>
-            <a:off x="1792288" y="4800600"/>
-            <a:ext cx="5486400" cy="566738"/>
+            <a:off x="865656" y="1854192"/>
+            <a:ext cx="3820674" cy="1574808"/>
           </a:xfrm>
         </p:spPr>
         <p:txBody>
-          <a:bodyPr anchor="b"/>
+          <a:bodyPr anchor="b">
+            <a:normAutofit/>
+          </a:bodyPr>
           <a:lstStyle>
             <a:lvl1pPr algn="l">
-              <a:defRPr sz="2000" b="1"/>
+              <a:defRPr sz="3600" b="0"/>
             </a:lvl1pPr>
           </a:lstStyle>
           <a:p>
             <a:r>
-              <a:rPr lang="de-DE" smtClean="0"/>
-              <a:t>Titelmasterformat durch Klicken bearbeiten</a:t>
-            </a:r>
-            <a:endParaRPr lang="de-DE"/>
-          </a:p>
-        </p:txBody>
-      </p:sp>
-      <p:sp>
-        <p:nvSpPr>
-          <p:cNvPr id="3" name="Bildplatzhalter 2"/>
-          <p:cNvSpPr>
-            <a:spLocks noGrp="1"/>
+              <a:rPr lang="de-DE"/>
+              <a:t>Mastertitelformat bearbeiten</a:t>
+            </a:r>
+            <a:endParaRPr lang="en-US" dirty="0"/>
+          </a:p>
+        </p:txBody>
+      </p:sp>
+      <p:sp>
+        <p:nvSpPr>
+          <p:cNvPr id="3" name="Picture Placeholder 2"/>
+          <p:cNvSpPr>
+            <a:spLocks noGrp="1" noChangeAspect="1"/>
           </p:cNvSpPr>
           <p:nvPr>
             <p:ph type="pic" idx="1"/>
@@ -2323,73 +5000,93 @@
         </p:nvSpPr>
         <p:spPr>
           <a:xfrm>
-            <a:off x="1792288" y="612775"/>
-            <a:ext cx="5486400" cy="4114800"/>
+            <a:off x="5213517" y="1143000"/>
+            <a:ext cx="2400925" cy="4572000"/>
+          </a:xfrm>
+          <a:prstGeom prst="roundRect">
+            <a:avLst>
+              <a:gd name="adj" fmla="val 1858"/>
+            </a:avLst>
+          </a:prstGeom>
+          <a:effectLst>
+            <a:outerShdw blurRad="50800" dist="50800" dir="5400000" algn="tl" rotWithShape="0">
+              <a:srgbClr val="000000">
+                <a:alpha val="43000"/>
+              </a:srgbClr>
+            </a:outerShdw>
+          </a:effectLst>
+        </p:spPr>
+        <p:txBody>
+          <a:bodyPr anchor="t">
+            <a:normAutofit/>
+          </a:bodyPr>
+          <a:lstStyle>
+            <a:lvl1pPr marL="0" indent="0" algn="ctr">
+              <a:buNone/>
+              <a:defRPr sz="1600"/>
+            </a:lvl1pPr>
+            <a:lvl2pPr marL="457200" indent="0">
+              <a:buNone/>
+              <a:defRPr sz="1600"/>
+            </a:lvl2pPr>
+            <a:lvl3pPr marL="914400" indent="0">
+              <a:buNone/>
+              <a:defRPr sz="1600"/>
+            </a:lvl3pPr>
+            <a:lvl4pPr marL="1371600" indent="0">
+              <a:buNone/>
+              <a:defRPr sz="1600"/>
+            </a:lvl4pPr>
+            <a:lvl5pPr marL="1828800" indent="0">
+              <a:buNone/>
+              <a:defRPr sz="1600"/>
+            </a:lvl5pPr>
+            <a:lvl6pPr marL="2286000" indent="0">
+              <a:buNone/>
+              <a:defRPr sz="1600"/>
+            </a:lvl6pPr>
+            <a:lvl7pPr marL="2743200" indent="0">
+              <a:buNone/>
+              <a:defRPr sz="1600"/>
+            </a:lvl7pPr>
+            <a:lvl8pPr marL="3200400" indent="0">
+              <a:buNone/>
+              <a:defRPr sz="1600"/>
+            </a:lvl8pPr>
+            <a:lvl9pPr marL="3657600" indent="0">
+              <a:buNone/>
+              <a:defRPr sz="1600"/>
+            </a:lvl9pPr>
+          </a:lstStyle>
+          <a:p>
+            <a:r>
+              <a:rPr lang="de-DE"/>
+              <a:t>Bild durch Klicken auf Symbol hinzufügen</a:t>
+            </a:r>
+            <a:endParaRPr lang="en-US" dirty="0"/>
+          </a:p>
+        </p:txBody>
+      </p:sp>
+      <p:sp>
+        <p:nvSpPr>
+          <p:cNvPr id="4" name="Text Placeholder 3"/>
+          <p:cNvSpPr>
+            <a:spLocks noGrp="1"/>
+          </p:cNvSpPr>
+          <p:nvPr>
+            <p:ph type="body" sz="half" idx="2"/>
+          </p:nvPr>
+        </p:nvSpPr>
+        <p:spPr>
+          <a:xfrm>
+            <a:off x="866441" y="3657600"/>
+            <a:ext cx="3814728" cy="1371600"/>
           </a:xfrm>
         </p:spPr>
         <p:txBody>
-          <a:bodyPr/>
-          <a:lstStyle>
-            <a:lvl1pPr marL="0" indent="0">
-              <a:buNone/>
-              <a:defRPr sz="3200"/>
-            </a:lvl1pPr>
-            <a:lvl2pPr marL="457200" indent="0">
-              <a:buNone/>
-              <a:defRPr sz="2800"/>
-            </a:lvl2pPr>
-            <a:lvl3pPr marL="914400" indent="0">
-              <a:buNone/>
-              <a:defRPr sz="2400"/>
-            </a:lvl3pPr>
-            <a:lvl4pPr marL="1371600" indent="0">
-              <a:buNone/>
-              <a:defRPr sz="2000"/>
-            </a:lvl4pPr>
-            <a:lvl5pPr marL="1828800" indent="0">
-              <a:buNone/>
-              <a:defRPr sz="2000"/>
-            </a:lvl5pPr>
-            <a:lvl6pPr marL="2286000" indent="0">
-              <a:buNone/>
-              <a:defRPr sz="2000"/>
-            </a:lvl6pPr>
-            <a:lvl7pPr marL="2743200" indent="0">
-              <a:buNone/>
-              <a:defRPr sz="2000"/>
-            </a:lvl7pPr>
-            <a:lvl8pPr marL="3200400" indent="0">
-              <a:buNone/>
-              <a:defRPr sz="2000"/>
-            </a:lvl8pPr>
-            <a:lvl9pPr marL="3657600" indent="0">
-              <a:buNone/>
-              <a:defRPr sz="2000"/>
-            </a:lvl9pPr>
-          </a:lstStyle>
-          <a:p>
-            <a:endParaRPr lang="de-DE"/>
-          </a:p>
-        </p:txBody>
-      </p:sp>
-      <p:sp>
-        <p:nvSpPr>
-          <p:cNvPr id="4" name="Textplatzhalter 3"/>
-          <p:cNvSpPr>
-            <a:spLocks noGrp="1"/>
-          </p:cNvSpPr>
-          <p:nvPr>
-            <p:ph type="body" sz="half" idx="2"/>
-          </p:nvPr>
-        </p:nvSpPr>
-        <p:spPr>
-          <a:xfrm>
-            <a:off x="1792288" y="5367338"/>
-            <a:ext cx="5486400" cy="804862"/>
-          </a:xfrm>
-        </p:spPr>
-        <p:txBody>
-          <a:bodyPr/>
+          <a:bodyPr>
+            <a:normAutofit/>
+          </a:bodyPr>
           <a:lstStyle>
             <a:lvl1pPr marL="0" indent="0">
               <a:buNone/>
@@ -2431,15 +5128,15 @@
           <a:p>
             <a:pPr lvl="0"/>
             <a:r>
-              <a:rPr lang="de-DE" smtClean="0"/>
-              <a:t>Textmasterformate durch Klicken bearbeiten</a:t>
-            </a:r>
-          </a:p>
-        </p:txBody>
-      </p:sp>
-      <p:sp>
-        <p:nvSpPr>
-          <p:cNvPr id="5" name="Datumsplatzhalter 4"/>
+              <a:rPr lang="de-DE"/>
+              <a:t>Mastertextformat bearbeiten</a:t>
+            </a:r>
+          </a:p>
+        </p:txBody>
+      </p:sp>
+      <p:sp>
+        <p:nvSpPr>
+          <p:cNvPr id="5" name="Date Placeholder 4"/>
           <p:cNvSpPr>
             <a:spLocks noGrp="1"/>
           </p:cNvSpPr>
@@ -2454,7 +5151,7 @@
           <a:p>
             <a:fld id="{1BA50D42-C9CD-4801-B293-61D1F53EC57E}" type="datetimeFigureOut">
               <a:rPr lang="de-DE" smtClean="0"/>
-              <a:t>14.09.2006</a:t>
+              <a:t>05.11.2019</a:t>
             </a:fld>
             <a:endParaRPr lang="de-DE"/>
           </a:p>
@@ -2462,7 +5159,7 @@
       </p:sp>
       <p:sp>
         <p:nvSpPr>
-          <p:cNvPr id="6" name="Fußzeilenplatzhalter 5"/>
+          <p:cNvPr id="6" name="Footer Placeholder 5"/>
           <p:cNvSpPr>
             <a:spLocks noGrp="1"/>
           </p:cNvSpPr>
@@ -2481,7 +5178,7 @@
       </p:sp>
       <p:sp>
         <p:nvSpPr>
-          <p:cNvPr id="7" name="Foliennummernplatzhalter 6"/>
+          <p:cNvPr id="7" name="Slide Number Placeholder 6"/>
           <p:cNvSpPr>
             <a:spLocks noGrp="1"/>
           </p:cNvSpPr>
@@ -2503,6 +5200,11 @@
         </p:txBody>
       </p:sp>
     </p:spTree>
+    <p:extLst>
+      <p:ext uri="{BB962C8B-B14F-4D97-AF65-F5344CB8AC3E}">
+        <p14:creationId xmlns:p14="http://schemas.microsoft.com/office/powerpoint/2010/main" val="1406304219"/>
+      </p:ext>
+    </p:extLst>
   </p:cSld>
   <p:clrMapOvr>
     <a:masterClrMapping/>
@@ -2514,8 +5216,8 @@
 <p:sldMaster xmlns:a="http://schemas.openxmlformats.org/drawingml/2006/main" xmlns:r="http://schemas.openxmlformats.org/officeDocument/2006/relationships" xmlns:p="http://schemas.openxmlformats.org/presentationml/2006/main">
   <p:cSld>
     <p:bg>
-      <p:bgRef idx="1001">
-        <a:schemeClr val="bg1"/>
+      <p:bgRef idx="1003">
+        <a:schemeClr val="bg2"/>
       </p:bgRef>
     </p:bg>
     <p:spTree>
@@ -2534,40 +5236,391 @@
       </p:grpSpPr>
       <p:sp>
         <p:nvSpPr>
-          <p:cNvPr id="2" name="Titelplatzhalter 1"/>
-          <p:cNvSpPr>
-            <a:spLocks noGrp="1"/>
-          </p:cNvSpPr>
-          <p:nvPr>
-            <p:ph type="title"/>
-          </p:nvPr>
+          <p:cNvPr id="22" name="Oval 21"/>
+          <p:cNvSpPr/>
+          <p:nvPr/>
         </p:nvSpPr>
         <p:spPr>
           <a:xfrm>
-            <a:off x="457200" y="274638"/>
-            <a:ext cx="8229600" cy="1143000"/>
+            <a:off x="6299432" y="1676400"/>
+            <a:ext cx="2819400" cy="2819400"/>
+          </a:xfrm>
+          <a:prstGeom prst="ellipse">
+            <a:avLst/>
+          </a:prstGeom>
+          <a:gradFill flip="none" rotWithShape="1">
+            <a:gsLst>
+              <a:gs pos="0">
+                <a:schemeClr val="bg2">
+                  <a:lumMod val="60000"/>
+                  <a:lumOff val="40000"/>
+                  <a:alpha val="7000"/>
+                </a:schemeClr>
+              </a:gs>
+              <a:gs pos="69000">
+                <a:schemeClr val="bg2">
+                  <a:lumMod val="60000"/>
+                  <a:lumOff val="40000"/>
+                  <a:alpha val="0"/>
+                </a:schemeClr>
+              </a:gs>
+              <a:gs pos="36000">
+                <a:schemeClr val="bg2">
+                  <a:lumMod val="60000"/>
+                  <a:lumOff val="40000"/>
+                  <a:alpha val="6000"/>
+                </a:schemeClr>
+              </a:gs>
+            </a:gsLst>
+            <a:path path="circle">
+              <a:fillToRect l="50000" t="50000" r="50000" b="50000"/>
+            </a:path>
+            <a:tileRect/>
+          </a:gradFill>
+          <a:ln>
+            <a:noFill/>
+          </a:ln>
+          <a:effectLst/>
+        </p:spPr>
+        <p:style>
+          <a:lnRef idx="1">
+            <a:schemeClr val="accent1"/>
+          </a:lnRef>
+          <a:fillRef idx="3">
+            <a:schemeClr val="accent1"/>
+          </a:fillRef>
+          <a:effectRef idx="2">
+            <a:schemeClr val="accent1"/>
+          </a:effectRef>
+          <a:fontRef idx="minor">
+            <a:schemeClr val="lt1"/>
+          </a:fontRef>
+        </p:style>
+      </p:sp>
+      <p:sp>
+        <p:nvSpPr>
+          <p:cNvPr id="23" name="Oval 22"/>
+          <p:cNvSpPr/>
+          <p:nvPr/>
+        </p:nvSpPr>
+        <p:spPr>
+          <a:xfrm>
+            <a:off x="5689832" y="-457200"/>
+            <a:ext cx="1600200" cy="1600200"/>
+          </a:xfrm>
+          <a:prstGeom prst="ellipse">
+            <a:avLst/>
+          </a:prstGeom>
+          <a:gradFill flip="none" rotWithShape="1">
+            <a:gsLst>
+              <a:gs pos="0">
+                <a:schemeClr val="bg2">
+                  <a:lumMod val="60000"/>
+                  <a:lumOff val="40000"/>
+                  <a:alpha val="14000"/>
+                </a:schemeClr>
+              </a:gs>
+              <a:gs pos="73000">
+                <a:schemeClr val="bg2">
+                  <a:lumMod val="60000"/>
+                  <a:lumOff val="40000"/>
+                  <a:alpha val="0"/>
+                </a:schemeClr>
+              </a:gs>
+              <a:gs pos="36000">
+                <a:schemeClr val="bg2">
+                  <a:lumMod val="60000"/>
+                  <a:lumOff val="40000"/>
+                  <a:alpha val="7000"/>
+                </a:schemeClr>
+              </a:gs>
+            </a:gsLst>
+            <a:path path="circle">
+              <a:fillToRect l="50000" t="50000" r="50000" b="50000"/>
+            </a:path>
+            <a:tileRect/>
+          </a:gradFill>
+          <a:ln>
+            <a:noFill/>
+          </a:ln>
+          <a:effectLst/>
+        </p:spPr>
+        <p:style>
+          <a:lnRef idx="1">
+            <a:schemeClr val="accent1"/>
+          </a:lnRef>
+          <a:fillRef idx="3">
+            <a:schemeClr val="accent1"/>
+          </a:fillRef>
+          <a:effectRef idx="2">
+            <a:schemeClr val="accent1"/>
+          </a:effectRef>
+          <a:fontRef idx="minor">
+            <a:schemeClr val="lt1"/>
+          </a:fontRef>
+        </p:style>
+      </p:sp>
+      <p:sp>
+        <p:nvSpPr>
+          <p:cNvPr id="24" name="Oval 23"/>
+          <p:cNvSpPr/>
+          <p:nvPr/>
+        </p:nvSpPr>
+        <p:spPr>
+          <a:xfrm>
+            <a:off x="6299432" y="6096000"/>
+            <a:ext cx="990600" cy="990600"/>
+          </a:xfrm>
+          <a:prstGeom prst="ellipse">
+            <a:avLst/>
+          </a:prstGeom>
+          <a:gradFill flip="none" rotWithShape="1">
+            <a:gsLst>
+              <a:gs pos="0">
+                <a:schemeClr val="bg2">
+                  <a:lumMod val="60000"/>
+                  <a:lumOff val="40000"/>
+                  <a:alpha val="9000"/>
+                </a:schemeClr>
+              </a:gs>
+              <a:gs pos="66000">
+                <a:schemeClr val="bg2">
+                  <a:lumMod val="60000"/>
+                  <a:lumOff val="40000"/>
+                  <a:alpha val="0"/>
+                </a:schemeClr>
+              </a:gs>
+              <a:gs pos="36000">
+                <a:schemeClr val="bg2">
+                  <a:lumMod val="60000"/>
+                  <a:lumOff val="40000"/>
+                  <a:alpha val="5000"/>
+                </a:schemeClr>
+              </a:gs>
+            </a:gsLst>
+            <a:path path="circle">
+              <a:fillToRect l="50000" t="50000" r="50000" b="50000"/>
+            </a:path>
+            <a:tileRect/>
+          </a:gradFill>
+          <a:ln>
+            <a:noFill/>
+          </a:ln>
+          <a:effectLst/>
+        </p:spPr>
+        <p:style>
+          <a:lnRef idx="1">
+            <a:schemeClr val="accent1"/>
+          </a:lnRef>
+          <a:fillRef idx="3">
+            <a:schemeClr val="accent1"/>
+          </a:fillRef>
+          <a:effectRef idx="2">
+            <a:schemeClr val="accent1"/>
+          </a:effectRef>
+          <a:fontRef idx="minor">
+            <a:schemeClr val="lt1"/>
+          </a:fontRef>
+        </p:style>
+      </p:sp>
+      <p:sp>
+        <p:nvSpPr>
+          <p:cNvPr id="20" name="Oval 19"/>
+          <p:cNvSpPr/>
+          <p:nvPr/>
+        </p:nvSpPr>
+        <p:spPr>
+          <a:xfrm>
+            <a:off x="-153988" y="2667000"/>
+            <a:ext cx="4191000" cy="4191000"/>
+          </a:xfrm>
+          <a:prstGeom prst="ellipse">
+            <a:avLst/>
+          </a:prstGeom>
+          <a:gradFill flip="none" rotWithShape="1">
+            <a:gsLst>
+              <a:gs pos="0">
+                <a:schemeClr val="bg2">
+                  <a:lumMod val="60000"/>
+                  <a:lumOff val="40000"/>
+                  <a:alpha val="11000"/>
+                </a:schemeClr>
+              </a:gs>
+              <a:gs pos="75000">
+                <a:schemeClr val="bg2">
+                  <a:lumMod val="60000"/>
+                  <a:lumOff val="40000"/>
+                  <a:alpha val="0"/>
+                </a:schemeClr>
+              </a:gs>
+              <a:gs pos="36000">
+                <a:schemeClr val="bg2">
+                  <a:lumMod val="60000"/>
+                  <a:lumOff val="40000"/>
+                  <a:alpha val="10000"/>
+                </a:schemeClr>
+              </a:gs>
+            </a:gsLst>
+            <a:path path="circle">
+              <a:fillToRect l="50000" t="50000" r="50000" b="50000"/>
+            </a:path>
+            <a:tileRect/>
+          </a:gradFill>
+          <a:ln>
+            <a:noFill/>
+          </a:ln>
+          <a:effectLst/>
+        </p:spPr>
+        <p:style>
+          <a:lnRef idx="1">
+            <a:schemeClr val="accent1"/>
+          </a:lnRef>
+          <a:fillRef idx="3">
+            <a:schemeClr val="accent1"/>
+          </a:fillRef>
+          <a:effectRef idx="2">
+            <a:schemeClr val="accent1"/>
+          </a:effectRef>
+          <a:fontRef idx="minor">
+            <a:schemeClr val="lt1"/>
+          </a:fontRef>
+        </p:style>
+      </p:sp>
+      <p:sp>
+        <p:nvSpPr>
+          <p:cNvPr id="21" name="Oval 20"/>
+          <p:cNvSpPr/>
+          <p:nvPr/>
+        </p:nvSpPr>
+        <p:spPr>
+          <a:xfrm>
+            <a:off x="-839788" y="2895600"/>
+            <a:ext cx="2362200" cy="2362200"/>
+          </a:xfrm>
+          <a:prstGeom prst="ellipse">
+            <a:avLst/>
+          </a:prstGeom>
+          <a:gradFill flip="none" rotWithShape="1">
+            <a:gsLst>
+              <a:gs pos="0">
+                <a:schemeClr val="bg2">
+                  <a:lumMod val="60000"/>
+                  <a:lumOff val="40000"/>
+                  <a:alpha val="8000"/>
+                </a:schemeClr>
+              </a:gs>
+              <a:gs pos="72000">
+                <a:schemeClr val="bg2">
+                  <a:lumMod val="60000"/>
+                  <a:lumOff val="40000"/>
+                  <a:alpha val="0"/>
+                </a:schemeClr>
+              </a:gs>
+              <a:gs pos="36000">
+                <a:schemeClr val="bg2">
+                  <a:lumMod val="60000"/>
+                  <a:lumOff val="40000"/>
+                  <a:alpha val="8000"/>
+                </a:schemeClr>
+              </a:gs>
+            </a:gsLst>
+            <a:path path="circle">
+              <a:fillToRect l="50000" t="50000" r="50000" b="50000"/>
+            </a:path>
+            <a:tileRect/>
+          </a:gradFill>
+          <a:ln>
+            <a:noFill/>
+          </a:ln>
+          <a:effectLst/>
+        </p:spPr>
+        <p:style>
+          <a:lnRef idx="1">
+            <a:schemeClr val="accent1"/>
+          </a:lnRef>
+          <a:fillRef idx="3">
+            <a:schemeClr val="accent1"/>
+          </a:fillRef>
+          <a:effectRef idx="2">
+            <a:schemeClr val="accent1"/>
+          </a:effectRef>
+          <a:fontRef idx="minor">
+            <a:schemeClr val="lt1"/>
+          </a:fontRef>
+        </p:style>
+      </p:sp>
+      <p:sp>
+        <p:nvSpPr>
+          <p:cNvPr id="19" name="Rectangle 18"/>
+          <p:cNvSpPr/>
+          <p:nvPr/>
+        </p:nvSpPr>
+        <p:spPr>
+          <a:xfrm>
+            <a:off x="7745644" y="0"/>
+            <a:ext cx="685800" cy="1099458"/>
+          </a:xfrm>
+          <a:prstGeom prst="rect">
+            <a:avLst/>
+          </a:prstGeom>
+          <a:solidFill>
+            <a:schemeClr val="accent1"/>
+          </a:solidFill>
+          <a:ln>
+            <a:noFill/>
+          </a:ln>
+        </p:spPr>
+        <p:style>
+          <a:lnRef idx="1">
+            <a:schemeClr val="accent1"/>
+          </a:lnRef>
+          <a:fillRef idx="3">
+            <a:schemeClr val="accent1"/>
+          </a:fillRef>
+          <a:effectRef idx="2">
+            <a:schemeClr val="accent1"/>
+          </a:effectRef>
+          <a:fontRef idx="minor">
+            <a:schemeClr val="lt1"/>
+          </a:fontRef>
+        </p:style>
+      </p:sp>
+      <p:sp>
+        <p:nvSpPr>
+          <p:cNvPr id="2" name="Title Placeholder 1"/>
+          <p:cNvSpPr>
+            <a:spLocks noGrp="1"/>
+          </p:cNvSpPr>
+          <p:nvPr>
+            <p:ph type="title"/>
+          </p:nvPr>
+        </p:nvSpPr>
+        <p:spPr>
+          <a:xfrm>
+            <a:off x="484710" y="452718"/>
+            <a:ext cx="7055380" cy="1400530"/>
           </a:xfrm>
           <a:prstGeom prst="rect">
             <a:avLst/>
           </a:prstGeom>
         </p:spPr>
         <p:txBody>
-          <a:bodyPr vert="horz" lIns="91440" tIns="45720" rIns="91440" bIns="45720" rtlCol="0" anchor="ctr">
-            <a:normAutofit/>
+          <a:bodyPr vert="horz" lIns="91440" tIns="45720" rIns="91440" bIns="45720" rtlCol="0" anchor="t">
+            <a:noAutofit/>
           </a:bodyPr>
           <a:lstStyle/>
           <a:p>
             <a:r>
-              <a:rPr lang="de-DE" smtClean="0"/>
-              <a:t>Titelmasterformat durch Klicken bearbeiten</a:t>
-            </a:r>
-            <a:endParaRPr lang="de-DE"/>
-          </a:p>
-        </p:txBody>
-      </p:sp>
-      <p:sp>
-        <p:nvSpPr>
-          <p:cNvPr id="3" name="Textplatzhalter 2"/>
+              <a:rPr lang="de-DE"/>
+              <a:t>Mastertitelformat bearbeiten</a:t>
+            </a:r>
+            <a:endParaRPr lang="en-US" dirty="0"/>
+          </a:p>
+        </p:txBody>
+      </p:sp>
+      <p:sp>
+        <p:nvSpPr>
+          <p:cNvPr id="3" name="Text Placeholder 2"/>
           <p:cNvSpPr>
             <a:spLocks noGrp="1"/>
           </p:cNvSpPr>
@@ -2577,8 +5630,8 @@
         </p:nvSpPr>
         <p:spPr>
           <a:xfrm>
-            <a:off x="457200" y="1600200"/>
-            <a:ext cx="8229600" cy="4525963"/>
+            <a:off x="827700" y="2052925"/>
+            <a:ext cx="6711654" cy="4195481"/>
           </a:xfrm>
           <a:prstGeom prst="rect">
             <a:avLst/>
@@ -2592,44 +5645,44 @@
           <a:p>
             <a:pPr lvl="0"/>
             <a:r>
-              <a:rPr lang="de-DE" smtClean="0"/>
-              <a:t>Textmasterformate durch Klicken bearbeiten</a:t>
+              <a:rPr lang="de-DE"/>
+              <a:t>Mastertextformat bearbeiten</a:t>
             </a:r>
           </a:p>
           <a:p>
             <a:pPr lvl="1"/>
             <a:r>
-              <a:rPr lang="de-DE" smtClean="0"/>
+              <a:rPr lang="de-DE"/>
               <a:t>Zweite Ebene</a:t>
             </a:r>
           </a:p>
           <a:p>
             <a:pPr lvl="2"/>
             <a:r>
-              <a:rPr lang="de-DE" smtClean="0"/>
+              <a:rPr lang="de-DE"/>
               <a:t>Dritte Ebene</a:t>
             </a:r>
           </a:p>
           <a:p>
             <a:pPr lvl="3"/>
             <a:r>
-              <a:rPr lang="de-DE" smtClean="0"/>
+              <a:rPr lang="de-DE"/>
               <a:t>Vierte Ebene</a:t>
             </a:r>
           </a:p>
           <a:p>
             <a:pPr lvl="4"/>
             <a:r>
-              <a:rPr lang="de-DE" smtClean="0"/>
+              <a:rPr lang="de-DE"/>
               <a:t>Fünfte Ebene</a:t>
             </a:r>
-            <a:endParaRPr lang="de-DE"/>
-          </a:p>
-        </p:txBody>
-      </p:sp>
-      <p:sp>
-        <p:nvSpPr>
-          <p:cNvPr id="4" name="Datumsplatzhalter 3"/>
+            <a:endParaRPr lang="en-US" dirty="0"/>
+          </a:p>
+        </p:txBody>
+      </p:sp>
+      <p:sp>
+        <p:nvSpPr>
+          <p:cNvPr id="4" name="Date Placeholder 3"/>
           <p:cNvSpPr>
             <a:spLocks noGrp="1"/>
           </p:cNvSpPr>
@@ -2638,19 +5691,99 @@
           </p:nvPr>
         </p:nvSpPr>
         <p:spPr>
-          <a:xfrm>
-            <a:off x="457200" y="6356350"/>
-            <a:ext cx="2133600" cy="365125"/>
+          <a:xfrm rot="5400000">
+            <a:off x="7494989" y="1828771"/>
+            <a:ext cx="990599" cy="228659"/>
           </a:xfrm>
           <a:prstGeom prst="rect">
             <a:avLst/>
           </a:prstGeom>
         </p:spPr>
         <p:txBody>
-          <a:bodyPr vert="horz" lIns="91440" tIns="45720" rIns="91440" bIns="45720" rtlCol="0" anchor="ctr"/>
+          <a:bodyPr vert="horz" lIns="91440" tIns="45720" rIns="91440" bIns="45720" rtlCol="0" anchor="t"/>
           <a:lstStyle>
             <a:lvl1pPr algn="l">
-              <a:defRPr sz="1200">
+              <a:defRPr sz="1100" b="0" i="0">
+                <a:solidFill>
+                  <a:schemeClr val="tx1">
+                    <a:tint val="75000"/>
+                    <a:alpha val="60000"/>
+                  </a:schemeClr>
+                </a:solidFill>
+              </a:defRPr>
+            </a:lvl1pPr>
+          </a:lstStyle>
+          <a:p>
+            <a:fld id="{1BA50D42-C9CD-4801-B293-61D1F53EC57E}" type="datetimeFigureOut">
+              <a:rPr lang="de-DE" smtClean="0"/>
+              <a:t>05.11.2019</a:t>
+            </a:fld>
+            <a:endParaRPr lang="de-DE"/>
+          </a:p>
+        </p:txBody>
+      </p:sp>
+      <p:sp>
+        <p:nvSpPr>
+          <p:cNvPr id="5" name="Footer Placeholder 4"/>
+          <p:cNvSpPr>
+            <a:spLocks noGrp="1"/>
+          </p:cNvSpPr>
+          <p:nvPr>
+            <p:ph type="ftr" sz="quarter" idx="3"/>
+          </p:nvPr>
+        </p:nvSpPr>
+        <p:spPr>
+          <a:xfrm rot="5400000">
+            <a:off x="6233335" y="3263371"/>
+            <a:ext cx="3859795" cy="228660"/>
+          </a:xfrm>
+          <a:prstGeom prst="rect">
+            <a:avLst/>
+          </a:prstGeom>
+        </p:spPr>
+        <p:txBody>
+          <a:bodyPr vert="horz" lIns="91440" tIns="45720" rIns="91440" bIns="45720" rtlCol="0" anchor="b"/>
+          <a:lstStyle>
+            <a:lvl1pPr algn="l">
+              <a:defRPr sz="1100" b="0" i="0">
+                <a:solidFill>
+                  <a:schemeClr val="tx1">
+                    <a:tint val="75000"/>
+                    <a:alpha val="60000"/>
+                  </a:schemeClr>
+                </a:solidFill>
+              </a:defRPr>
+            </a:lvl1pPr>
+          </a:lstStyle>
+          <a:p>
+            <a:endParaRPr lang="de-DE"/>
+          </a:p>
+        </p:txBody>
+      </p:sp>
+      <p:sp>
+        <p:nvSpPr>
+          <p:cNvPr id="6" name="Slide Number Placeholder 5"/>
+          <p:cNvSpPr>
+            <a:spLocks noGrp="1"/>
+          </p:cNvSpPr>
+          <p:nvPr>
+            <p:ph type="sldNum" sz="quarter" idx="4"/>
+          </p:nvPr>
+        </p:nvSpPr>
+        <p:spPr bwMode="gray">
+          <a:xfrm>
+            <a:off x="7766431" y="295736"/>
+            <a:ext cx="628813" cy="767687"/>
+          </a:xfrm>
+          <a:prstGeom prst="rect">
+            <a:avLst/>
+          </a:prstGeom>
+        </p:spPr>
+        <p:txBody>
+          <a:bodyPr vert="horz" lIns="91440" tIns="45720" rIns="91440" bIns="45720" rtlCol="0" anchor="b"/>
+          <a:lstStyle>
+            <a:lvl1pPr algn="ctr">
+              <a:defRPr sz="2801" b="0" i="0">
                 <a:solidFill>
                   <a:schemeClr val="tx1">
                     <a:tint val="75000"/>
@@ -2660,84 +5793,6 @@
             </a:lvl1pPr>
           </a:lstStyle>
           <a:p>
-            <a:fld id="{1BA50D42-C9CD-4801-B293-61D1F53EC57E}" type="datetimeFigureOut">
-              <a:rPr lang="de-DE" smtClean="0"/>
-              <a:t>14.09.2006</a:t>
-            </a:fld>
-            <a:endParaRPr lang="de-DE"/>
-          </a:p>
-        </p:txBody>
-      </p:sp>
-      <p:sp>
-        <p:nvSpPr>
-          <p:cNvPr id="5" name="Fußzeilenplatzhalter 4"/>
-          <p:cNvSpPr>
-            <a:spLocks noGrp="1"/>
-          </p:cNvSpPr>
-          <p:nvPr>
-            <p:ph type="ftr" sz="quarter" idx="3"/>
-          </p:nvPr>
-        </p:nvSpPr>
-        <p:spPr>
-          <a:xfrm>
-            <a:off x="3124200" y="6356350"/>
-            <a:ext cx="2895600" cy="365125"/>
-          </a:xfrm>
-          <a:prstGeom prst="rect">
-            <a:avLst/>
-          </a:prstGeom>
-        </p:spPr>
-        <p:txBody>
-          <a:bodyPr vert="horz" lIns="91440" tIns="45720" rIns="91440" bIns="45720" rtlCol="0" anchor="ctr"/>
-          <a:lstStyle>
-            <a:lvl1pPr algn="ctr">
-              <a:defRPr sz="1200">
-                <a:solidFill>
-                  <a:schemeClr val="tx1">
-                    <a:tint val="75000"/>
-                  </a:schemeClr>
-                </a:solidFill>
-              </a:defRPr>
-            </a:lvl1pPr>
-          </a:lstStyle>
-          <a:p>
-            <a:endParaRPr lang="de-DE"/>
-          </a:p>
-        </p:txBody>
-      </p:sp>
-      <p:sp>
-        <p:nvSpPr>
-          <p:cNvPr id="6" name="Foliennummernplatzhalter 5"/>
-          <p:cNvSpPr>
-            <a:spLocks noGrp="1"/>
-          </p:cNvSpPr>
-          <p:nvPr>
-            <p:ph type="sldNum" sz="quarter" idx="4"/>
-          </p:nvPr>
-        </p:nvSpPr>
-        <p:spPr>
-          <a:xfrm>
-            <a:off x="6553200" y="6356350"/>
-            <a:ext cx="2133600" cy="365125"/>
-          </a:xfrm>
-          <a:prstGeom prst="rect">
-            <a:avLst/>
-          </a:prstGeom>
-        </p:spPr>
-        <p:txBody>
-          <a:bodyPr vert="horz" lIns="91440" tIns="45720" rIns="91440" bIns="45720" rtlCol="0" anchor="ctr"/>
-          <a:lstStyle>
-            <a:lvl1pPr algn="r">
-              <a:defRPr sz="1200">
-                <a:solidFill>
-                  <a:schemeClr val="tx1">
-                    <a:tint val="75000"/>
-                  </a:schemeClr>
-                </a:solidFill>
-              </a:defRPr>
-            </a:lvl1pPr>
-          </a:lstStyle>
-          <a:p>
             <a:fld id="{6C6AE60A-B69C-4790-82F7-3882EDF23186}" type="slidenum">
               <a:rPr lang="de-DE" smtClean="0"/>
               <a:t>‹Nr.›</a:t>
@@ -2747,29 +5802,123 @@
         </p:txBody>
       </p:sp>
     </p:spTree>
+    <p:extLst>
+      <p:ext uri="{BB962C8B-B14F-4D97-AF65-F5344CB8AC3E}">
+        <p14:creationId xmlns:p14="http://schemas.microsoft.com/office/powerpoint/2010/main" val="645326220"/>
+      </p:ext>
+    </p:extLst>
   </p:cSld>
-  <p:clrMap bg1="lt1" tx1="dk1" bg2="lt2" tx2="dk2" accent1="accent1" accent2="accent2" accent3="accent3" accent4="accent4" accent5="accent5" accent6="accent6" hlink="hlink" folHlink="folHlink"/>
+  <p:clrMap bg1="dk1" tx1="lt1" bg2="dk2" tx2="lt2" accent1="accent1" accent2="accent2" accent3="accent3" accent4="accent4" accent5="accent5" accent6="accent6" hlink="hlink" folHlink="folHlink"/>
   <p:sldLayoutIdLst>
-    <p:sldLayoutId id="2147483649" r:id="rId1"/>
-    <p:sldLayoutId id="2147483650" r:id="rId2"/>
-    <p:sldLayoutId id="2147483651" r:id="rId3"/>
-    <p:sldLayoutId id="2147483652" r:id="rId4"/>
-    <p:sldLayoutId id="2147483653" r:id="rId5"/>
-    <p:sldLayoutId id="2147483654" r:id="rId6"/>
-    <p:sldLayoutId id="2147483655" r:id="rId7"/>
-    <p:sldLayoutId id="2147483656" r:id="rId8"/>
-    <p:sldLayoutId id="2147483657" r:id="rId9"/>
-    <p:sldLayoutId id="2147483658" r:id="rId10"/>
-    <p:sldLayoutId id="2147483659" r:id="rId11"/>
+    <p:sldLayoutId id="2147483661" r:id="rId1"/>
+    <p:sldLayoutId id="2147483662" r:id="rId2"/>
+    <p:sldLayoutId id="2147483663" r:id="rId3"/>
+    <p:sldLayoutId id="2147483664" r:id="rId4"/>
+    <p:sldLayoutId id="2147483665" r:id="rId5"/>
+    <p:sldLayoutId id="2147483666" r:id="rId6"/>
+    <p:sldLayoutId id="2147483667" r:id="rId7"/>
+    <p:sldLayoutId id="2147483668" r:id="rId8"/>
+    <p:sldLayoutId id="2147483669" r:id="rId9"/>
+    <p:sldLayoutId id="2147483670" r:id="rId10"/>
+    <p:sldLayoutId id="2147483671" r:id="rId11"/>
+    <p:sldLayoutId id="2147483672" r:id="rId12"/>
+    <p:sldLayoutId id="2147483673" r:id="rId13"/>
+    <p:sldLayoutId id="2147483674" r:id="rId14"/>
+    <p:sldLayoutId id="2147483675" r:id="rId15"/>
+    <p:sldLayoutId id="2147483676" r:id="rId16"/>
+    <p:sldLayoutId id="2147483677" r:id="rId17"/>
   </p:sldLayoutIdLst>
   <p:txStyles>
     <p:titleStyle>
-      <a:lvl1pPr algn="ctr" defTabSz="914400" rtl="0" eaLnBrk="1" latinLnBrk="0" hangingPunct="1">
+      <a:lvl1pPr algn="l" defTabSz="457207" rtl="0" eaLnBrk="1" latinLnBrk="0" hangingPunct="1">
         <a:spcBef>
           <a:spcPct val="0"/>
         </a:spcBef>
         <a:buNone/>
-        <a:defRPr sz="4400" kern="1200">
+        <a:defRPr sz="4200" b="0" i="0" kern="1200">
+          <a:solidFill>
+            <a:schemeClr val="tx2"/>
+          </a:solidFill>
+          <a:latin typeface="+mj-lt"/>
+          <a:ea typeface="+mj-ea"/>
+          <a:cs typeface="+mj-cs"/>
+        </a:defRPr>
+      </a:lvl1pPr>
+      <a:lvl2pPr eaLnBrk="1" hangingPunct="1">
+        <a:defRPr>
+          <a:solidFill>
+            <a:schemeClr val="tx2"/>
+          </a:solidFill>
+        </a:defRPr>
+      </a:lvl2pPr>
+      <a:lvl3pPr eaLnBrk="1" hangingPunct="1">
+        <a:defRPr>
+          <a:solidFill>
+            <a:schemeClr val="tx2"/>
+          </a:solidFill>
+        </a:defRPr>
+      </a:lvl3pPr>
+      <a:lvl4pPr eaLnBrk="1" hangingPunct="1">
+        <a:defRPr>
+          <a:solidFill>
+            <a:schemeClr val="tx2"/>
+          </a:solidFill>
+        </a:defRPr>
+      </a:lvl4pPr>
+      <a:lvl5pPr eaLnBrk="1" hangingPunct="1">
+        <a:defRPr>
+          <a:solidFill>
+            <a:schemeClr val="tx2"/>
+          </a:solidFill>
+        </a:defRPr>
+      </a:lvl5pPr>
+      <a:lvl6pPr eaLnBrk="1" hangingPunct="1">
+        <a:defRPr>
+          <a:solidFill>
+            <a:schemeClr val="tx2"/>
+          </a:solidFill>
+        </a:defRPr>
+      </a:lvl6pPr>
+      <a:lvl7pPr eaLnBrk="1" hangingPunct="1">
+        <a:defRPr>
+          <a:solidFill>
+            <a:schemeClr val="tx2"/>
+          </a:solidFill>
+        </a:defRPr>
+      </a:lvl7pPr>
+      <a:lvl8pPr eaLnBrk="1" hangingPunct="1">
+        <a:defRPr>
+          <a:solidFill>
+            <a:schemeClr val="tx2"/>
+          </a:solidFill>
+        </a:defRPr>
+      </a:lvl8pPr>
+      <a:lvl9pPr eaLnBrk="1" hangingPunct="1">
+        <a:defRPr>
+          <a:solidFill>
+            <a:schemeClr val="tx2"/>
+          </a:solidFill>
+        </a:defRPr>
+      </a:lvl9pPr>
+    </p:titleStyle>
+    <p:bodyStyle>
+      <a:lvl1pPr marL="342906" indent="-342906" algn="l" defTabSz="457207" rtl="0" eaLnBrk="1" latinLnBrk="0" hangingPunct="1">
+        <a:spcBef>
+          <a:spcPts val="1000"/>
+        </a:spcBef>
+        <a:spcAft>
+          <a:spcPts val="0"/>
+        </a:spcAft>
+        <a:buClr>
+          <a:schemeClr val="bg2">
+            <a:lumMod val="40000"/>
+            <a:lumOff val="60000"/>
+          </a:schemeClr>
+        </a:buClr>
+        <a:buSzPct val="80000"/>
+        <a:buFont typeface="Wingdings 3" charset="2"/>
+        <a:buChar char=""/>
+        <a:defRPr sz="2000" b="0" i="0" kern="1200">
           <a:solidFill>
             <a:schemeClr val="tx1"/>
           </a:solidFill>
@@ -2778,149 +5927,212 @@
           <a:cs typeface="+mj-cs"/>
         </a:defRPr>
       </a:lvl1pPr>
-    </p:titleStyle>
-    <p:bodyStyle>
-      <a:lvl1pPr marL="342900" indent="-342900" algn="l" defTabSz="914400" rtl="0" eaLnBrk="1" latinLnBrk="0" hangingPunct="1">
+      <a:lvl2pPr marL="742962" indent="-285755" algn="l" defTabSz="457207" rtl="0" eaLnBrk="1" latinLnBrk="0" hangingPunct="1">
         <a:spcBef>
-          <a:spcPct val="20000"/>
+          <a:spcPts val="1000"/>
         </a:spcBef>
-        <a:buFont typeface="Arial" pitchFamily="34" charset="0"/>
-        <a:buChar char="•"/>
-        <a:defRPr sz="3200" kern="1200">
+        <a:spcAft>
+          <a:spcPts val="0"/>
+        </a:spcAft>
+        <a:buClr>
+          <a:schemeClr val="bg2">
+            <a:lumMod val="40000"/>
+            <a:lumOff val="60000"/>
+          </a:schemeClr>
+        </a:buClr>
+        <a:buSzPct val="80000"/>
+        <a:buFont typeface="Wingdings 3" charset="2"/>
+        <a:buChar char=""/>
+        <a:defRPr sz="1800" b="0" i="0" kern="1200">
           <a:solidFill>
             <a:schemeClr val="tx1"/>
           </a:solidFill>
-          <a:latin typeface="+mn-lt"/>
-          <a:ea typeface="+mn-ea"/>
-          <a:cs typeface="+mn-cs"/>
+          <a:latin typeface="+mj-lt"/>
+          <a:ea typeface="+mj-ea"/>
+          <a:cs typeface="+mj-cs"/>
         </a:defRPr>
-      </a:lvl1pPr>
-      <a:lvl2pPr marL="742950" indent="-285750" algn="l" defTabSz="914400" rtl="0" eaLnBrk="1" latinLnBrk="0" hangingPunct="1">
+      </a:lvl2pPr>
+      <a:lvl3pPr marL="1143020" indent="-228604" algn="l" defTabSz="457207" rtl="0" eaLnBrk="1" latinLnBrk="0" hangingPunct="1">
         <a:spcBef>
-          <a:spcPct val="20000"/>
+          <a:spcPts val="1000"/>
         </a:spcBef>
-        <a:buFont typeface="Arial" pitchFamily="34" charset="0"/>
-        <a:buChar char="–"/>
-        <a:defRPr sz="2800" kern="1200">
+        <a:spcAft>
+          <a:spcPts val="0"/>
+        </a:spcAft>
+        <a:buClr>
+          <a:schemeClr val="bg2">
+            <a:lumMod val="40000"/>
+            <a:lumOff val="60000"/>
+          </a:schemeClr>
+        </a:buClr>
+        <a:buSzPct val="80000"/>
+        <a:buFont typeface="Wingdings 3" charset="2"/>
+        <a:buChar char=""/>
+        <a:defRPr sz="1600" b="0" i="0" kern="1200">
           <a:solidFill>
             <a:schemeClr val="tx1"/>
           </a:solidFill>
-          <a:latin typeface="+mn-lt"/>
-          <a:ea typeface="+mn-ea"/>
-          <a:cs typeface="+mn-cs"/>
+          <a:latin typeface="+mj-lt"/>
+          <a:ea typeface="+mj-ea"/>
+          <a:cs typeface="+mj-cs"/>
         </a:defRPr>
-      </a:lvl2pPr>
-      <a:lvl3pPr marL="1143000" indent="-228600" algn="l" defTabSz="914400" rtl="0" eaLnBrk="1" latinLnBrk="0" hangingPunct="1">
+      </a:lvl3pPr>
+      <a:lvl4pPr marL="1600227" indent="-228604" algn="l" defTabSz="457207" rtl="0" eaLnBrk="1" latinLnBrk="0" hangingPunct="1">
         <a:spcBef>
-          <a:spcPct val="20000"/>
+          <a:spcPts val="1000"/>
         </a:spcBef>
-        <a:buFont typeface="Arial" pitchFamily="34" charset="0"/>
-        <a:buChar char="•"/>
-        <a:defRPr sz="2400" kern="1200">
+        <a:spcAft>
+          <a:spcPts val="0"/>
+        </a:spcAft>
+        <a:buClr>
+          <a:schemeClr val="bg2">
+            <a:lumMod val="40000"/>
+            <a:lumOff val="60000"/>
+          </a:schemeClr>
+        </a:buClr>
+        <a:buSzPct val="80000"/>
+        <a:buFont typeface="Wingdings 3" charset="2"/>
+        <a:buChar char=""/>
+        <a:defRPr sz="1400" b="0" i="0" kern="1200">
           <a:solidFill>
             <a:schemeClr val="tx1"/>
           </a:solidFill>
-          <a:latin typeface="+mn-lt"/>
-          <a:ea typeface="+mn-ea"/>
-          <a:cs typeface="+mn-cs"/>
+          <a:latin typeface="+mj-lt"/>
+          <a:ea typeface="+mj-ea"/>
+          <a:cs typeface="+mj-cs"/>
         </a:defRPr>
-      </a:lvl3pPr>
-      <a:lvl4pPr marL="1600200" indent="-228600" algn="l" defTabSz="914400" rtl="0" eaLnBrk="1" latinLnBrk="0" hangingPunct="1">
+      </a:lvl4pPr>
+      <a:lvl5pPr marL="2057434" indent="-228604" algn="l" defTabSz="457207" rtl="0" eaLnBrk="1" latinLnBrk="0" hangingPunct="1">
         <a:spcBef>
-          <a:spcPct val="20000"/>
+          <a:spcPts val="1000"/>
         </a:spcBef>
-        <a:buFont typeface="Arial" pitchFamily="34" charset="0"/>
-        <a:buChar char="–"/>
-        <a:defRPr sz="2000" kern="1200">
+        <a:spcAft>
+          <a:spcPts val="0"/>
+        </a:spcAft>
+        <a:buClr>
+          <a:schemeClr val="bg2">
+            <a:lumMod val="40000"/>
+            <a:lumOff val="60000"/>
+          </a:schemeClr>
+        </a:buClr>
+        <a:buSzPct val="80000"/>
+        <a:buFont typeface="Wingdings 3" charset="2"/>
+        <a:buChar char=""/>
+        <a:defRPr sz="1400" b="0" i="0" kern="1200">
           <a:solidFill>
             <a:schemeClr val="tx1"/>
           </a:solidFill>
-          <a:latin typeface="+mn-lt"/>
-          <a:ea typeface="+mn-ea"/>
-          <a:cs typeface="+mn-cs"/>
+          <a:latin typeface="+mj-lt"/>
+          <a:ea typeface="+mj-ea"/>
+          <a:cs typeface="+mj-cs"/>
         </a:defRPr>
-      </a:lvl4pPr>
-      <a:lvl5pPr marL="2057400" indent="-228600" algn="l" defTabSz="914400" rtl="0" eaLnBrk="1" latinLnBrk="0" hangingPunct="1">
+      </a:lvl5pPr>
+      <a:lvl6pPr marL="2514642" indent="-228604" algn="l" defTabSz="457207" rtl="0" eaLnBrk="1" latinLnBrk="0" hangingPunct="1">
         <a:spcBef>
-          <a:spcPct val="20000"/>
+          <a:spcPts val="1000"/>
         </a:spcBef>
-        <a:buFont typeface="Arial" pitchFamily="34" charset="0"/>
-        <a:buChar char="»"/>
-        <a:defRPr sz="2000" kern="1200">
+        <a:spcAft>
+          <a:spcPts val="0"/>
+        </a:spcAft>
+        <a:buClr>
+          <a:schemeClr val="bg2">
+            <a:lumMod val="40000"/>
+            <a:lumOff val="60000"/>
+          </a:schemeClr>
+        </a:buClr>
+        <a:buSzPct val="80000"/>
+        <a:buFont typeface="Wingdings 3" charset="2"/>
+        <a:buChar char=""/>
+        <a:defRPr sz="1400" b="0" i="0" kern="1200">
           <a:solidFill>
             <a:schemeClr val="tx1"/>
           </a:solidFill>
-          <a:latin typeface="+mn-lt"/>
-          <a:ea typeface="+mn-ea"/>
-          <a:cs typeface="+mn-cs"/>
+          <a:latin typeface="+mj-lt"/>
+          <a:ea typeface="+mj-ea"/>
+          <a:cs typeface="+mj-cs"/>
         </a:defRPr>
-      </a:lvl5pPr>
-      <a:lvl6pPr marL="2514600" indent="-228600" algn="l" defTabSz="914400" rtl="0" eaLnBrk="1" latinLnBrk="0" hangingPunct="1">
+      </a:lvl6pPr>
+      <a:lvl7pPr marL="2971849" indent="-228604" algn="l" defTabSz="457207" rtl="0" eaLnBrk="1" latinLnBrk="0" hangingPunct="1">
         <a:spcBef>
-          <a:spcPct val="20000"/>
+          <a:spcPts val="1000"/>
         </a:spcBef>
-        <a:buFont typeface="Arial" pitchFamily="34" charset="0"/>
-        <a:buChar char="•"/>
-        <a:defRPr sz="2000" kern="1200">
+        <a:spcAft>
+          <a:spcPts val="0"/>
+        </a:spcAft>
+        <a:buClr>
+          <a:schemeClr val="bg2">
+            <a:lumMod val="40000"/>
+            <a:lumOff val="60000"/>
+          </a:schemeClr>
+        </a:buClr>
+        <a:buSzPct val="80000"/>
+        <a:buFont typeface="Wingdings 3" charset="2"/>
+        <a:buChar char=""/>
+        <a:defRPr sz="1400" b="0" i="0" kern="1200">
           <a:solidFill>
             <a:schemeClr val="tx1"/>
           </a:solidFill>
-          <a:latin typeface="+mn-lt"/>
-          <a:ea typeface="+mn-ea"/>
-          <a:cs typeface="+mn-cs"/>
+          <a:latin typeface="+mj-lt"/>
+          <a:ea typeface="+mj-ea"/>
+          <a:cs typeface="+mj-cs"/>
         </a:defRPr>
-      </a:lvl6pPr>
-      <a:lvl7pPr marL="2971800" indent="-228600" algn="l" defTabSz="914400" rtl="0" eaLnBrk="1" latinLnBrk="0" hangingPunct="1">
+      </a:lvl7pPr>
+      <a:lvl8pPr marL="3429057" indent="-228604" algn="l" defTabSz="457207" rtl="0" eaLnBrk="1" latinLnBrk="0" hangingPunct="1">
         <a:spcBef>
-          <a:spcPct val="20000"/>
+          <a:spcPts val="1000"/>
         </a:spcBef>
-        <a:buFont typeface="Arial" pitchFamily="34" charset="0"/>
-        <a:buChar char="•"/>
-        <a:defRPr sz="2000" kern="1200">
+        <a:spcAft>
+          <a:spcPts val="0"/>
+        </a:spcAft>
+        <a:buClr>
+          <a:schemeClr val="bg2">
+            <a:lumMod val="40000"/>
+            <a:lumOff val="60000"/>
+          </a:schemeClr>
+        </a:buClr>
+        <a:buSzPct val="80000"/>
+        <a:buFont typeface="Wingdings 3" charset="2"/>
+        <a:buChar char=""/>
+        <a:defRPr sz="1400" b="0" i="0" kern="1200">
           <a:solidFill>
             <a:schemeClr val="tx1"/>
           </a:solidFill>
-          <a:latin typeface="+mn-lt"/>
-          <a:ea typeface="+mn-ea"/>
-          <a:cs typeface="+mn-cs"/>
+          <a:latin typeface="+mj-lt"/>
+          <a:ea typeface="+mj-ea"/>
+          <a:cs typeface="+mj-cs"/>
         </a:defRPr>
-      </a:lvl7pPr>
-      <a:lvl8pPr marL="3429000" indent="-228600" algn="l" defTabSz="914400" rtl="0" eaLnBrk="1" latinLnBrk="0" hangingPunct="1">
+      </a:lvl8pPr>
+      <a:lvl9pPr marL="3886264" indent="-228604" algn="l" defTabSz="457207" rtl="0" eaLnBrk="1" latinLnBrk="0" hangingPunct="1">
         <a:spcBef>
-          <a:spcPct val="20000"/>
+          <a:spcPts val="1000"/>
         </a:spcBef>
-        <a:buFont typeface="Arial" pitchFamily="34" charset="0"/>
-        <a:buChar char="•"/>
-        <a:defRPr sz="2000" kern="1200">
+        <a:spcAft>
+          <a:spcPts val="0"/>
+        </a:spcAft>
+        <a:buClr>
+          <a:schemeClr val="bg2">
+            <a:lumMod val="40000"/>
+            <a:lumOff val="60000"/>
+          </a:schemeClr>
+        </a:buClr>
+        <a:buSzPct val="80000"/>
+        <a:buFont typeface="Wingdings 3" charset="2"/>
+        <a:buChar char=""/>
+        <a:defRPr sz="1400" b="0" i="0" kern="1200">
           <a:solidFill>
             <a:schemeClr val="tx1"/>
           </a:solidFill>
-          <a:latin typeface="+mn-lt"/>
-          <a:ea typeface="+mn-ea"/>
-          <a:cs typeface="+mn-cs"/>
-        </a:defRPr>
-      </a:lvl8pPr>
-      <a:lvl9pPr marL="3886200" indent="-228600" algn="l" defTabSz="914400" rtl="0" eaLnBrk="1" latinLnBrk="0" hangingPunct="1">
-        <a:spcBef>
-          <a:spcPct val="20000"/>
-        </a:spcBef>
-        <a:buFont typeface="Arial" pitchFamily="34" charset="0"/>
-        <a:buChar char="•"/>
-        <a:defRPr sz="2000" kern="1200">
-          <a:solidFill>
-            <a:schemeClr val="tx1"/>
-          </a:solidFill>
-          <a:latin typeface="+mn-lt"/>
-          <a:ea typeface="+mn-ea"/>
-          <a:cs typeface="+mn-cs"/>
+          <a:latin typeface="+mj-lt"/>
+          <a:ea typeface="+mj-ea"/>
+          <a:cs typeface="+mj-cs"/>
         </a:defRPr>
       </a:lvl9pPr>
     </p:bodyStyle>
     <p:otherStyle>
       <a:defPPr>
-        <a:defRPr lang="de-DE"/>
+        <a:defRPr lang="en-US"/>
       </a:defPPr>
-      <a:lvl1pPr marL="0" algn="l" defTabSz="914400" rtl="0" eaLnBrk="1" latinLnBrk="0" hangingPunct="1">
+      <a:lvl1pPr marL="0" algn="l" defTabSz="457207" rtl="0" eaLnBrk="1" latinLnBrk="0" hangingPunct="1">
         <a:defRPr sz="1800" kern="1200">
           <a:solidFill>
             <a:schemeClr val="tx1"/>
@@ -2930,7 +6142,7 @@
           <a:cs typeface="+mn-cs"/>
         </a:defRPr>
       </a:lvl1pPr>
-      <a:lvl2pPr marL="457200" algn="l" defTabSz="914400" rtl="0" eaLnBrk="1" latinLnBrk="0" hangingPunct="1">
+      <a:lvl2pPr marL="457207" algn="l" defTabSz="457207" rtl="0" eaLnBrk="1" latinLnBrk="0" hangingPunct="1">
         <a:defRPr sz="1800" kern="1200">
           <a:solidFill>
             <a:schemeClr val="tx1"/>
@@ -2940,7 +6152,7 @@
           <a:cs typeface="+mn-cs"/>
         </a:defRPr>
       </a:lvl2pPr>
-      <a:lvl3pPr marL="914400" algn="l" defTabSz="914400" rtl="0" eaLnBrk="1" latinLnBrk="0" hangingPunct="1">
+      <a:lvl3pPr marL="914415" algn="l" defTabSz="457207" rtl="0" eaLnBrk="1" latinLnBrk="0" hangingPunct="1">
         <a:defRPr sz="1800" kern="1200">
           <a:solidFill>
             <a:schemeClr val="tx1"/>
@@ -2950,7 +6162,7 @@
           <a:cs typeface="+mn-cs"/>
         </a:defRPr>
       </a:lvl3pPr>
-      <a:lvl4pPr marL="1371600" algn="l" defTabSz="914400" rtl="0" eaLnBrk="1" latinLnBrk="0" hangingPunct="1">
+      <a:lvl4pPr marL="1371622" algn="l" defTabSz="457207" rtl="0" eaLnBrk="1" latinLnBrk="0" hangingPunct="1">
         <a:defRPr sz="1800" kern="1200">
           <a:solidFill>
             <a:schemeClr val="tx1"/>
@@ -2960,7 +6172,7 @@
           <a:cs typeface="+mn-cs"/>
         </a:defRPr>
       </a:lvl4pPr>
-      <a:lvl5pPr marL="1828800" algn="l" defTabSz="914400" rtl="0" eaLnBrk="1" latinLnBrk="0" hangingPunct="1">
+      <a:lvl5pPr marL="1828831" algn="l" defTabSz="457207" rtl="0" eaLnBrk="1" latinLnBrk="0" hangingPunct="1">
         <a:defRPr sz="1800" kern="1200">
           <a:solidFill>
             <a:schemeClr val="tx1"/>
@@ -2970,7 +6182,7 @@
           <a:cs typeface="+mn-cs"/>
         </a:defRPr>
       </a:lvl5pPr>
-      <a:lvl6pPr marL="2286000" algn="l" defTabSz="914400" rtl="0" eaLnBrk="1" latinLnBrk="0" hangingPunct="1">
+      <a:lvl6pPr marL="2286038" algn="l" defTabSz="457207" rtl="0" eaLnBrk="1" latinLnBrk="0" hangingPunct="1">
         <a:defRPr sz="1800" kern="1200">
           <a:solidFill>
             <a:schemeClr val="tx1"/>
@@ -2980,7 +6192,7 @@
           <a:cs typeface="+mn-cs"/>
         </a:defRPr>
       </a:lvl6pPr>
-      <a:lvl7pPr marL="2743200" algn="l" defTabSz="914400" rtl="0" eaLnBrk="1" latinLnBrk="0" hangingPunct="1">
+      <a:lvl7pPr marL="2743246" algn="l" defTabSz="457207" rtl="0" eaLnBrk="1" latinLnBrk="0" hangingPunct="1">
         <a:defRPr sz="1800" kern="1200">
           <a:solidFill>
             <a:schemeClr val="tx1"/>
@@ -2990,7 +6202,7 @@
           <a:cs typeface="+mn-cs"/>
         </a:defRPr>
       </a:lvl7pPr>
-      <a:lvl8pPr marL="3200400" algn="l" defTabSz="914400" rtl="0" eaLnBrk="1" latinLnBrk="0" hangingPunct="1">
+      <a:lvl8pPr marL="3200453" algn="l" defTabSz="457207" rtl="0" eaLnBrk="1" latinLnBrk="0" hangingPunct="1">
         <a:defRPr sz="1800" kern="1200">
           <a:solidFill>
             <a:schemeClr val="tx1"/>
@@ -3000,7 +6212,7 @@
           <a:cs typeface="+mn-cs"/>
         </a:defRPr>
       </a:lvl8pPr>
-      <a:lvl9pPr marL="3657600" algn="l" defTabSz="914400" rtl="0" eaLnBrk="1" latinLnBrk="0" hangingPunct="1">
+      <a:lvl9pPr marL="3657661" algn="l" defTabSz="457207" rtl="0" eaLnBrk="1" latinLnBrk="0" hangingPunct="1">
         <a:defRPr sz="1800" kern="1200">
           <a:solidFill>
             <a:schemeClr val="tx1"/>
@@ -3015,53 +6227,1075 @@
 </p:sldMaster>
 </file>
 
+<file path=ppt/slides/slide1.xml><?xml version="1.0" encoding="utf-8"?>
+<p:sld xmlns:a="http://schemas.openxmlformats.org/drawingml/2006/main" xmlns:r="http://schemas.openxmlformats.org/officeDocument/2006/relationships" xmlns:p="http://schemas.openxmlformats.org/presentationml/2006/main">
+  <p:cSld>
+    <p:bg>
+      <p:bgPr>
+        <a:blipFill rotWithShape="1">
+          <a:blip r:embed="rId2">
+            <a:duotone>
+              <a:schemeClr val="bg2">
+                <a:shade val="69000"/>
+                <a:hueMod val="108000"/>
+                <a:satMod val="164000"/>
+                <a:lumMod val="74000"/>
+              </a:schemeClr>
+              <a:schemeClr val="bg2">
+                <a:tint val="96000"/>
+                <a:hueMod val="88000"/>
+                <a:satMod val="140000"/>
+                <a:lumMod val="132000"/>
+              </a:schemeClr>
+            </a:duotone>
+            <a:extLst/>
+          </a:blip>
+          <a:stretch/>
+        </a:blipFill>
+        <a:effectLst/>
+      </p:bgPr>
+    </p:bg>
+    <p:spTree>
+      <p:nvGrpSpPr>
+        <p:cNvPr id="1" name=""/>
+        <p:cNvGrpSpPr/>
+        <p:nvPr/>
+      </p:nvGrpSpPr>
+      <p:grpSpPr>
+        <a:xfrm>
+          <a:off x="0" y="0"/>
+          <a:ext cx="0" cy="0"/>
+          <a:chOff x="0" y="0"/>
+          <a:chExt cx="0" cy="0"/>
+        </a:xfrm>
+      </p:grpSpPr>
+      <p:sp useBgFill="1">
+        <p:nvSpPr>
+          <p:cNvPr id="8" name="Rectangle 7">
+            <a:extLst>
+              <a:ext uri="{FF2B5EF4-FFF2-40B4-BE49-F238E27FC236}">
+                <a16:creationId xmlns:a16="http://schemas.microsoft.com/office/drawing/2014/main" id="{E6A222EB-A81E-4238-B08D-AAB1828C8E0B}"/>
+              </a:ext>
+              <a:ext uri="{C183D7F6-B498-43B3-948B-1728B52AA6E4}">
+                <adec:decorative xmlns:adec="http://schemas.microsoft.com/office/drawing/2017/decorative" val="1"/>
+              </a:ext>
+            </a:extLst>
+          </p:cNvPr>
+          <p:cNvSpPr>
+            <a:spLocks noGrp="1" noRot="1" noChangeAspect="1" noMove="1" noResize="1" noEditPoints="1" noAdjustHandles="1" noChangeArrowheads="1" noChangeShapeType="1" noTextEdit="1"/>
+          </p:cNvSpPr>
+          <p:nvPr>
+            <p:extLst>
+              <p:ext uri="{386F3935-93C4-4BCD-93E2-E3B085C9AB24}">
+                <p16:designElem xmlns:p16="http://schemas.microsoft.com/office/powerpoint/2015/main" val="1"/>
+              </p:ext>
+            </p:extLst>
+          </p:nvPr>
+        </p:nvSpPr>
+        <p:spPr>
+          <a:xfrm>
+            <a:off x="0" y="0"/>
+            <a:ext cx="9144000" cy="6858000"/>
+          </a:xfrm>
+          <a:prstGeom prst="rect">
+            <a:avLst/>
+          </a:prstGeom>
+          <a:ln>
+            <a:noFill/>
+          </a:ln>
+        </p:spPr>
+        <p:style>
+          <a:lnRef idx="2">
+            <a:schemeClr val="accent1">
+              <a:shade val="50000"/>
+            </a:schemeClr>
+          </a:lnRef>
+          <a:fillRef idx="1">
+            <a:schemeClr val="accent1"/>
+          </a:fillRef>
+          <a:effectRef idx="0">
+            <a:schemeClr val="accent1"/>
+          </a:effectRef>
+          <a:fontRef idx="minor">
+            <a:schemeClr val="lt1"/>
+          </a:fontRef>
+        </p:style>
+        <p:txBody>
+          <a:bodyPr rtlCol="0" anchor="ctr"/>
+          <a:lstStyle/>
+          <a:p>
+            <a:pPr algn="ctr"/>
+            <a:endParaRPr lang="en-US"/>
+          </a:p>
+        </p:txBody>
+      </p:sp>
+      <p:sp>
+        <p:nvSpPr>
+          <p:cNvPr id="10" name="Rectangle 9">
+            <a:extLst>
+              <a:ext uri="{FF2B5EF4-FFF2-40B4-BE49-F238E27FC236}">
+                <a16:creationId xmlns:a16="http://schemas.microsoft.com/office/drawing/2014/main" id="{E014676C-074B-475A-8346-9C901C86CB97}"/>
+              </a:ext>
+              <a:ext uri="{C183D7F6-B498-43B3-948B-1728B52AA6E4}">
+                <adec:decorative xmlns:adec="http://schemas.microsoft.com/office/drawing/2017/decorative" val="1"/>
+              </a:ext>
+            </a:extLst>
+          </p:cNvPr>
+          <p:cNvSpPr>
+            <a:spLocks noGrp="1" noRot="1" noChangeAspect="1" noMove="1" noResize="1" noEditPoints="1" noAdjustHandles="1" noChangeArrowheads="1" noChangeShapeType="1" noTextEdit="1"/>
+          </p:cNvSpPr>
+          <p:nvPr>
+            <p:extLst>
+              <p:ext uri="{386F3935-93C4-4BCD-93E2-E3B085C9AB24}">
+                <p16:designElem xmlns:p16="http://schemas.microsoft.com/office/powerpoint/2015/main" val="1"/>
+              </p:ext>
+            </p:extLst>
+          </p:nvPr>
+        </p:nvSpPr>
+        <p:spPr>
+          <a:xfrm>
+            <a:off x="7828359" y="0"/>
+            <a:ext cx="514350" cy="1143000"/>
+          </a:xfrm>
+          <a:prstGeom prst="rect">
+            <a:avLst/>
+          </a:prstGeom>
+          <a:solidFill>
+            <a:schemeClr val="accent1"/>
+          </a:solidFill>
+          <a:ln>
+            <a:noFill/>
+          </a:ln>
+        </p:spPr>
+        <p:style>
+          <a:lnRef idx="1">
+            <a:schemeClr val="accent1"/>
+          </a:lnRef>
+          <a:fillRef idx="3">
+            <a:schemeClr val="accent1"/>
+          </a:fillRef>
+          <a:effectRef idx="2">
+            <a:schemeClr val="accent1"/>
+          </a:effectRef>
+          <a:fontRef idx="minor">
+            <a:schemeClr val="lt1"/>
+          </a:fontRef>
+        </p:style>
+      </p:sp>
+      <p:cxnSp>
+        <p:nvCxnSpPr>
+          <p:cNvPr id="12" name="Straight Connector 11">
+            <a:extLst>
+              <a:ext uri="{FF2B5EF4-FFF2-40B4-BE49-F238E27FC236}">
+                <a16:creationId xmlns:a16="http://schemas.microsoft.com/office/drawing/2014/main" id="{179C4C8E-197B-4679-AE96-B5147F971C90}"/>
+              </a:ext>
+              <a:ext uri="{C183D7F6-B498-43B3-948B-1728B52AA6E4}">
+                <adec:decorative xmlns:adec="http://schemas.microsoft.com/office/drawing/2017/decorative" val="1"/>
+              </a:ext>
+            </a:extLst>
+          </p:cNvPr>
+          <p:cNvCxnSpPr>
+            <a:cxnSpLocks noGrp="1" noRot="1" noChangeAspect="1" noMove="1" noResize="1" noEditPoints="1" noAdjustHandles="1" noChangeArrowheads="1" noChangeShapeType="1"/>
+          </p:cNvCxnSpPr>
+          <p:nvPr>
+            <p:extLst>
+              <p:ext uri="{386F3935-93C4-4BCD-93E2-E3B085C9AB24}">
+                <p16:designElem xmlns:p16="http://schemas.microsoft.com/office/powerpoint/2015/main" val="1"/>
+              </p:ext>
+            </p:extLst>
+          </p:nvPr>
+        </p:nvCxnSpPr>
+        <p:spPr>
+          <a:xfrm>
+            <a:off x="3267515" y="1930986"/>
+            <a:ext cx="0" cy="3200400"/>
+          </a:xfrm>
+          <a:prstGeom prst="line">
+            <a:avLst/>
+          </a:prstGeom>
+          <a:ln w="15875" cap="sq">
+            <a:solidFill>
+              <a:schemeClr val="tx2">
+                <a:alpha val="70000"/>
+              </a:schemeClr>
+            </a:solidFill>
+            <a:miter lim="800000"/>
+          </a:ln>
+        </p:spPr>
+        <p:style>
+          <a:lnRef idx="1">
+            <a:schemeClr val="accent1"/>
+          </a:lnRef>
+          <a:fillRef idx="0">
+            <a:schemeClr val="accent1"/>
+          </a:fillRef>
+          <a:effectRef idx="0">
+            <a:schemeClr val="accent1"/>
+          </a:effectRef>
+          <a:fontRef idx="minor">
+            <a:schemeClr val="tx1"/>
+          </a:fontRef>
+        </p:style>
+      </p:cxnSp>
+      <p:sp>
+        <p:nvSpPr>
+          <p:cNvPr id="3" name="Untertitel 2">
+            <a:extLst>
+              <a:ext uri="{FF2B5EF4-FFF2-40B4-BE49-F238E27FC236}">
+                <a16:creationId xmlns:a16="http://schemas.microsoft.com/office/drawing/2014/main" id="{6C40528D-C6ED-4348-AE73-E915E54E5CE2}"/>
+              </a:ext>
+            </a:extLst>
+          </p:cNvPr>
+          <p:cNvSpPr>
+            <a:spLocks noGrp="1"/>
+          </p:cNvSpPr>
+          <p:nvPr>
+            <p:ph type="subTitle" idx="1"/>
+          </p:nvPr>
+        </p:nvSpPr>
+        <p:spPr>
+          <a:xfrm>
+            <a:off x="866216" y="1266958"/>
+            <a:ext cx="2178093" cy="4528457"/>
+          </a:xfrm>
+        </p:spPr>
+        <p:txBody>
+          <a:bodyPr anchor="ctr">
+            <a:normAutofit/>
+          </a:bodyPr>
+          <a:lstStyle/>
+          <a:p>
+            <a:pPr algn="r"/>
+            <a:r>
+              <a:rPr lang="de-CH" sz="2000">
+                <a:solidFill>
+                  <a:schemeClr val="tx2"/>
+                </a:solidFill>
+              </a:rPr>
+              <a:t>Jan Spuler &amp; Tendai Rondof</a:t>
+            </a:r>
+          </a:p>
+        </p:txBody>
+      </p:sp>
+      <p:sp>
+        <p:nvSpPr>
+          <p:cNvPr id="2" name="Titel 1">
+            <a:extLst>
+              <a:ext uri="{FF2B5EF4-FFF2-40B4-BE49-F238E27FC236}">
+                <a16:creationId xmlns:a16="http://schemas.microsoft.com/office/drawing/2014/main" id="{C82A0ADE-3774-4EB8-A3E4-7AAF1A9B3C6E}"/>
+              </a:ext>
+            </a:extLst>
+          </p:cNvPr>
+          <p:cNvSpPr>
+            <a:spLocks noGrp="1"/>
+          </p:cNvSpPr>
+          <p:nvPr>
+            <p:ph type="ctrTitle"/>
+          </p:nvPr>
+        </p:nvSpPr>
+        <p:spPr>
+          <a:xfrm>
+            <a:off x="3490721" y="1266958"/>
+            <a:ext cx="5106271" cy="4528457"/>
+          </a:xfrm>
+        </p:spPr>
+        <p:txBody>
+          <a:bodyPr anchor="ctr">
+            <a:normAutofit/>
+          </a:bodyPr>
+          <a:lstStyle/>
+          <a:p>
+            <a:r>
+              <a:rPr lang="de-CH" sz="12800" dirty="0">
+                <a:ln w="0"/>
+                <a:latin typeface="Algerian" panose="04020705040A02060702" pitchFamily="82" charset="0"/>
+              </a:rPr>
+              <a:t>O.K.E.</a:t>
+            </a:r>
+          </a:p>
+        </p:txBody>
+      </p:sp>
+      <p:sp>
+        <p:nvSpPr>
+          <p:cNvPr id="4" name="Textfeld 3">
+            <a:extLst>
+              <a:ext uri="{FF2B5EF4-FFF2-40B4-BE49-F238E27FC236}">
+                <a16:creationId xmlns:a16="http://schemas.microsoft.com/office/drawing/2014/main" id="{5CAF2097-B9A3-41E4-AF4A-5B47E1426063}"/>
+              </a:ext>
+            </a:extLst>
+          </p:cNvPr>
+          <p:cNvSpPr txBox="1"/>
+          <p:nvPr/>
+        </p:nvSpPr>
+        <p:spPr>
+          <a:xfrm>
+            <a:off x="3779912" y="6027003"/>
+            <a:ext cx="5106271" cy="830997"/>
+          </a:xfrm>
+          <a:prstGeom prst="rect">
+            <a:avLst/>
+          </a:prstGeom>
+          <a:noFill/>
+        </p:spPr>
+        <p:txBody>
+          <a:bodyPr wrap="square" rtlCol="0">
+            <a:spAutoFit/>
+          </a:bodyPr>
+          <a:lstStyle/>
+          <a:p>
+            <a:r>
+              <a:rPr lang="de-CH" sz="1200" dirty="0" err="1"/>
+              <a:t>Humoristischi</a:t>
+            </a:r>
+            <a:r>
+              <a:rPr lang="de-CH" sz="1200" dirty="0"/>
+              <a:t> </a:t>
+            </a:r>
+            <a:r>
+              <a:rPr lang="de-CH" sz="1200" dirty="0" err="1"/>
+              <a:t>Idiotänz</a:t>
+            </a:r>
+            <a:r>
+              <a:rPr lang="de-CH" sz="1200" dirty="0"/>
+              <a:t> mit Künstlicher Intelligenz – Wolfgang von </a:t>
+            </a:r>
+            <a:r>
+              <a:rPr lang="de-CH" sz="1200" dirty="0" err="1"/>
+              <a:t>Göte</a:t>
+            </a:r>
+            <a:r>
+              <a:rPr lang="de-CH" sz="1200" dirty="0"/>
+              <a:t>,</a:t>
+            </a:r>
+          </a:p>
+          <a:p>
+            <a:r>
+              <a:rPr lang="de-CH" sz="1200" dirty="0" err="1"/>
+              <a:t>einfachso</a:t>
+            </a:r>
+            <a:r>
+              <a:rPr lang="de-CH" sz="1200" dirty="0"/>
+              <a:t> weil Baum.</a:t>
+            </a:r>
+          </a:p>
+          <a:p>
+            <a:r>
+              <a:rPr lang="de-CH" sz="1200" dirty="0"/>
+              <a:t>Ramen</a:t>
+            </a:r>
+          </a:p>
+        </p:txBody>
+      </p:sp>
+      <p:pic>
+        <p:nvPicPr>
+          <p:cNvPr id="9" name="Grafik 8">
+            <a:extLst>
+              <a:ext uri="{FF2B5EF4-FFF2-40B4-BE49-F238E27FC236}">
+                <a16:creationId xmlns:a16="http://schemas.microsoft.com/office/drawing/2014/main" id="{9183A6A1-5944-4DD8-9D21-B385A7790390}"/>
+              </a:ext>
+            </a:extLst>
+          </p:cNvPr>
+          <p:cNvPicPr>
+            <a:picLocks noChangeAspect="1"/>
+          </p:cNvPicPr>
+          <p:nvPr/>
+        </p:nvPicPr>
+        <p:blipFill rotWithShape="1">
+          <a:blip r:embed="rId3">
+            <a:extLst>
+              <a:ext uri="{BEBA8EAE-BF5A-486C-A8C5-ECC9F3942E4B}">
+                <a14:imgProps xmlns:a14="http://schemas.microsoft.com/office/drawing/2010/main">
+                  <a14:imgLayer r:embed="rId4">
+                    <a14:imgEffect>
+                      <a14:backgroundRemoval t="2102" b="89790" l="3202" r="89409">
+                        <a14:foregroundMark x1="4680" y1="36336" x2="4680" y2="36336"/>
+                        <a14:foregroundMark x1="4680" y1="36336" x2="4680" y2="36336"/>
+                        <a14:foregroundMark x1="3448" y1="16517" x2="3448" y2="16517"/>
+                        <a14:foregroundMark x1="11330" y1="7207" x2="11330" y2="7207"/>
+                        <a14:foregroundMark x1="28079" y1="5105" x2="28079" y2="5105"/>
+                        <a14:foregroundMark x1="21675" y1="3303" x2="21675" y2="3303"/>
+                        <a14:foregroundMark x1="36207" y1="2102" x2="36207" y2="2102"/>
+                        <a14:foregroundMark x1="44335" y1="8709" x2="44335" y2="8709"/>
+                        <a14:foregroundMark x1="41133" y1="43243" x2="41133" y2="43243"/>
+                      </a14:backgroundRemoval>
+                    </a14:imgEffect>
+                  </a14:imgLayer>
+                </a14:imgProps>
+              </a:ext>
+              <a:ext uri="{28A0092B-C50C-407E-A947-70E740481C1C}">
+                <a14:useLocalDpi xmlns:a14="http://schemas.microsoft.com/office/drawing/2010/main" val="0"/>
+              </a:ext>
+            </a:extLst>
+          </a:blip>
+          <a:srcRect r="34829" b="29021"/>
+          <a:stretch/>
+        </p:blipFill>
+        <p:spPr>
+          <a:xfrm>
+            <a:off x="695126" y="476672"/>
+            <a:ext cx="2520271" cy="2251345"/>
+          </a:xfrm>
+          <a:prstGeom prst="rect">
+            <a:avLst/>
+          </a:prstGeom>
+        </p:spPr>
+      </p:pic>
+    </p:spTree>
+    <p:extLst>
+      <p:ext uri="{BB962C8B-B14F-4D97-AF65-F5344CB8AC3E}">
+        <p14:creationId xmlns:p14="http://schemas.microsoft.com/office/powerpoint/2010/main" val="1044461666"/>
+      </p:ext>
+    </p:extLst>
+  </p:cSld>
+  <p:clrMapOvr>
+    <a:masterClrMapping/>
+  </p:clrMapOvr>
+</p:sld>
+</file>
+
+<file path=ppt/slides/slide2.xml><?xml version="1.0" encoding="utf-8"?>
+<p:sld xmlns:a="http://schemas.openxmlformats.org/drawingml/2006/main" xmlns:r="http://schemas.openxmlformats.org/officeDocument/2006/relationships" xmlns:p="http://schemas.openxmlformats.org/presentationml/2006/main">
+  <p:cSld>
+    <p:spTree>
+      <p:nvGrpSpPr>
+        <p:cNvPr id="1" name=""/>
+        <p:cNvGrpSpPr/>
+        <p:nvPr/>
+      </p:nvGrpSpPr>
+      <p:grpSpPr>
+        <a:xfrm>
+          <a:off x="0" y="0"/>
+          <a:ext cx="0" cy="0"/>
+          <a:chOff x="0" y="0"/>
+          <a:chExt cx="0" cy="0"/>
+        </a:xfrm>
+      </p:grpSpPr>
+      <p:sp>
+        <p:nvSpPr>
+          <p:cNvPr id="2" name="Titel 1">
+            <a:extLst>
+              <a:ext uri="{FF2B5EF4-FFF2-40B4-BE49-F238E27FC236}">
+                <a16:creationId xmlns:a16="http://schemas.microsoft.com/office/drawing/2014/main" id="{66B8B597-FA12-4DA2-8E1F-DFCFFDEF49B1}"/>
+              </a:ext>
+            </a:extLst>
+          </p:cNvPr>
+          <p:cNvSpPr>
+            <a:spLocks noGrp="1"/>
+          </p:cNvSpPr>
+          <p:nvPr>
+            <p:ph type="title"/>
+          </p:nvPr>
+        </p:nvSpPr>
+        <p:spPr/>
+        <p:txBody>
+          <a:bodyPr/>
+          <a:lstStyle/>
+          <a:p>
+            <a:r>
+              <a:rPr lang="de-CH" dirty="0"/>
+              <a:t>Inhalt</a:t>
+            </a:r>
+          </a:p>
+        </p:txBody>
+      </p:sp>
+      <p:sp>
+        <p:nvSpPr>
+          <p:cNvPr id="3" name="Inhaltsplatzhalter 2">
+            <a:extLst>
+              <a:ext uri="{FF2B5EF4-FFF2-40B4-BE49-F238E27FC236}">
+                <a16:creationId xmlns:a16="http://schemas.microsoft.com/office/drawing/2014/main" id="{33DA2973-61F7-4D3F-9676-9FD683D4DD19}"/>
+              </a:ext>
+            </a:extLst>
+          </p:cNvPr>
+          <p:cNvSpPr>
+            <a:spLocks noGrp="1"/>
+          </p:cNvSpPr>
+          <p:nvPr>
+            <p:ph idx="1"/>
+          </p:nvPr>
+        </p:nvSpPr>
+        <p:spPr/>
+        <p:txBody>
+          <a:bodyPr/>
+          <a:lstStyle/>
+          <a:p>
+            <a:r>
+              <a:rPr lang="de-CH" dirty="0"/>
+              <a:t>Name</a:t>
+            </a:r>
+          </a:p>
+          <a:p>
+            <a:r>
+              <a:rPr lang="de-CH" dirty="0"/>
+              <a:t>Topologie</a:t>
+            </a:r>
+          </a:p>
+          <a:p>
+            <a:r>
+              <a:rPr lang="de-CH" dirty="0"/>
+              <a:t>Robot Controller</a:t>
+            </a:r>
+          </a:p>
+          <a:p>
+            <a:r>
+              <a:rPr lang="de-CH" dirty="0"/>
+              <a:t>Robot</a:t>
+            </a:r>
+          </a:p>
+          <a:p>
+            <a:r>
+              <a:rPr lang="de-CH" dirty="0"/>
+              <a:t>Software</a:t>
+            </a:r>
+          </a:p>
+          <a:p>
+            <a:pPr lvl="1"/>
+            <a:r>
+              <a:rPr lang="de-CH" dirty="0"/>
+              <a:t>UI</a:t>
+            </a:r>
+          </a:p>
+          <a:p>
+            <a:pPr lvl="1"/>
+            <a:r>
+              <a:rPr lang="de-CH" dirty="0"/>
+              <a:t>AI</a:t>
+            </a:r>
+          </a:p>
+        </p:txBody>
+      </p:sp>
+    </p:spTree>
+    <p:extLst>
+      <p:ext uri="{BB962C8B-B14F-4D97-AF65-F5344CB8AC3E}">
+        <p14:creationId xmlns:p14="http://schemas.microsoft.com/office/powerpoint/2010/main" val="903774772"/>
+      </p:ext>
+    </p:extLst>
+  </p:cSld>
+  <p:clrMapOvr>
+    <a:masterClrMapping/>
+  </p:clrMapOvr>
+</p:sld>
+</file>
+
+<file path=ppt/slides/slide3.xml><?xml version="1.0" encoding="utf-8"?>
+<p:sld xmlns:a="http://schemas.openxmlformats.org/drawingml/2006/main" xmlns:r="http://schemas.openxmlformats.org/officeDocument/2006/relationships" xmlns:p="http://schemas.openxmlformats.org/presentationml/2006/main">
+  <p:cSld>
+    <p:spTree>
+      <p:nvGrpSpPr>
+        <p:cNvPr id="1" name=""/>
+        <p:cNvGrpSpPr/>
+        <p:nvPr/>
+      </p:nvGrpSpPr>
+      <p:grpSpPr>
+        <a:xfrm>
+          <a:off x="0" y="0"/>
+          <a:ext cx="0" cy="0"/>
+          <a:chOff x="0" y="0"/>
+          <a:chExt cx="0" cy="0"/>
+        </a:xfrm>
+      </p:grpSpPr>
+      <p:sp>
+        <p:nvSpPr>
+          <p:cNvPr id="2" name="Titel 1">
+            <a:extLst>
+              <a:ext uri="{FF2B5EF4-FFF2-40B4-BE49-F238E27FC236}">
+                <a16:creationId xmlns:a16="http://schemas.microsoft.com/office/drawing/2014/main" id="{6AA3F7DA-EFC0-46FC-8921-0013B6297C33}"/>
+              </a:ext>
+            </a:extLst>
+          </p:cNvPr>
+          <p:cNvSpPr>
+            <a:spLocks noGrp="1"/>
+          </p:cNvSpPr>
+          <p:nvPr>
+            <p:ph type="title"/>
+          </p:nvPr>
+        </p:nvSpPr>
+        <p:spPr/>
+        <p:txBody>
+          <a:bodyPr/>
+          <a:lstStyle/>
+          <a:p>
+            <a:r>
+              <a:rPr lang="de-CH" dirty="0"/>
+              <a:t>Robot</a:t>
+            </a:r>
+          </a:p>
+        </p:txBody>
+      </p:sp>
+      <p:sp>
+        <p:nvSpPr>
+          <p:cNvPr id="3" name="Inhaltsplatzhalter 2">
+            <a:extLst>
+              <a:ext uri="{FF2B5EF4-FFF2-40B4-BE49-F238E27FC236}">
+                <a16:creationId xmlns:a16="http://schemas.microsoft.com/office/drawing/2014/main" id="{73FA1400-3703-47A3-80FB-CD6C4D734F1D}"/>
+              </a:ext>
+            </a:extLst>
+          </p:cNvPr>
+          <p:cNvSpPr>
+            <a:spLocks noGrp="1"/>
+          </p:cNvSpPr>
+          <p:nvPr>
+            <p:ph idx="1"/>
+          </p:nvPr>
+        </p:nvSpPr>
+        <p:spPr/>
+        <p:txBody>
+          <a:bodyPr/>
+          <a:lstStyle/>
+          <a:p>
+            <a:endParaRPr lang="de-CH"/>
+          </a:p>
+        </p:txBody>
+      </p:sp>
+    </p:spTree>
+    <p:extLst>
+      <p:ext uri="{BB962C8B-B14F-4D97-AF65-F5344CB8AC3E}">
+        <p14:creationId xmlns:p14="http://schemas.microsoft.com/office/powerpoint/2010/main" val="3565102839"/>
+      </p:ext>
+    </p:extLst>
+  </p:cSld>
+  <p:clrMapOvr>
+    <a:masterClrMapping/>
+  </p:clrMapOvr>
+</p:sld>
+</file>
+
+<file path=ppt/slides/slide4.xml><?xml version="1.0" encoding="utf-8"?>
+<p:sld xmlns:a="http://schemas.openxmlformats.org/drawingml/2006/main" xmlns:r="http://schemas.openxmlformats.org/officeDocument/2006/relationships" xmlns:p="http://schemas.openxmlformats.org/presentationml/2006/main">
+  <p:cSld>
+    <p:spTree>
+      <p:nvGrpSpPr>
+        <p:cNvPr id="1" name=""/>
+        <p:cNvGrpSpPr/>
+        <p:nvPr/>
+      </p:nvGrpSpPr>
+      <p:grpSpPr>
+        <a:xfrm>
+          <a:off x="0" y="0"/>
+          <a:ext cx="0" cy="0"/>
+          <a:chOff x="0" y="0"/>
+          <a:chExt cx="0" cy="0"/>
+        </a:xfrm>
+      </p:grpSpPr>
+      <p:sp>
+        <p:nvSpPr>
+          <p:cNvPr id="2" name="Titel 1">
+            <a:extLst>
+              <a:ext uri="{FF2B5EF4-FFF2-40B4-BE49-F238E27FC236}">
+                <a16:creationId xmlns:a16="http://schemas.microsoft.com/office/drawing/2014/main" id="{5F6757A2-EF62-4AB9-8425-888A1A080BA4}"/>
+              </a:ext>
+            </a:extLst>
+          </p:cNvPr>
+          <p:cNvSpPr>
+            <a:spLocks noGrp="1"/>
+          </p:cNvSpPr>
+          <p:nvPr>
+            <p:ph type="title"/>
+          </p:nvPr>
+        </p:nvSpPr>
+        <p:spPr/>
+        <p:txBody>
+          <a:bodyPr/>
+          <a:lstStyle/>
+          <a:p>
+            <a:r>
+              <a:rPr lang="de-CH" dirty="0"/>
+              <a:t>Name</a:t>
+            </a:r>
+          </a:p>
+        </p:txBody>
+      </p:sp>
+      <p:sp>
+        <p:nvSpPr>
+          <p:cNvPr id="3" name="Inhaltsplatzhalter 2">
+            <a:extLst>
+              <a:ext uri="{FF2B5EF4-FFF2-40B4-BE49-F238E27FC236}">
+                <a16:creationId xmlns:a16="http://schemas.microsoft.com/office/drawing/2014/main" id="{5FF00664-17F4-4C54-8F59-89ACE968FB88}"/>
+              </a:ext>
+            </a:extLst>
+          </p:cNvPr>
+          <p:cNvSpPr>
+            <a:spLocks noGrp="1"/>
+          </p:cNvSpPr>
+          <p:nvPr>
+            <p:ph idx="1"/>
+          </p:nvPr>
+        </p:nvSpPr>
+        <p:spPr/>
+        <p:txBody>
+          <a:bodyPr/>
+          <a:lstStyle/>
+          <a:p>
+            <a:r>
+              <a:rPr lang="de-CH" b="1" dirty="0"/>
+              <a:t>O</a:t>
+            </a:r>
+            <a:r>
+              <a:rPr lang="de-CH" dirty="0"/>
+              <a:t>ptische </a:t>
+            </a:r>
+            <a:r>
+              <a:rPr lang="de-CH" b="1" dirty="0" err="1"/>
+              <a:t>K</a:t>
+            </a:r>
+            <a:r>
+              <a:rPr lang="de-CH" dirty="0" err="1"/>
+              <a:t>ontoll</a:t>
+            </a:r>
+            <a:r>
+              <a:rPr lang="de-CH" dirty="0"/>
+              <a:t>-</a:t>
+            </a:r>
+            <a:r>
+              <a:rPr lang="de-CH" b="1" dirty="0"/>
+              <a:t>E</a:t>
+            </a:r>
+            <a:r>
+              <a:rPr lang="de-CH" dirty="0"/>
+              <a:t>inheit</a:t>
+            </a:r>
+          </a:p>
+        </p:txBody>
+      </p:sp>
+    </p:spTree>
+    <p:extLst>
+      <p:ext uri="{BB962C8B-B14F-4D97-AF65-F5344CB8AC3E}">
+        <p14:creationId xmlns:p14="http://schemas.microsoft.com/office/powerpoint/2010/main" val="1502169435"/>
+      </p:ext>
+    </p:extLst>
+  </p:cSld>
+  <p:clrMapOvr>
+    <a:masterClrMapping/>
+  </p:clrMapOvr>
+</p:sld>
+</file>
+
+<file path=ppt/slides/slide5.xml><?xml version="1.0" encoding="utf-8"?>
+<p:sld xmlns:a="http://schemas.openxmlformats.org/drawingml/2006/main" xmlns:r="http://schemas.openxmlformats.org/officeDocument/2006/relationships" xmlns:p="http://schemas.openxmlformats.org/presentationml/2006/main">
+  <p:cSld>
+    <p:spTree>
+      <p:nvGrpSpPr>
+        <p:cNvPr id="1" name=""/>
+        <p:cNvGrpSpPr/>
+        <p:nvPr/>
+      </p:nvGrpSpPr>
+      <p:grpSpPr>
+        <a:xfrm>
+          <a:off x="0" y="0"/>
+          <a:ext cx="0" cy="0"/>
+          <a:chOff x="0" y="0"/>
+          <a:chExt cx="0" cy="0"/>
+        </a:xfrm>
+      </p:grpSpPr>
+      <p:sp>
+        <p:nvSpPr>
+          <p:cNvPr id="2" name="Titel 1">
+            <a:extLst>
+              <a:ext uri="{FF2B5EF4-FFF2-40B4-BE49-F238E27FC236}">
+                <a16:creationId xmlns:a16="http://schemas.microsoft.com/office/drawing/2014/main" id="{5A09D157-37BC-4DB7-9D6A-85C247B87FF3}"/>
+              </a:ext>
+            </a:extLst>
+          </p:cNvPr>
+          <p:cNvSpPr>
+            <a:spLocks noGrp="1"/>
+          </p:cNvSpPr>
+          <p:nvPr>
+            <p:ph type="title"/>
+          </p:nvPr>
+        </p:nvSpPr>
+        <p:spPr/>
+        <p:txBody>
+          <a:bodyPr/>
+          <a:lstStyle/>
+          <a:p>
+            <a:r>
+              <a:rPr lang="de-CH" dirty="0"/>
+              <a:t>Topologie</a:t>
+            </a:r>
+          </a:p>
+        </p:txBody>
+      </p:sp>
+      <p:pic>
+        <p:nvPicPr>
+          <p:cNvPr id="4" name="Inhaltsplatzhalter 3">
+            <a:extLst>
+              <a:ext uri="{FF2B5EF4-FFF2-40B4-BE49-F238E27FC236}">
+                <a16:creationId xmlns:a16="http://schemas.microsoft.com/office/drawing/2014/main" id="{0114E2EB-06D7-49D6-95AA-82B0B7781659}"/>
+              </a:ext>
+            </a:extLst>
+          </p:cNvPr>
+          <p:cNvPicPr>
+            <a:picLocks noGrp="1" noChangeAspect="1"/>
+          </p:cNvPicPr>
+          <p:nvPr>
+            <p:ph idx="1"/>
+          </p:nvPr>
+        </p:nvPicPr>
+        <p:blipFill>
+          <a:blip r:embed="rId2"/>
+          <a:stretch>
+            <a:fillRect/>
+          </a:stretch>
+        </p:blipFill>
+        <p:spPr>
+          <a:xfrm>
+            <a:off x="484710" y="1412776"/>
+            <a:ext cx="7519582" cy="4536504"/>
+          </a:xfrm>
+          <a:prstGeom prst="rect">
+            <a:avLst/>
+          </a:prstGeom>
+        </p:spPr>
+      </p:pic>
+    </p:spTree>
+    <p:extLst>
+      <p:ext uri="{BB962C8B-B14F-4D97-AF65-F5344CB8AC3E}">
+        <p14:creationId xmlns:p14="http://schemas.microsoft.com/office/powerpoint/2010/main" val="1009781649"/>
+      </p:ext>
+    </p:extLst>
+  </p:cSld>
+  <p:clrMapOvr>
+    <a:masterClrMapping/>
+  </p:clrMapOvr>
+</p:sld>
+</file>
+
+<file path=ppt/slides/slide6.xml><?xml version="1.0" encoding="utf-8"?>
+<p:sld xmlns:a="http://schemas.openxmlformats.org/drawingml/2006/main" xmlns:r="http://schemas.openxmlformats.org/officeDocument/2006/relationships" xmlns:p="http://schemas.openxmlformats.org/presentationml/2006/main">
+  <p:cSld>
+    <p:spTree>
+      <p:nvGrpSpPr>
+        <p:cNvPr id="1" name=""/>
+        <p:cNvGrpSpPr/>
+        <p:nvPr/>
+      </p:nvGrpSpPr>
+      <p:grpSpPr>
+        <a:xfrm>
+          <a:off x="0" y="0"/>
+          <a:ext cx="0" cy="0"/>
+          <a:chOff x="0" y="0"/>
+          <a:chExt cx="0" cy="0"/>
+        </a:xfrm>
+      </p:grpSpPr>
+      <p:sp>
+        <p:nvSpPr>
+          <p:cNvPr id="2" name="Titel 1">
+            <a:extLst>
+              <a:ext uri="{FF2B5EF4-FFF2-40B4-BE49-F238E27FC236}">
+                <a16:creationId xmlns:a16="http://schemas.microsoft.com/office/drawing/2014/main" id="{892BC3FC-175C-4032-9A16-1048D4D551FA}"/>
+              </a:ext>
+            </a:extLst>
+          </p:cNvPr>
+          <p:cNvSpPr>
+            <a:spLocks noGrp="1"/>
+          </p:cNvSpPr>
+          <p:nvPr>
+            <p:ph type="title"/>
+          </p:nvPr>
+        </p:nvSpPr>
+        <p:spPr/>
+        <p:txBody>
+          <a:bodyPr/>
+          <a:lstStyle/>
+          <a:p>
+            <a:r>
+              <a:rPr lang="de-CH" dirty="0"/>
+              <a:t>Robot Controller</a:t>
+            </a:r>
+          </a:p>
+        </p:txBody>
+      </p:sp>
+      <p:pic>
+        <p:nvPicPr>
+          <p:cNvPr id="7" name="Inhaltsplatzhalter 6">
+            <a:extLst>
+              <a:ext uri="{FF2B5EF4-FFF2-40B4-BE49-F238E27FC236}">
+                <a16:creationId xmlns:a16="http://schemas.microsoft.com/office/drawing/2014/main" id="{E70D5E02-6D3F-4FAD-8A0D-F79EFC8D9AAB}"/>
+              </a:ext>
+            </a:extLst>
+          </p:cNvPr>
+          <p:cNvPicPr>
+            <a:picLocks noGrp="1" noChangeAspect="1"/>
+          </p:cNvPicPr>
+          <p:nvPr>
+            <p:ph idx="1"/>
+          </p:nvPr>
+        </p:nvPicPr>
+        <p:blipFill>
+          <a:blip r:embed="rId2"/>
+          <a:stretch>
+            <a:fillRect/>
+          </a:stretch>
+        </p:blipFill>
+        <p:spPr>
+          <a:xfrm>
+            <a:off x="700032" y="1199591"/>
+            <a:ext cx="6624736" cy="5467445"/>
+          </a:xfrm>
+          <a:prstGeom prst="rect">
+            <a:avLst/>
+          </a:prstGeom>
+        </p:spPr>
+      </p:pic>
+    </p:spTree>
+    <p:extLst>
+      <p:ext uri="{BB962C8B-B14F-4D97-AF65-F5344CB8AC3E}">
+        <p14:creationId xmlns:p14="http://schemas.microsoft.com/office/powerpoint/2010/main" val="883756970"/>
+      </p:ext>
+    </p:extLst>
+  </p:cSld>
+  <p:clrMapOvr>
+    <a:masterClrMapping/>
+  </p:clrMapOvr>
+</p:sld>
+</file>
+
+<file path=ppt/slides/slide7.xml><?xml version="1.0" encoding="utf-8"?>
+<p:sld xmlns:a="http://schemas.openxmlformats.org/drawingml/2006/main" xmlns:r="http://schemas.openxmlformats.org/officeDocument/2006/relationships" xmlns:p="http://schemas.openxmlformats.org/presentationml/2006/main">
+  <p:cSld>
+    <p:spTree>
+      <p:nvGrpSpPr>
+        <p:cNvPr id="1" name=""/>
+        <p:cNvGrpSpPr/>
+        <p:nvPr/>
+      </p:nvGrpSpPr>
+      <p:grpSpPr>
+        <a:xfrm>
+          <a:off x="0" y="0"/>
+          <a:ext cx="0" cy="0"/>
+          <a:chOff x="0" y="0"/>
+          <a:chExt cx="0" cy="0"/>
+        </a:xfrm>
+      </p:grpSpPr>
+      <p:sp>
+        <p:nvSpPr>
+          <p:cNvPr id="2" name="Titel 1">
+            <a:extLst>
+              <a:ext uri="{FF2B5EF4-FFF2-40B4-BE49-F238E27FC236}">
+                <a16:creationId xmlns:a16="http://schemas.microsoft.com/office/drawing/2014/main" id="{FB3AF7C3-6FA5-4C26-9A4E-02321225F25D}"/>
+              </a:ext>
+            </a:extLst>
+          </p:cNvPr>
+          <p:cNvSpPr>
+            <a:spLocks noGrp="1"/>
+          </p:cNvSpPr>
+          <p:nvPr>
+            <p:ph type="title"/>
+          </p:nvPr>
+        </p:nvSpPr>
+        <p:spPr/>
+        <p:txBody>
+          <a:bodyPr/>
+          <a:lstStyle/>
+          <a:p>
+            <a:r>
+              <a:rPr lang="de-CH" dirty="0"/>
+              <a:t>Software</a:t>
+            </a:r>
+            <a:br>
+              <a:rPr lang="de-CH" dirty="0"/>
+            </a:br>
+            <a:r>
+              <a:rPr lang="de-CH" dirty="0"/>
+              <a:t>(UI)</a:t>
+            </a:r>
+          </a:p>
+        </p:txBody>
+      </p:sp>
+      <p:sp>
+        <p:nvSpPr>
+          <p:cNvPr id="3" name="Inhaltsplatzhalter 2">
+            <a:extLst>
+              <a:ext uri="{FF2B5EF4-FFF2-40B4-BE49-F238E27FC236}">
+                <a16:creationId xmlns:a16="http://schemas.microsoft.com/office/drawing/2014/main" id="{5C231A07-1AD3-4B55-AE8D-9AC39E4D2BE0}"/>
+              </a:ext>
+            </a:extLst>
+          </p:cNvPr>
+          <p:cNvSpPr>
+            <a:spLocks noGrp="1"/>
+          </p:cNvSpPr>
+          <p:nvPr>
+            <p:ph idx="1"/>
+          </p:nvPr>
+        </p:nvSpPr>
+        <p:spPr/>
+        <p:txBody>
+          <a:bodyPr/>
+          <a:lstStyle/>
+          <a:p>
+            <a:r>
+              <a:rPr lang="de-CH" dirty="0"/>
+              <a:t>User Interface</a:t>
+            </a:r>
+          </a:p>
+          <a:p>
+            <a:endParaRPr lang="de-CH" dirty="0"/>
+          </a:p>
+          <a:p>
+            <a:endParaRPr lang="de-CH" dirty="0"/>
+          </a:p>
+        </p:txBody>
+      </p:sp>
+    </p:spTree>
+    <p:extLst>
+      <p:ext uri="{BB962C8B-B14F-4D97-AF65-F5344CB8AC3E}">
+        <p14:creationId xmlns:p14="http://schemas.microsoft.com/office/powerpoint/2010/main" val="2426039383"/>
+      </p:ext>
+    </p:extLst>
+  </p:cSld>
+  <p:clrMapOvr>
+    <a:masterClrMapping/>
+  </p:clrMapOvr>
+</p:sld>
+</file>
+
 <file path=ppt/theme/theme1.xml><?xml version="1.0" encoding="utf-8"?>
-<a:theme xmlns:a="http://schemas.openxmlformats.org/drawingml/2006/main" name="Larissa-Design">
+<a:theme xmlns:a="http://schemas.openxmlformats.org/drawingml/2006/main" name="Ion">
   <a:themeElements>
-    <a:clrScheme name="Larissa">
+    <a:clrScheme name="Ion">
       <a:dk1>
-        <a:sysClr val="windowText"/>
+        <a:sysClr val="windowText" lastClr="000000"/>
       </a:dk1>
       <a:lt1>
-        <a:sysClr val="window"/>
+        <a:sysClr val="window" lastClr="FFFFFF"/>
       </a:lt1>
       <a:dk2>
-        <a:srgbClr val="1F497D"/>
+        <a:srgbClr val="1E5155"/>
       </a:dk2>
       <a:lt2>
-        <a:srgbClr val="EEECE1"/>
+        <a:srgbClr val="EBEBEB"/>
       </a:lt2>
       <a:accent1>
-        <a:srgbClr val="4F81BD"/>
+        <a:srgbClr val="B01513"/>
       </a:accent1>
       <a:accent2>
-        <a:srgbClr val="C0504D"/>
+        <a:srgbClr val="EA6312"/>
       </a:accent2>
       <a:accent3>
-        <a:srgbClr val="9BBB59"/>
+        <a:srgbClr val="E6B729"/>
       </a:accent3>
       <a:accent4>
-        <a:srgbClr val="8064A2"/>
+        <a:srgbClr val="6AAC90"/>
       </a:accent4>
       <a:accent5>
-        <a:srgbClr val="4BACC6"/>
+        <a:srgbClr val="5F9C9D"/>
       </a:accent5>
       <a:accent6>
-        <a:srgbClr val="F79646"/>
+        <a:srgbClr val="9E5E9B"/>
       </a:accent6>
       <a:hlink>
-        <a:srgbClr val="0000FF"/>
+        <a:srgbClr val="58C1BA"/>
       </a:hlink>
       <a:folHlink>
-        <a:srgbClr val="800080"/>
+        <a:srgbClr val="9DD0CB"/>
       </a:folHlink>
     </a:clrScheme>
-    <a:fontScheme name="Larissa">
+    <a:fontScheme name="Ion">
       <a:majorFont>
-        <a:latin typeface="Calibri"/>
+        <a:latin typeface="Century Gothic" panose="020B0502020202020204"/>
         <a:ea typeface=""/>
         <a:cs typeface=""/>
-        <a:font script="Jpan" typeface="ＭＳ Ｐゴシック"/>
+        <a:font script="Jpan" typeface="メイリオ"/>
         <a:font script="Hang" typeface="맑은 고딕"/>
         <a:font script="Hans" typeface="宋体"/>
         <a:font script="Hant" typeface="新細明體"/>
@@ -3090,12 +7324,13 @@
         <a:font script="Mong" typeface="Mongolian Baiti"/>
         <a:font script="Viet" typeface="Times New Roman"/>
         <a:font script="Uigh" typeface="Microsoft Uighur"/>
+        <a:font script="Geor" typeface="Sylfaen"/>
       </a:majorFont>
       <a:minorFont>
-        <a:latin typeface="Calibri"/>
+        <a:latin typeface="Century Gothic" panose="020B0502020202020204"/>
         <a:ea typeface=""/>
         <a:cs typeface=""/>
-        <a:font script="Jpan" typeface="ＭＳ Ｐゴシック"/>
+        <a:font script="Jpan" typeface="メイリオ"/>
         <a:font script="Hang" typeface="맑은 고딕"/>
         <a:font script="Hans" typeface="宋体"/>
         <a:font script="Hant" typeface="新細明體"/>
@@ -3124,9 +7359,10 @@
         <a:font script="Mong" typeface="Mongolian Baiti"/>
         <a:font script="Viet" typeface="Arial"/>
         <a:font script="Uigh" typeface="Microsoft Uighur"/>
+        <a:font script="Geor" typeface="Sylfaen"/>
       </a:minorFont>
     </a:fontScheme>
-    <a:fmtScheme name="Larissa">
+    <a:fmtScheme name="Ion">
       <a:fillStyleLst>
         <a:solidFill>
           <a:schemeClr val="phClr"/>
@@ -3135,66 +7371,52 @@
           <a:gsLst>
             <a:gs pos="0">
               <a:schemeClr val="phClr">
-                <a:tint val="50000"/>
-                <a:satMod val="300000"/>
-              </a:schemeClr>
-            </a:gs>
-            <a:gs pos="35000">
-              <a:schemeClr val="phClr">
-                <a:tint val="37000"/>
-                <a:satMod val="300000"/>
+                <a:tint val="64000"/>
+                <a:lumMod val="118000"/>
               </a:schemeClr>
             </a:gs>
             <a:gs pos="100000">
               <a:schemeClr val="phClr">
-                <a:tint val="15000"/>
-                <a:satMod val="350000"/>
+                <a:tint val="92000"/>
+                <a:alpha val="100000"/>
+                <a:lumMod val="110000"/>
               </a:schemeClr>
             </a:gs>
           </a:gsLst>
-          <a:lin ang="16200000" scaled="1"/>
+          <a:lin ang="5400000" scaled="0"/>
         </a:gradFill>
         <a:gradFill rotWithShape="1">
           <a:gsLst>
             <a:gs pos="0">
               <a:schemeClr val="phClr">
-                <a:shade val="51000"/>
-                <a:satMod val="130000"/>
-              </a:schemeClr>
-            </a:gs>
-            <a:gs pos="80000">
-              <a:schemeClr val="phClr">
-                <a:shade val="93000"/>
-                <a:satMod val="130000"/>
+                <a:tint val="98000"/>
+                <a:lumMod val="114000"/>
               </a:schemeClr>
             </a:gs>
             <a:gs pos="100000">
               <a:schemeClr val="phClr">
-                <a:shade val="94000"/>
-                <a:satMod val="135000"/>
+                <a:shade val="90000"/>
+                <a:lumMod val="84000"/>
               </a:schemeClr>
             </a:gs>
           </a:gsLst>
-          <a:lin ang="16200000" scaled="0"/>
+          <a:lin ang="5400000" scaled="0"/>
         </a:gradFill>
       </a:fillStyleLst>
       <a:lnStyleLst>
         <a:ln w="9525" cap="rnd" cmpd="sng" algn="ctr">
           <a:solidFill>
-            <a:schemeClr val="phClr">
-              <a:shade val="95000"/>
-              <a:satMod val="105000"/>
-            </a:schemeClr>
+            <a:schemeClr val="phClr"/>
           </a:solidFill>
           <a:prstDash val="solid"/>
         </a:ln>
-        <a:ln w="25400" cap="rnd" cmpd="sng" algn="ctr">
+        <a:ln w="19050" cap="rnd" cmpd="sng" algn="ctr">
           <a:solidFill>
             <a:schemeClr val="phClr"/>
           </a:solidFill>
           <a:prstDash val="solid"/>
         </a:ln>
-        <a:ln w="38100" cap="rnd" cmpd="sng" algn="ctr">
+        <a:ln w="28575" cap="rnd" cmpd="sng" algn="ctr">
           <a:solidFill>
             <a:schemeClr val="phClr"/>
           </a:solidFill>
@@ -3203,28 +7425,22 @@
       </a:lnStyleLst>
       <a:effectStyleLst>
         <a:effectStyle>
+          <a:effectLst/>
+        </a:effectStyle>
+        <a:effectStyle>
           <a:effectLst>
-            <a:outerShdw blurRad="40000" dist="20000" dir="5400000">
+            <a:outerShdw blurRad="38100" dist="25400" dir="5400000" rotWithShape="0">
               <a:srgbClr val="000000">
-                <a:alpha val="38000"/>
+                <a:alpha val="45000"/>
               </a:srgbClr>
             </a:outerShdw>
           </a:effectLst>
         </a:effectStyle>
         <a:effectStyle>
           <a:effectLst>
-            <a:outerShdw blurRad="40000" dist="23000" dir="5400000">
+            <a:outerShdw blurRad="63500" dist="38100" dir="5400000" rotWithShape="0">
               <a:srgbClr val="000000">
-                <a:alpha val="35000"/>
-              </a:srgbClr>
-            </a:outerShdw>
-          </a:effectLst>
-        </a:effectStyle>
-        <a:effectStyle>
-          <a:effectLst>
-            <a:outerShdw blurRad="40000" dist="23000" dir="5400000">
-              <a:srgbClr val="000000">
-                <a:alpha val="35000"/>
+                <a:alpha val="60000"/>
               </a:srgbClr>
             </a:outerShdw>
           </a:effectLst>
@@ -3232,12 +7448,10 @@
             <a:camera prst="orthographicFront">
               <a:rot lat="0" lon="0" rev="0"/>
             </a:camera>
-            <a:lightRig rig="threePt" dir="t">
-              <a:rot lat="0" lon="0" rev="1200000"/>
-            </a:lightRig>
+            <a:lightRig rig="threePt" dir="tl"/>
           </a:scene3d>
-          <a:sp3d>
-            <a:bevelT w="63500" h="25400"/>
+          <a:sp3d prstMaterial="plastic">
+            <a:bevelT w="0" h="0"/>
           </a:sp3d>
         </a:effectStyle>
       </a:effectStyleLst>
@@ -3249,51 +7463,54 @@
           <a:gsLst>
             <a:gs pos="0">
               <a:schemeClr val="phClr">
-                <a:tint val="40000"/>
-                <a:satMod val="350000"/>
-              </a:schemeClr>
-            </a:gs>
-            <a:gs pos="40000">
-              <a:schemeClr val="phClr">
-                <a:tint val="45000"/>
-                <a:shade val="99000"/>
-                <a:satMod val="350000"/>
+                <a:tint val="97000"/>
+                <a:hueMod val="88000"/>
+                <a:satMod val="130000"/>
+                <a:lumMod val="124000"/>
               </a:schemeClr>
             </a:gs>
             <a:gs pos="100000">
               <a:schemeClr val="phClr">
-                <a:shade val="20000"/>
-                <a:satMod val="255000"/>
+                <a:tint val="96000"/>
+                <a:shade val="88000"/>
+                <a:hueMod val="108000"/>
+                <a:satMod val="164000"/>
+                <a:lumMod val="76000"/>
               </a:schemeClr>
             </a:gs>
           </a:gsLst>
           <a:path path="circle">
-            <a:fillToRect l="100000" t="-60000" r="100000" b="200000"/>
+            <a:fillToRect l="45000" t="65000" r="125000" b="100000"/>
           </a:path>
         </a:gradFill>
-        <a:gradFill rotWithShape="1">
-          <a:gsLst>
-            <a:gs pos="0">
+        <a:blipFill rotWithShape="1">
+          <a:blip xmlns:r="http://schemas.openxmlformats.org/officeDocument/2006/relationships" r:embed="rId1">
+            <a:duotone>
               <a:schemeClr val="phClr">
-                <a:tint val="80000"/>
-                <a:satMod val="300000"/>
+                <a:shade val="69000"/>
+                <a:hueMod val="108000"/>
+                <a:satMod val="164000"/>
+                <a:lumMod val="74000"/>
               </a:schemeClr>
-            </a:gs>
-            <a:gs pos="100000">
               <a:schemeClr val="phClr">
-                <a:shade val="30000"/>
-                <a:satMod val="200000"/>
+                <a:tint val="96000"/>
+                <a:hueMod val="88000"/>
+                <a:satMod val="140000"/>
+                <a:lumMod val="132000"/>
               </a:schemeClr>
-            </a:gs>
-          </a:gsLst>
-          <a:path path="circle">
-            <a:fillToRect l="100000" t="100000" r="100000" b="100000"/>
-          </a:path>
-        </a:gradFill>
+            </a:duotone>
+          </a:blip>
+          <a:stretch/>
+        </a:blipFill>
       </a:bgFillStyleLst>
     </a:fmtScheme>
   </a:themeElements>
   <a:objectDefaults/>
   <a:extraClrSchemeLst/>
+  <a:extLst>
+    <a:ext uri="{05A4C25C-085E-4340-85A3-A5531E510DB2}">
+      <thm15:themeFamily xmlns:thm15="http://schemas.microsoft.com/office/thememl/2012/main" name="Ion" id="{B8441ADB-2E43-4AF7-B97A-BD870242C6A8}" vid="{292E63A9-BB86-4E3D-B92A-7223C6510D2E}"/>
+    </a:ext>
+  </a:extLst>
 </a:theme>
 </file>
--- a/Präsentation/Präsentation.pptx
+++ b/Präsentation/Präsentation.pptx
@@ -315,7 +315,7 @@
           <a:p>
             <a:fld id="{1BA50D42-C9CD-4801-B293-61D1F53EC57E}" type="datetimeFigureOut">
               <a:rPr lang="de-DE" smtClean="0"/>
-              <a:t>05.11.2019</a:t>
+              <a:t>12.11.2019</a:t>
             </a:fld>
             <a:endParaRPr lang="de-DE"/>
           </a:p>
@@ -590,7 +590,7 @@
           <a:p>
             <a:fld id="{1BA50D42-C9CD-4801-B293-61D1F53EC57E}" type="datetimeFigureOut">
               <a:rPr lang="de-DE" smtClean="0"/>
-              <a:t>05.11.2019</a:t>
+              <a:t>12.11.2019</a:t>
             </a:fld>
             <a:endParaRPr lang="de-DE"/>
           </a:p>
@@ -784,7 +784,7 @@
           <a:p>
             <a:fld id="{1BA50D42-C9CD-4801-B293-61D1F53EC57E}" type="datetimeFigureOut">
               <a:rPr lang="de-DE" smtClean="0"/>
-              <a:t>05.11.2019</a:t>
+              <a:t>12.11.2019</a:t>
             </a:fld>
             <a:endParaRPr lang="de-DE"/>
           </a:p>
@@ -1057,7 +1057,7 @@
           <a:p>
             <a:fld id="{1BA50D42-C9CD-4801-B293-61D1F53EC57E}" type="datetimeFigureOut">
               <a:rPr lang="de-DE" smtClean="0"/>
-              <a:t>05.11.2019</a:t>
+              <a:t>12.11.2019</a:t>
             </a:fld>
             <a:endParaRPr lang="de-DE"/>
           </a:p>
@@ -1398,7 +1398,7 @@
           <a:p>
             <a:fld id="{1BA50D42-C9CD-4801-B293-61D1F53EC57E}" type="datetimeFigureOut">
               <a:rPr lang="de-DE" smtClean="0"/>
-              <a:t>05.11.2019</a:t>
+              <a:t>12.11.2019</a:t>
             </a:fld>
             <a:endParaRPr lang="de-DE"/>
           </a:p>
@@ -2021,7 +2021,7 @@
           <a:p>
             <a:fld id="{1BA50D42-C9CD-4801-B293-61D1F53EC57E}" type="datetimeFigureOut">
               <a:rPr lang="de-DE" smtClean="0"/>
-              <a:t>05.11.2019</a:t>
+              <a:t>12.11.2019</a:t>
             </a:fld>
             <a:endParaRPr lang="de-DE"/>
           </a:p>
@@ -2881,7 +2881,7 @@
           <a:p>
             <a:fld id="{1BA50D42-C9CD-4801-B293-61D1F53EC57E}" type="datetimeFigureOut">
               <a:rPr lang="de-DE" smtClean="0"/>
-              <a:t>05.11.2019</a:t>
+              <a:t>12.11.2019</a:t>
             </a:fld>
             <a:endParaRPr lang="de-DE"/>
           </a:p>
@@ -3051,7 +3051,7 @@
           <a:p>
             <a:fld id="{1BA50D42-C9CD-4801-B293-61D1F53EC57E}" type="datetimeFigureOut">
               <a:rPr lang="de-DE" smtClean="0"/>
-              <a:t>05.11.2019</a:t>
+              <a:t>12.11.2019</a:t>
             </a:fld>
             <a:endParaRPr lang="de-DE"/>
           </a:p>
@@ -3231,7 +3231,7 @@
           <a:p>
             <a:fld id="{1BA50D42-C9CD-4801-B293-61D1F53EC57E}" type="datetimeFigureOut">
               <a:rPr lang="de-DE" smtClean="0"/>
-              <a:t>05.11.2019</a:t>
+              <a:t>12.11.2019</a:t>
             </a:fld>
             <a:endParaRPr lang="de-DE"/>
           </a:p>
@@ -3401,7 +3401,7 @@
           <a:p>
             <a:fld id="{1BA50D42-C9CD-4801-B293-61D1F53EC57E}" type="datetimeFigureOut">
               <a:rPr lang="de-DE" smtClean="0"/>
-              <a:t>05.11.2019</a:t>
+              <a:t>12.11.2019</a:t>
             </a:fld>
             <a:endParaRPr lang="de-DE"/>
           </a:p>
@@ -3648,7 +3648,7 @@
           <a:p>
             <a:fld id="{1BA50D42-C9CD-4801-B293-61D1F53EC57E}" type="datetimeFigureOut">
               <a:rPr lang="de-DE" smtClean="0"/>
-              <a:t>05.11.2019</a:t>
+              <a:t>12.11.2019</a:t>
             </a:fld>
             <a:endParaRPr lang="de-DE"/>
           </a:p>
@@ -3940,7 +3940,7 @@
           <a:p>
             <a:fld id="{1BA50D42-C9CD-4801-B293-61D1F53EC57E}" type="datetimeFigureOut">
               <a:rPr lang="de-DE" smtClean="0"/>
-              <a:t>05.11.2019</a:t>
+              <a:t>12.11.2019</a:t>
             </a:fld>
             <a:endParaRPr lang="de-DE"/>
           </a:p>
@@ -4384,7 +4384,7 @@
           <a:p>
             <a:fld id="{1BA50D42-C9CD-4801-B293-61D1F53EC57E}" type="datetimeFigureOut">
               <a:rPr lang="de-DE" smtClean="0"/>
-              <a:t>05.11.2019</a:t>
+              <a:t>12.11.2019</a:t>
             </a:fld>
             <a:endParaRPr lang="de-DE"/>
           </a:p>
@@ -4502,7 +4502,7 @@
           <a:p>
             <a:fld id="{1BA50D42-C9CD-4801-B293-61D1F53EC57E}" type="datetimeFigureOut">
               <a:rPr lang="de-DE" smtClean="0"/>
-              <a:t>05.11.2019</a:t>
+              <a:t>12.11.2019</a:t>
             </a:fld>
             <a:endParaRPr lang="de-DE"/>
           </a:p>
@@ -4597,7 +4597,7 @@
           <a:p>
             <a:fld id="{1BA50D42-C9CD-4801-B293-61D1F53EC57E}" type="datetimeFigureOut">
               <a:rPr lang="de-DE" smtClean="0"/>
-              <a:t>05.11.2019</a:t>
+              <a:t>12.11.2019</a:t>
             </a:fld>
             <a:endParaRPr lang="de-DE"/>
           </a:p>
@@ -4876,7 +4876,7 @@
           <a:p>
             <a:fld id="{1BA50D42-C9CD-4801-B293-61D1F53EC57E}" type="datetimeFigureOut">
               <a:rPr lang="de-DE" smtClean="0"/>
-              <a:t>05.11.2019</a:t>
+              <a:t>12.11.2019</a:t>
             </a:fld>
             <a:endParaRPr lang="de-DE"/>
           </a:p>
@@ -5151,7 +5151,7 @@
           <a:p>
             <a:fld id="{1BA50D42-C9CD-4801-B293-61D1F53EC57E}" type="datetimeFigureOut">
               <a:rPr lang="de-DE" smtClean="0"/>
-              <a:t>05.11.2019</a:t>
+              <a:t>12.11.2019</a:t>
             </a:fld>
             <a:endParaRPr lang="de-DE"/>
           </a:p>
@@ -5716,7 +5716,7 @@
           <a:p>
             <a:fld id="{1BA50D42-C9CD-4801-B293-61D1F53EC57E}" type="datetimeFigureOut">
               <a:rPr lang="de-DE" smtClean="0"/>
-              <a:t>05.11.2019</a:t>
+              <a:t>12.11.2019</a:t>
             </a:fld>
             <a:endParaRPr lang="de-DE"/>
           </a:p>
@@ -7192,13 +7192,6 @@
               <a:rPr lang="de-CH" dirty="0"/>
               <a:t>Software</a:t>
             </a:r>
-            <a:br>
-              <a:rPr lang="de-CH" dirty="0"/>
-            </a:br>
-            <a:r>
-              <a:rPr lang="de-CH" dirty="0"/>
-              <a:t>(UI)</a:t>
-            </a:r>
           </a:p>
         </p:txBody>
       </p:sp>
@@ -7223,12 +7216,9 @@
           <a:bodyPr/>
           <a:lstStyle/>
           <a:p>
-            <a:r>
-              <a:rPr lang="de-CH" dirty="0"/>
-              <a:t>User Interface</a:t>
-            </a:r>
-          </a:p>
-          <a:p>
+            <a:pPr marL="0" indent="0">
+              <a:buNone/>
+            </a:pPr>
             <a:endParaRPr lang="de-CH" dirty="0"/>
           </a:p>
           <a:p>
@@ -7236,6 +7226,36 @@
           </a:p>
         </p:txBody>
       </p:sp>
+      <p:pic>
+        <p:nvPicPr>
+          <p:cNvPr id="4" name="Grafik 3">
+            <a:extLst>
+              <a:ext uri="{FF2B5EF4-FFF2-40B4-BE49-F238E27FC236}">
+                <a16:creationId xmlns:a16="http://schemas.microsoft.com/office/drawing/2014/main" id="{79097B36-86B2-4E2B-B441-69CE89969C5C}"/>
+              </a:ext>
+            </a:extLst>
+          </p:cNvPr>
+          <p:cNvPicPr>
+            <a:picLocks noChangeAspect="1"/>
+          </p:cNvPicPr>
+          <p:nvPr/>
+        </p:nvPicPr>
+        <p:blipFill>
+          <a:blip r:embed="rId2"/>
+          <a:stretch>
+            <a:fillRect/>
+          </a:stretch>
+        </p:blipFill>
+        <p:spPr>
+          <a:xfrm>
+            <a:off x="849408" y="1753414"/>
+            <a:ext cx="6159751" cy="4794501"/>
+          </a:xfrm>
+          <a:prstGeom prst="rect">
+            <a:avLst/>
+          </a:prstGeom>
+        </p:spPr>
+      </p:pic>
     </p:spTree>
     <p:extLst>
       <p:ext uri="{BB962C8B-B14F-4D97-AF65-F5344CB8AC3E}">

--- a/Präsentation/Präsentation.pptx
+++ b/Präsentation/Präsentation.pptx
@@ -7,11 +7,9 @@
   <p:sldIdLst>
     <p:sldId id="256" r:id="rId2"/>
     <p:sldId id="257" r:id="rId3"/>
-    <p:sldId id="261" r:id="rId4"/>
-    <p:sldId id="258" r:id="rId5"/>
-    <p:sldId id="259" r:id="rId6"/>
-    <p:sldId id="260" r:id="rId7"/>
-    <p:sldId id="262" r:id="rId8"/>
+    <p:sldId id="259" r:id="rId4"/>
+    <p:sldId id="260" r:id="rId5"/>
+    <p:sldId id="262" r:id="rId6"/>
   </p:sldIdLst>
   <p:sldSz cx="9144000" cy="6858000" type="screen4x3"/>
   <p:notesSz cx="6858000" cy="9144000"/>
@@ -6693,7 +6691,7 @@
           <a:p>
             <a:r>
               <a:rPr lang="de-CH" dirty="0"/>
-              <a:t>Inhalt</a:t>
+              <a:t>Content</a:t>
             </a:r>
           </a:p>
         </p:txBody>
@@ -6721,7 +6719,7 @@
           <a:p>
             <a:r>
               <a:rPr lang="de-CH" dirty="0"/>
-              <a:t>Name</a:t>
+              <a:t>Introduktion</a:t>
             </a:r>
           </a:p>
           <a:p>
@@ -6739,27 +6737,13 @@
           <a:p>
             <a:r>
               <a:rPr lang="de-CH" dirty="0"/>
-              <a:t>Robot</a:t>
+              <a:t>Software</a:t>
             </a:r>
           </a:p>
           <a:p>
             <a:r>
               <a:rPr lang="de-CH" dirty="0"/>
-              <a:t>Software</a:t>
-            </a:r>
-          </a:p>
-          <a:p>
-            <a:pPr lvl="1"/>
-            <a:r>
-              <a:rPr lang="de-CH" dirty="0"/>
-              <a:t>UI</a:t>
-            </a:r>
-          </a:p>
-          <a:p>
-            <a:pPr lvl="1"/>
-            <a:r>
-              <a:rPr lang="de-CH" dirty="0"/>
-              <a:t>AI</a:t>
+              <a:t>Demo</a:t>
             </a:r>
           </a:p>
         </p:txBody>
@@ -6799,199 +6783,6 @@
           <p:cNvPr id="2" name="Titel 1">
             <a:extLst>
               <a:ext uri="{FF2B5EF4-FFF2-40B4-BE49-F238E27FC236}">
-                <a16:creationId xmlns:a16="http://schemas.microsoft.com/office/drawing/2014/main" id="{6AA3F7DA-EFC0-46FC-8921-0013B6297C33}"/>
-              </a:ext>
-            </a:extLst>
-          </p:cNvPr>
-          <p:cNvSpPr>
-            <a:spLocks noGrp="1"/>
-          </p:cNvSpPr>
-          <p:nvPr>
-            <p:ph type="title"/>
-          </p:nvPr>
-        </p:nvSpPr>
-        <p:spPr/>
-        <p:txBody>
-          <a:bodyPr/>
-          <a:lstStyle/>
-          <a:p>
-            <a:r>
-              <a:rPr lang="de-CH" dirty="0"/>
-              <a:t>Robot</a:t>
-            </a:r>
-          </a:p>
-        </p:txBody>
-      </p:sp>
-      <p:sp>
-        <p:nvSpPr>
-          <p:cNvPr id="3" name="Inhaltsplatzhalter 2">
-            <a:extLst>
-              <a:ext uri="{FF2B5EF4-FFF2-40B4-BE49-F238E27FC236}">
-                <a16:creationId xmlns:a16="http://schemas.microsoft.com/office/drawing/2014/main" id="{73FA1400-3703-47A3-80FB-CD6C4D734F1D}"/>
-              </a:ext>
-            </a:extLst>
-          </p:cNvPr>
-          <p:cNvSpPr>
-            <a:spLocks noGrp="1"/>
-          </p:cNvSpPr>
-          <p:nvPr>
-            <p:ph idx="1"/>
-          </p:nvPr>
-        </p:nvSpPr>
-        <p:spPr/>
-        <p:txBody>
-          <a:bodyPr/>
-          <a:lstStyle/>
-          <a:p>
-            <a:endParaRPr lang="de-CH"/>
-          </a:p>
-        </p:txBody>
-      </p:sp>
-    </p:spTree>
-    <p:extLst>
-      <p:ext uri="{BB962C8B-B14F-4D97-AF65-F5344CB8AC3E}">
-        <p14:creationId xmlns:p14="http://schemas.microsoft.com/office/powerpoint/2010/main" val="3565102839"/>
-      </p:ext>
-    </p:extLst>
-  </p:cSld>
-  <p:clrMapOvr>
-    <a:masterClrMapping/>
-  </p:clrMapOvr>
-</p:sld>
-</file>
-
-<file path=ppt/slides/slide4.xml><?xml version="1.0" encoding="utf-8"?>
-<p:sld xmlns:a="http://schemas.openxmlformats.org/drawingml/2006/main" xmlns:r="http://schemas.openxmlformats.org/officeDocument/2006/relationships" xmlns:p="http://schemas.openxmlformats.org/presentationml/2006/main">
-  <p:cSld>
-    <p:spTree>
-      <p:nvGrpSpPr>
-        <p:cNvPr id="1" name=""/>
-        <p:cNvGrpSpPr/>
-        <p:nvPr/>
-      </p:nvGrpSpPr>
-      <p:grpSpPr>
-        <a:xfrm>
-          <a:off x="0" y="0"/>
-          <a:ext cx="0" cy="0"/>
-          <a:chOff x="0" y="0"/>
-          <a:chExt cx="0" cy="0"/>
-        </a:xfrm>
-      </p:grpSpPr>
-      <p:sp>
-        <p:nvSpPr>
-          <p:cNvPr id="2" name="Titel 1">
-            <a:extLst>
-              <a:ext uri="{FF2B5EF4-FFF2-40B4-BE49-F238E27FC236}">
-                <a16:creationId xmlns:a16="http://schemas.microsoft.com/office/drawing/2014/main" id="{5F6757A2-EF62-4AB9-8425-888A1A080BA4}"/>
-              </a:ext>
-            </a:extLst>
-          </p:cNvPr>
-          <p:cNvSpPr>
-            <a:spLocks noGrp="1"/>
-          </p:cNvSpPr>
-          <p:nvPr>
-            <p:ph type="title"/>
-          </p:nvPr>
-        </p:nvSpPr>
-        <p:spPr/>
-        <p:txBody>
-          <a:bodyPr/>
-          <a:lstStyle/>
-          <a:p>
-            <a:r>
-              <a:rPr lang="de-CH" dirty="0"/>
-              <a:t>Name</a:t>
-            </a:r>
-          </a:p>
-        </p:txBody>
-      </p:sp>
-      <p:sp>
-        <p:nvSpPr>
-          <p:cNvPr id="3" name="Inhaltsplatzhalter 2">
-            <a:extLst>
-              <a:ext uri="{FF2B5EF4-FFF2-40B4-BE49-F238E27FC236}">
-                <a16:creationId xmlns:a16="http://schemas.microsoft.com/office/drawing/2014/main" id="{5FF00664-17F4-4C54-8F59-89ACE968FB88}"/>
-              </a:ext>
-            </a:extLst>
-          </p:cNvPr>
-          <p:cNvSpPr>
-            <a:spLocks noGrp="1"/>
-          </p:cNvSpPr>
-          <p:nvPr>
-            <p:ph idx="1"/>
-          </p:nvPr>
-        </p:nvSpPr>
-        <p:spPr/>
-        <p:txBody>
-          <a:bodyPr/>
-          <a:lstStyle/>
-          <a:p>
-            <a:r>
-              <a:rPr lang="de-CH" b="1" dirty="0"/>
-              <a:t>O</a:t>
-            </a:r>
-            <a:r>
-              <a:rPr lang="de-CH" dirty="0"/>
-              <a:t>ptische </a:t>
-            </a:r>
-            <a:r>
-              <a:rPr lang="de-CH" b="1" dirty="0" err="1"/>
-              <a:t>K</a:t>
-            </a:r>
-            <a:r>
-              <a:rPr lang="de-CH" dirty="0" err="1"/>
-              <a:t>ontoll</a:t>
-            </a:r>
-            <a:r>
-              <a:rPr lang="de-CH" dirty="0"/>
-              <a:t>-</a:t>
-            </a:r>
-            <a:r>
-              <a:rPr lang="de-CH" b="1" dirty="0"/>
-              <a:t>E</a:t>
-            </a:r>
-            <a:r>
-              <a:rPr lang="de-CH" dirty="0"/>
-              <a:t>inheit</a:t>
-            </a:r>
-          </a:p>
-        </p:txBody>
-      </p:sp>
-    </p:spTree>
-    <p:extLst>
-      <p:ext uri="{BB962C8B-B14F-4D97-AF65-F5344CB8AC3E}">
-        <p14:creationId xmlns:p14="http://schemas.microsoft.com/office/powerpoint/2010/main" val="1502169435"/>
-      </p:ext>
-    </p:extLst>
-  </p:cSld>
-  <p:clrMapOvr>
-    <a:masterClrMapping/>
-  </p:clrMapOvr>
-</p:sld>
-</file>
-
-<file path=ppt/slides/slide5.xml><?xml version="1.0" encoding="utf-8"?>
-<p:sld xmlns:a="http://schemas.openxmlformats.org/drawingml/2006/main" xmlns:r="http://schemas.openxmlformats.org/officeDocument/2006/relationships" xmlns:p="http://schemas.openxmlformats.org/presentationml/2006/main">
-  <p:cSld>
-    <p:spTree>
-      <p:nvGrpSpPr>
-        <p:cNvPr id="1" name=""/>
-        <p:cNvGrpSpPr/>
-        <p:nvPr/>
-      </p:nvGrpSpPr>
-      <p:grpSpPr>
-        <a:xfrm>
-          <a:off x="0" y="0"/>
-          <a:ext cx="0" cy="0"/>
-          <a:chOff x="0" y="0"/>
-          <a:chExt cx="0" cy="0"/>
-        </a:xfrm>
-      </p:grpSpPr>
-      <p:sp>
-        <p:nvSpPr>
-          <p:cNvPr id="2" name="Titel 1">
-            <a:extLst>
-              <a:ext uri="{FF2B5EF4-FFF2-40B4-BE49-F238E27FC236}">
                 <a16:creationId xmlns:a16="http://schemas.microsoft.com/office/drawing/2014/main" id="{5A09D157-37BC-4DB7-9D6A-85C247B87FF3}"/>
               </a:ext>
             </a:extLst>
@@ -7060,7 +6851,7 @@
 </p:sld>
 </file>
 
-<file path=ppt/slides/slide6.xml><?xml version="1.0" encoding="utf-8"?>
+<file path=ppt/slides/slide4.xml><?xml version="1.0" encoding="utf-8"?>
 <p:sld xmlns:a="http://schemas.openxmlformats.org/drawingml/2006/main" xmlns:r="http://schemas.openxmlformats.org/officeDocument/2006/relationships" xmlns:p="http://schemas.openxmlformats.org/presentationml/2006/main">
   <p:cSld>
     <p:spTree>
@@ -7150,7 +6941,7 @@
 </p:sld>
 </file>
 
-<file path=ppt/slides/slide7.xml><?xml version="1.0" encoding="utf-8"?>
+<file path=ppt/slides/slide5.xml><?xml version="1.0" encoding="utf-8"?>
 <p:sld xmlns:a="http://schemas.openxmlformats.org/drawingml/2006/main" xmlns:r="http://schemas.openxmlformats.org/officeDocument/2006/relationships" xmlns:p="http://schemas.openxmlformats.org/presentationml/2006/main">
   <p:cSld>
     <p:spTree>
